--- a/Seconde/Chapitre7-Lewis/Eval/Eval.pptx
+++ b/Seconde/Chapitre7-Lewis/Eval/Eval.pptx
@@ -4,6 +4,9 @@
   <p:sldMasterIdLst>
     <p:sldMasterId id="2147483648" r:id="rId1"/>
   </p:sldMasterIdLst>
+  <p:notesMasterIdLst>
+    <p:notesMasterId r:id="rId11"/>
+  </p:notesMasterIdLst>
   <p:sldIdLst>
     <p:sldId id="256" r:id="rId2"/>
     <p:sldId id="261" r:id="rId3"/>
@@ -11,6 +14,9 @@
     <p:sldId id="258" r:id="rId5"/>
     <p:sldId id="259" r:id="rId6"/>
     <p:sldId id="260" r:id="rId7"/>
+    <p:sldId id="262" r:id="rId8"/>
+    <p:sldId id="263" r:id="rId9"/>
+    <p:sldId id="264" r:id="rId10"/>
   </p:sldIdLst>
   <p:sldSz cx="12192000" cy="6858000"/>
   <p:notesSz cx="6858000" cy="9144000"/>
@@ -117,6 +123,440 @@
 </p:presentation>
 </file>
 
+<file path=ppt/notesMasters/notesMaster1.xml><?xml version="1.0" encoding="utf-8"?>
+<p:notesMaster xmlns:a="http://schemas.openxmlformats.org/drawingml/2006/main" xmlns:r="http://schemas.openxmlformats.org/officeDocument/2006/relationships" xmlns:p="http://schemas.openxmlformats.org/presentationml/2006/main">
+  <p:cSld>
+    <p:bg>
+      <p:bgRef idx="1001">
+        <a:schemeClr val="bg1"/>
+      </p:bgRef>
+    </p:bg>
+    <p:spTree>
+      <p:nvGrpSpPr>
+        <p:cNvPr id="1" name=""/>
+        <p:cNvGrpSpPr/>
+        <p:nvPr/>
+      </p:nvGrpSpPr>
+      <p:grpSpPr>
+        <a:xfrm>
+          <a:off x="0" y="0"/>
+          <a:ext cx="0" cy="0"/>
+          <a:chOff x="0" y="0"/>
+          <a:chExt cx="0" cy="0"/>
+        </a:xfrm>
+      </p:grpSpPr>
+      <p:sp>
+        <p:nvSpPr>
+          <p:cNvPr id="2" name="Header Placeholder 1"/>
+          <p:cNvSpPr>
+            <a:spLocks noGrp="1"/>
+          </p:cNvSpPr>
+          <p:nvPr>
+            <p:ph type="hdr" sz="quarter"/>
+          </p:nvPr>
+        </p:nvSpPr>
+        <p:spPr>
+          <a:xfrm>
+            <a:off x="0" y="0"/>
+            <a:ext cx="2971800" cy="458788"/>
+          </a:xfrm>
+          <a:prstGeom prst="rect">
+            <a:avLst/>
+          </a:prstGeom>
+        </p:spPr>
+        <p:txBody>
+          <a:bodyPr vert="horz" lIns="91440" tIns="45720" rIns="91440" bIns="45720" rtlCol="0"/>
+          <a:lstStyle>
+            <a:lvl1pPr algn="l">
+              <a:defRPr sz="1200"/>
+            </a:lvl1pPr>
+          </a:lstStyle>
+          <a:p>
+            <a:endParaRPr lang="fr-FR"/>
+          </a:p>
+        </p:txBody>
+      </p:sp>
+      <p:sp>
+        <p:nvSpPr>
+          <p:cNvPr id="3" name="Date Placeholder 2"/>
+          <p:cNvSpPr>
+            <a:spLocks noGrp="1"/>
+          </p:cNvSpPr>
+          <p:nvPr>
+            <p:ph type="dt" idx="1"/>
+          </p:nvPr>
+        </p:nvSpPr>
+        <p:spPr>
+          <a:xfrm>
+            <a:off x="3884613" y="0"/>
+            <a:ext cx="2971800" cy="458788"/>
+          </a:xfrm>
+          <a:prstGeom prst="rect">
+            <a:avLst/>
+          </a:prstGeom>
+        </p:spPr>
+        <p:txBody>
+          <a:bodyPr vert="horz" lIns="91440" tIns="45720" rIns="91440" bIns="45720" rtlCol="0"/>
+          <a:lstStyle>
+            <a:lvl1pPr algn="r">
+              <a:defRPr sz="1200"/>
+            </a:lvl1pPr>
+          </a:lstStyle>
+          <a:p>
+            <a:fld id="{00B8E1CC-098E-49BD-AABB-D2C78084BEC4}" type="datetimeFigureOut">
+              <a:rPr lang="fr-FR" smtClean="0"/>
+              <a:t>16/02/2021</a:t>
+            </a:fld>
+            <a:endParaRPr lang="fr-FR"/>
+          </a:p>
+        </p:txBody>
+      </p:sp>
+      <p:sp>
+        <p:nvSpPr>
+          <p:cNvPr id="4" name="Slide Image Placeholder 3"/>
+          <p:cNvSpPr>
+            <a:spLocks noGrp="1" noRot="1" noChangeAspect="1"/>
+          </p:cNvSpPr>
+          <p:nvPr>
+            <p:ph type="sldImg" idx="2"/>
+          </p:nvPr>
+        </p:nvSpPr>
+        <p:spPr>
+          <a:xfrm>
+            <a:off x="685800" y="1143000"/>
+            <a:ext cx="5486400" cy="3086100"/>
+          </a:xfrm>
+          <a:prstGeom prst="rect">
+            <a:avLst/>
+          </a:prstGeom>
+          <a:noFill/>
+          <a:ln w="12700">
+            <a:solidFill>
+              <a:prstClr val="black"/>
+            </a:solidFill>
+          </a:ln>
+        </p:spPr>
+        <p:txBody>
+          <a:bodyPr vert="horz" lIns="91440" tIns="45720" rIns="91440" bIns="45720" rtlCol="0" anchor="ctr"/>
+          <a:lstStyle/>
+          <a:p>
+            <a:endParaRPr lang="fr-FR"/>
+          </a:p>
+        </p:txBody>
+      </p:sp>
+      <p:sp>
+        <p:nvSpPr>
+          <p:cNvPr id="5" name="Notes Placeholder 4"/>
+          <p:cNvSpPr>
+            <a:spLocks noGrp="1"/>
+          </p:cNvSpPr>
+          <p:nvPr>
+            <p:ph type="body" sz="quarter" idx="3"/>
+          </p:nvPr>
+        </p:nvSpPr>
+        <p:spPr>
+          <a:xfrm>
+            <a:off x="685800" y="4400550"/>
+            <a:ext cx="5486400" cy="3600450"/>
+          </a:xfrm>
+          <a:prstGeom prst="rect">
+            <a:avLst/>
+          </a:prstGeom>
+        </p:spPr>
+        <p:txBody>
+          <a:bodyPr vert="horz" lIns="91440" tIns="45720" rIns="91440" bIns="45720" rtlCol="0"/>
+          <a:lstStyle/>
+          <a:p>
+            <a:pPr lvl="0"/>
+            <a:r>
+              <a:rPr lang="en-US"/>
+              <a:t>Click to edit Master text styles</a:t>
+            </a:r>
+          </a:p>
+          <a:p>
+            <a:pPr lvl="1"/>
+            <a:r>
+              <a:rPr lang="en-US"/>
+              <a:t>Second level</a:t>
+            </a:r>
+          </a:p>
+          <a:p>
+            <a:pPr lvl="2"/>
+            <a:r>
+              <a:rPr lang="en-US"/>
+              <a:t>Third level</a:t>
+            </a:r>
+          </a:p>
+          <a:p>
+            <a:pPr lvl="3"/>
+            <a:r>
+              <a:rPr lang="en-US"/>
+              <a:t>Fourth level</a:t>
+            </a:r>
+          </a:p>
+          <a:p>
+            <a:pPr lvl="4"/>
+            <a:r>
+              <a:rPr lang="en-US"/>
+              <a:t>Fifth level</a:t>
+            </a:r>
+            <a:endParaRPr lang="fr-FR"/>
+          </a:p>
+        </p:txBody>
+      </p:sp>
+      <p:sp>
+        <p:nvSpPr>
+          <p:cNvPr id="6" name="Footer Placeholder 5"/>
+          <p:cNvSpPr>
+            <a:spLocks noGrp="1"/>
+          </p:cNvSpPr>
+          <p:nvPr>
+            <p:ph type="ftr" sz="quarter" idx="4"/>
+          </p:nvPr>
+        </p:nvSpPr>
+        <p:spPr>
+          <a:xfrm>
+            <a:off x="0" y="8685213"/>
+            <a:ext cx="2971800" cy="458787"/>
+          </a:xfrm>
+          <a:prstGeom prst="rect">
+            <a:avLst/>
+          </a:prstGeom>
+        </p:spPr>
+        <p:txBody>
+          <a:bodyPr vert="horz" lIns="91440" tIns="45720" rIns="91440" bIns="45720" rtlCol="0" anchor="b"/>
+          <a:lstStyle>
+            <a:lvl1pPr algn="l">
+              <a:defRPr sz="1200"/>
+            </a:lvl1pPr>
+          </a:lstStyle>
+          <a:p>
+            <a:endParaRPr lang="fr-FR"/>
+          </a:p>
+        </p:txBody>
+      </p:sp>
+      <p:sp>
+        <p:nvSpPr>
+          <p:cNvPr id="7" name="Slide Number Placeholder 6"/>
+          <p:cNvSpPr>
+            <a:spLocks noGrp="1"/>
+          </p:cNvSpPr>
+          <p:nvPr>
+            <p:ph type="sldNum" sz="quarter" idx="5"/>
+          </p:nvPr>
+        </p:nvSpPr>
+        <p:spPr>
+          <a:xfrm>
+            <a:off x="3884613" y="8685213"/>
+            <a:ext cx="2971800" cy="458787"/>
+          </a:xfrm>
+          <a:prstGeom prst="rect">
+            <a:avLst/>
+          </a:prstGeom>
+        </p:spPr>
+        <p:txBody>
+          <a:bodyPr vert="horz" lIns="91440" tIns="45720" rIns="91440" bIns="45720" rtlCol="0" anchor="b"/>
+          <a:lstStyle>
+            <a:lvl1pPr algn="r">
+              <a:defRPr sz="1200"/>
+            </a:lvl1pPr>
+          </a:lstStyle>
+          <a:p>
+            <a:fld id="{F984BC7F-1475-40ED-8076-67444780DA28}" type="slidenum">
+              <a:rPr lang="fr-FR" smtClean="0"/>
+              <a:t>‹#›</a:t>
+            </a:fld>
+            <a:endParaRPr lang="fr-FR"/>
+          </a:p>
+        </p:txBody>
+      </p:sp>
+    </p:spTree>
+    <p:extLst>
+      <p:ext uri="{BB962C8B-B14F-4D97-AF65-F5344CB8AC3E}">
+        <p14:creationId xmlns:p14="http://schemas.microsoft.com/office/powerpoint/2010/main" val="951861810"/>
+      </p:ext>
+    </p:extLst>
+  </p:cSld>
+  <p:clrMap bg1="lt1" tx1="dk1" bg2="lt2" tx2="dk2" accent1="accent1" accent2="accent2" accent3="accent3" accent4="accent4" accent5="accent5" accent6="accent6" hlink="hlink" folHlink="folHlink"/>
+  <p:notesStyle>
+    <a:lvl1pPr marL="0" algn="l" defTabSz="914400" rtl="0" eaLnBrk="1" latinLnBrk="0" hangingPunct="1">
+      <a:defRPr sz="1200" kern="1200">
+        <a:solidFill>
+          <a:schemeClr val="tx1"/>
+        </a:solidFill>
+        <a:latin typeface="+mn-lt"/>
+        <a:ea typeface="+mn-ea"/>
+        <a:cs typeface="+mn-cs"/>
+      </a:defRPr>
+    </a:lvl1pPr>
+    <a:lvl2pPr marL="457200" algn="l" defTabSz="914400" rtl="0" eaLnBrk="1" latinLnBrk="0" hangingPunct="1">
+      <a:defRPr sz="1200" kern="1200">
+        <a:solidFill>
+          <a:schemeClr val="tx1"/>
+        </a:solidFill>
+        <a:latin typeface="+mn-lt"/>
+        <a:ea typeface="+mn-ea"/>
+        <a:cs typeface="+mn-cs"/>
+      </a:defRPr>
+    </a:lvl2pPr>
+    <a:lvl3pPr marL="914400" algn="l" defTabSz="914400" rtl="0" eaLnBrk="1" latinLnBrk="0" hangingPunct="1">
+      <a:defRPr sz="1200" kern="1200">
+        <a:solidFill>
+          <a:schemeClr val="tx1"/>
+        </a:solidFill>
+        <a:latin typeface="+mn-lt"/>
+        <a:ea typeface="+mn-ea"/>
+        <a:cs typeface="+mn-cs"/>
+      </a:defRPr>
+    </a:lvl3pPr>
+    <a:lvl4pPr marL="1371600" algn="l" defTabSz="914400" rtl="0" eaLnBrk="1" latinLnBrk="0" hangingPunct="1">
+      <a:defRPr sz="1200" kern="1200">
+        <a:solidFill>
+          <a:schemeClr val="tx1"/>
+        </a:solidFill>
+        <a:latin typeface="+mn-lt"/>
+        <a:ea typeface="+mn-ea"/>
+        <a:cs typeface="+mn-cs"/>
+      </a:defRPr>
+    </a:lvl4pPr>
+    <a:lvl5pPr marL="1828800" algn="l" defTabSz="914400" rtl="0" eaLnBrk="1" latinLnBrk="0" hangingPunct="1">
+      <a:defRPr sz="1200" kern="1200">
+        <a:solidFill>
+          <a:schemeClr val="tx1"/>
+        </a:solidFill>
+        <a:latin typeface="+mn-lt"/>
+        <a:ea typeface="+mn-ea"/>
+        <a:cs typeface="+mn-cs"/>
+      </a:defRPr>
+    </a:lvl5pPr>
+    <a:lvl6pPr marL="2286000" algn="l" defTabSz="914400" rtl="0" eaLnBrk="1" latinLnBrk="0" hangingPunct="1">
+      <a:defRPr sz="1200" kern="1200">
+        <a:solidFill>
+          <a:schemeClr val="tx1"/>
+        </a:solidFill>
+        <a:latin typeface="+mn-lt"/>
+        <a:ea typeface="+mn-ea"/>
+        <a:cs typeface="+mn-cs"/>
+      </a:defRPr>
+    </a:lvl6pPr>
+    <a:lvl7pPr marL="2743200" algn="l" defTabSz="914400" rtl="0" eaLnBrk="1" latinLnBrk="0" hangingPunct="1">
+      <a:defRPr sz="1200" kern="1200">
+        <a:solidFill>
+          <a:schemeClr val="tx1"/>
+        </a:solidFill>
+        <a:latin typeface="+mn-lt"/>
+        <a:ea typeface="+mn-ea"/>
+        <a:cs typeface="+mn-cs"/>
+      </a:defRPr>
+    </a:lvl7pPr>
+    <a:lvl8pPr marL="3200400" algn="l" defTabSz="914400" rtl="0" eaLnBrk="1" latinLnBrk="0" hangingPunct="1">
+      <a:defRPr sz="1200" kern="1200">
+        <a:solidFill>
+          <a:schemeClr val="tx1"/>
+        </a:solidFill>
+        <a:latin typeface="+mn-lt"/>
+        <a:ea typeface="+mn-ea"/>
+        <a:cs typeface="+mn-cs"/>
+      </a:defRPr>
+    </a:lvl8pPr>
+    <a:lvl9pPr marL="3657600" algn="l" defTabSz="914400" rtl="0" eaLnBrk="1" latinLnBrk="0" hangingPunct="1">
+      <a:defRPr sz="1200" kern="1200">
+        <a:solidFill>
+          <a:schemeClr val="tx1"/>
+        </a:solidFill>
+        <a:latin typeface="+mn-lt"/>
+        <a:ea typeface="+mn-ea"/>
+        <a:cs typeface="+mn-cs"/>
+      </a:defRPr>
+    </a:lvl9pPr>
+  </p:notesStyle>
+</p:notesMaster>
+</file>
+
+<file path=ppt/notesSlides/notesSlide1.xml><?xml version="1.0" encoding="utf-8"?>
+<p:notes xmlns:a="http://schemas.openxmlformats.org/drawingml/2006/main" xmlns:r="http://schemas.openxmlformats.org/officeDocument/2006/relationships" xmlns:p="http://schemas.openxmlformats.org/presentationml/2006/main">
+  <p:cSld>
+    <p:spTree>
+      <p:nvGrpSpPr>
+        <p:cNvPr id="1" name=""/>
+        <p:cNvGrpSpPr/>
+        <p:nvPr/>
+      </p:nvGrpSpPr>
+      <p:grpSpPr>
+        <a:xfrm>
+          <a:off x="0" y="0"/>
+          <a:ext cx="0" cy="0"/>
+          <a:chOff x="0" y="0"/>
+          <a:chExt cx="0" cy="0"/>
+        </a:xfrm>
+      </p:grpSpPr>
+      <p:sp>
+        <p:nvSpPr>
+          <p:cNvPr id="2" name="Slide Image Placeholder 1"/>
+          <p:cNvSpPr>
+            <a:spLocks noGrp="1" noRot="1" noChangeAspect="1"/>
+          </p:cNvSpPr>
+          <p:nvPr>
+            <p:ph type="sldImg"/>
+          </p:nvPr>
+        </p:nvSpPr>
+        <p:spPr/>
+      </p:sp>
+      <p:sp>
+        <p:nvSpPr>
+          <p:cNvPr id="3" name="Notes Placeholder 2"/>
+          <p:cNvSpPr>
+            <a:spLocks noGrp="1"/>
+          </p:cNvSpPr>
+          <p:nvPr>
+            <p:ph type="body" idx="1"/>
+          </p:nvPr>
+        </p:nvSpPr>
+        <p:spPr/>
+        <p:txBody>
+          <a:bodyPr/>
+          <a:lstStyle/>
+          <a:p>
+            <a:endParaRPr lang="fr-FR" dirty="0"/>
+          </a:p>
+        </p:txBody>
+      </p:sp>
+      <p:sp>
+        <p:nvSpPr>
+          <p:cNvPr id="4" name="Slide Number Placeholder 3"/>
+          <p:cNvSpPr>
+            <a:spLocks noGrp="1"/>
+          </p:cNvSpPr>
+          <p:nvPr>
+            <p:ph type="sldNum" sz="quarter" idx="5"/>
+          </p:nvPr>
+        </p:nvSpPr>
+        <p:spPr/>
+        <p:txBody>
+          <a:bodyPr/>
+          <a:lstStyle/>
+          <a:p>
+            <a:fld id="{F984BC7F-1475-40ED-8076-67444780DA28}" type="slidenum">
+              <a:rPr lang="fr-FR" smtClean="0"/>
+              <a:t>7</a:t>
+            </a:fld>
+            <a:endParaRPr lang="fr-FR"/>
+          </a:p>
+        </p:txBody>
+      </p:sp>
+    </p:spTree>
+    <p:extLst>
+      <p:ext uri="{BB962C8B-B14F-4D97-AF65-F5344CB8AC3E}">
+        <p14:creationId xmlns:p14="http://schemas.microsoft.com/office/powerpoint/2010/main" val="1516441688"/>
+      </p:ext>
+    </p:extLst>
+  </p:cSld>
+  <p:clrMapOvr>
+    <a:masterClrMapping/>
+  </p:clrMapOvr>
+</p:notes>
+</file>
+
 <file path=ppt/slideLayouts/slideLayout1.xml><?xml version="1.0" encoding="utf-8"?>
 <p:sldLayout xmlns:a="http://schemas.openxmlformats.org/drawingml/2006/main" xmlns:r="http://schemas.openxmlformats.org/officeDocument/2006/relationships" xmlns:p="http://schemas.openxmlformats.org/presentationml/2006/main" type="title" preserve="1">
   <p:cSld name="Title Slide">
@@ -266,7 +706,7 @@
           <a:p>
             <a:fld id="{A3137C39-DE4E-4FA4-8485-BFD6F4B3FB92}" type="datetimeFigureOut">
               <a:rPr lang="fr-FR" smtClean="0"/>
-              <a:t>07/02/2021</a:t>
+              <a:t>16/02/2021</a:t>
             </a:fld>
             <a:endParaRPr lang="fr-FR"/>
           </a:p>
@@ -466,7 +906,7 @@
           <a:p>
             <a:fld id="{A3137C39-DE4E-4FA4-8485-BFD6F4B3FB92}" type="datetimeFigureOut">
               <a:rPr lang="fr-FR" smtClean="0"/>
-              <a:t>07/02/2021</a:t>
+              <a:t>16/02/2021</a:t>
             </a:fld>
             <a:endParaRPr lang="fr-FR"/>
           </a:p>
@@ -676,7 +1116,7 @@
           <a:p>
             <a:fld id="{A3137C39-DE4E-4FA4-8485-BFD6F4B3FB92}" type="datetimeFigureOut">
               <a:rPr lang="fr-FR" smtClean="0"/>
-              <a:t>07/02/2021</a:t>
+              <a:t>16/02/2021</a:t>
             </a:fld>
             <a:endParaRPr lang="fr-FR"/>
           </a:p>
@@ -876,7 +1316,7 @@
           <a:p>
             <a:fld id="{A3137C39-DE4E-4FA4-8485-BFD6F4B3FB92}" type="datetimeFigureOut">
               <a:rPr lang="fr-FR" smtClean="0"/>
-              <a:t>07/02/2021</a:t>
+              <a:t>16/02/2021</a:t>
             </a:fld>
             <a:endParaRPr lang="fr-FR"/>
           </a:p>
@@ -1152,7 +1592,7 @@
           <a:p>
             <a:fld id="{A3137C39-DE4E-4FA4-8485-BFD6F4B3FB92}" type="datetimeFigureOut">
               <a:rPr lang="fr-FR" smtClean="0"/>
-              <a:t>07/02/2021</a:t>
+              <a:t>16/02/2021</a:t>
             </a:fld>
             <a:endParaRPr lang="fr-FR"/>
           </a:p>
@@ -1420,7 +1860,7 @@
           <a:p>
             <a:fld id="{A3137C39-DE4E-4FA4-8485-BFD6F4B3FB92}" type="datetimeFigureOut">
               <a:rPr lang="fr-FR" smtClean="0"/>
-              <a:t>07/02/2021</a:t>
+              <a:t>16/02/2021</a:t>
             </a:fld>
             <a:endParaRPr lang="fr-FR"/>
           </a:p>
@@ -1835,7 +2275,7 @@
           <a:p>
             <a:fld id="{A3137C39-DE4E-4FA4-8485-BFD6F4B3FB92}" type="datetimeFigureOut">
               <a:rPr lang="fr-FR" smtClean="0"/>
-              <a:t>07/02/2021</a:t>
+              <a:t>16/02/2021</a:t>
             </a:fld>
             <a:endParaRPr lang="fr-FR"/>
           </a:p>
@@ -1977,7 +2417,7 @@
           <a:p>
             <a:fld id="{A3137C39-DE4E-4FA4-8485-BFD6F4B3FB92}" type="datetimeFigureOut">
               <a:rPr lang="fr-FR" smtClean="0"/>
-              <a:t>07/02/2021</a:t>
+              <a:t>16/02/2021</a:t>
             </a:fld>
             <a:endParaRPr lang="fr-FR"/>
           </a:p>
@@ -2090,7 +2530,7 @@
           <a:p>
             <a:fld id="{A3137C39-DE4E-4FA4-8485-BFD6F4B3FB92}" type="datetimeFigureOut">
               <a:rPr lang="fr-FR" smtClean="0"/>
-              <a:t>07/02/2021</a:t>
+              <a:t>16/02/2021</a:t>
             </a:fld>
             <a:endParaRPr lang="fr-FR"/>
           </a:p>
@@ -2403,7 +2843,7 @@
           <a:p>
             <a:fld id="{A3137C39-DE4E-4FA4-8485-BFD6F4B3FB92}" type="datetimeFigureOut">
               <a:rPr lang="fr-FR" smtClean="0"/>
-              <a:t>07/02/2021</a:t>
+              <a:t>16/02/2021</a:t>
             </a:fld>
             <a:endParaRPr lang="fr-FR"/>
           </a:p>
@@ -2692,7 +3132,7 @@
           <a:p>
             <a:fld id="{A3137C39-DE4E-4FA4-8485-BFD6F4B3FB92}" type="datetimeFigureOut">
               <a:rPr lang="fr-FR" smtClean="0"/>
-              <a:t>07/02/2021</a:t>
+              <a:t>16/02/2021</a:t>
             </a:fld>
             <a:endParaRPr lang="fr-FR"/>
           </a:p>
@@ -2935,7 +3375,7 @@
           <a:p>
             <a:fld id="{A3137C39-DE4E-4FA4-8485-BFD6F4B3FB92}" type="datetimeFigureOut">
               <a:rPr lang="fr-FR" smtClean="0"/>
-              <a:t>07/02/2021</a:t>
+              <a:t>16/02/2021</a:t>
             </a:fld>
             <a:endParaRPr lang="fr-FR"/>
           </a:p>
@@ -5137,6 +5577,6349 @@
 </p:sld>
 </file>
 
+<file path=ppt/slides/slide7.xml><?xml version="1.0" encoding="utf-8"?>
+<p:sld xmlns:a="http://schemas.openxmlformats.org/drawingml/2006/main" xmlns:r="http://schemas.openxmlformats.org/officeDocument/2006/relationships" xmlns:p="http://schemas.openxmlformats.org/presentationml/2006/main">
+  <p:cSld>
+    <p:spTree>
+      <p:nvGrpSpPr>
+        <p:cNvPr id="1" name=""/>
+        <p:cNvGrpSpPr/>
+        <p:nvPr/>
+      </p:nvGrpSpPr>
+      <p:grpSpPr>
+        <a:xfrm>
+          <a:off x="0" y="0"/>
+          <a:ext cx="0" cy="0"/>
+          <a:chOff x="0" y="0"/>
+          <a:chExt cx="0" cy="0"/>
+        </a:xfrm>
+      </p:grpSpPr>
+      <p:sp>
+        <p:nvSpPr>
+          <p:cNvPr id="2" name="TextBox 1">
+            <a:extLst>
+              <a:ext uri="{FF2B5EF4-FFF2-40B4-BE49-F238E27FC236}">
+                <a16:creationId xmlns:a16="http://schemas.microsoft.com/office/drawing/2014/main" id="{56B52472-6DCD-4756-8B3C-B6CF64A50C9D}"/>
+              </a:ext>
+            </a:extLst>
+          </p:cNvPr>
+          <p:cNvSpPr txBox="1"/>
+          <p:nvPr/>
+        </p:nvSpPr>
+        <p:spPr>
+          <a:xfrm>
+            <a:off x="2188396" y="1530849"/>
+            <a:ext cx="780836" cy="369332"/>
+          </a:xfrm>
+          <a:prstGeom prst="rect">
+            <a:avLst/>
+          </a:prstGeom>
+          <a:noFill/>
+        </p:spPr>
+        <p:txBody>
+          <a:bodyPr wrap="square" rtlCol="0">
+            <a:spAutoFit/>
+          </a:bodyPr>
+          <a:lstStyle/>
+          <a:p>
+            <a:r>
+              <a:rPr lang="fr-FR" dirty="0"/>
+              <a:t>S</a:t>
+            </a:r>
+          </a:p>
+        </p:txBody>
+      </p:sp>
+      <p:sp>
+        <p:nvSpPr>
+          <p:cNvPr id="3" name="TextBox 2">
+            <a:extLst>
+              <a:ext uri="{FF2B5EF4-FFF2-40B4-BE49-F238E27FC236}">
+                <a16:creationId xmlns:a16="http://schemas.microsoft.com/office/drawing/2014/main" id="{07E22505-0FF6-4A0B-A637-3FA339EE9F56}"/>
+              </a:ext>
+            </a:extLst>
+          </p:cNvPr>
+          <p:cNvSpPr txBox="1"/>
+          <p:nvPr/>
+        </p:nvSpPr>
+        <p:spPr>
+          <a:xfrm>
+            <a:off x="2619911" y="1879633"/>
+            <a:ext cx="472611" cy="369332"/>
+          </a:xfrm>
+          <a:prstGeom prst="rect">
+            <a:avLst/>
+          </a:prstGeom>
+          <a:noFill/>
+        </p:spPr>
+        <p:txBody>
+          <a:bodyPr wrap="square" rtlCol="0">
+            <a:spAutoFit/>
+          </a:bodyPr>
+          <a:lstStyle/>
+          <a:p>
+            <a:r>
+              <a:rPr lang="fr-FR" dirty="0"/>
+              <a:t>O</a:t>
+            </a:r>
+          </a:p>
+        </p:txBody>
+      </p:sp>
+      <p:sp>
+        <p:nvSpPr>
+          <p:cNvPr id="4" name="TextBox 3">
+            <a:extLst>
+              <a:ext uri="{FF2B5EF4-FFF2-40B4-BE49-F238E27FC236}">
+                <a16:creationId xmlns:a16="http://schemas.microsoft.com/office/drawing/2014/main" id="{E750631C-37FC-48CB-BD03-50125FDEE5C7}"/>
+              </a:ext>
+            </a:extLst>
+          </p:cNvPr>
+          <p:cNvSpPr txBox="1"/>
+          <p:nvPr/>
+        </p:nvSpPr>
+        <p:spPr>
+          <a:xfrm>
+            <a:off x="1756881" y="1879633"/>
+            <a:ext cx="472611" cy="369332"/>
+          </a:xfrm>
+          <a:prstGeom prst="rect">
+            <a:avLst/>
+          </a:prstGeom>
+          <a:noFill/>
+        </p:spPr>
+        <p:txBody>
+          <a:bodyPr wrap="square" rtlCol="0">
+            <a:spAutoFit/>
+          </a:bodyPr>
+          <a:lstStyle/>
+          <a:p>
+            <a:r>
+              <a:rPr lang="fr-FR" dirty="0"/>
+              <a:t>O</a:t>
+            </a:r>
+          </a:p>
+        </p:txBody>
+      </p:sp>
+      <p:sp>
+        <p:nvSpPr>
+          <p:cNvPr id="5" name="TextBox 4">
+            <a:extLst>
+              <a:ext uri="{FF2B5EF4-FFF2-40B4-BE49-F238E27FC236}">
+                <a16:creationId xmlns:a16="http://schemas.microsoft.com/office/drawing/2014/main" id="{9D0C65BA-C3AB-4B94-8E6D-6F0D5810E77B}"/>
+              </a:ext>
+            </a:extLst>
+          </p:cNvPr>
+          <p:cNvSpPr txBox="1"/>
+          <p:nvPr/>
+        </p:nvSpPr>
+        <p:spPr>
+          <a:xfrm>
+            <a:off x="2147300" y="1099873"/>
+            <a:ext cx="472611" cy="369332"/>
+          </a:xfrm>
+          <a:prstGeom prst="rect">
+            <a:avLst/>
+          </a:prstGeom>
+          <a:noFill/>
+        </p:spPr>
+        <p:txBody>
+          <a:bodyPr wrap="square" rtlCol="0">
+            <a:spAutoFit/>
+          </a:bodyPr>
+          <a:lstStyle/>
+          <a:p>
+            <a:r>
+              <a:rPr lang="fr-FR" dirty="0"/>
+              <a:t>O</a:t>
+            </a:r>
+          </a:p>
+        </p:txBody>
+      </p:sp>
+      <p:sp>
+        <p:nvSpPr>
+          <p:cNvPr id="6" name="TextBox 5">
+            <a:extLst>
+              <a:ext uri="{FF2B5EF4-FFF2-40B4-BE49-F238E27FC236}">
+                <a16:creationId xmlns:a16="http://schemas.microsoft.com/office/drawing/2014/main" id="{87CB9142-DD4A-4AE9-B41E-DF2E2399CD91}"/>
+              </a:ext>
+            </a:extLst>
+          </p:cNvPr>
+          <p:cNvSpPr txBox="1"/>
+          <p:nvPr/>
+        </p:nvSpPr>
+        <p:spPr>
+          <a:xfrm>
+            <a:off x="6018944" y="1469205"/>
+            <a:ext cx="320211" cy="369332"/>
+          </a:xfrm>
+          <a:prstGeom prst="rect">
+            <a:avLst/>
+          </a:prstGeom>
+          <a:noFill/>
+        </p:spPr>
+        <p:txBody>
+          <a:bodyPr wrap="square" rtlCol="0">
+            <a:spAutoFit/>
+          </a:bodyPr>
+          <a:lstStyle/>
+          <a:p>
+            <a:r>
+              <a:rPr lang="fr-FR" dirty="0"/>
+              <a:t>O</a:t>
+            </a:r>
+          </a:p>
+        </p:txBody>
+      </p:sp>
+      <p:sp>
+        <p:nvSpPr>
+          <p:cNvPr id="7" name="TextBox 6">
+            <a:extLst>
+              <a:ext uri="{FF2B5EF4-FFF2-40B4-BE49-F238E27FC236}">
+                <a16:creationId xmlns:a16="http://schemas.microsoft.com/office/drawing/2014/main" id="{AB95860F-84F3-4160-A2F2-DAE0F3FE3F64}"/>
+              </a:ext>
+            </a:extLst>
+          </p:cNvPr>
+          <p:cNvSpPr txBox="1"/>
+          <p:nvPr/>
+        </p:nvSpPr>
+        <p:spPr>
+          <a:xfrm>
+            <a:off x="6500117" y="1467494"/>
+            <a:ext cx="320211" cy="369332"/>
+          </a:xfrm>
+          <a:prstGeom prst="rect">
+            <a:avLst/>
+          </a:prstGeom>
+          <a:noFill/>
+        </p:spPr>
+        <p:txBody>
+          <a:bodyPr wrap="square" rtlCol="0">
+            <a:spAutoFit/>
+          </a:bodyPr>
+          <a:lstStyle/>
+          <a:p>
+            <a:r>
+              <a:rPr lang="fr-FR" dirty="0"/>
+              <a:t>C</a:t>
+            </a:r>
+          </a:p>
+        </p:txBody>
+      </p:sp>
+      <p:sp>
+        <p:nvSpPr>
+          <p:cNvPr id="8" name="TextBox 7">
+            <a:extLst>
+              <a:ext uri="{FF2B5EF4-FFF2-40B4-BE49-F238E27FC236}">
+                <a16:creationId xmlns:a16="http://schemas.microsoft.com/office/drawing/2014/main" id="{D1AEC5C0-C392-4958-AA23-2C0CE0ECBA06}"/>
+              </a:ext>
+            </a:extLst>
+          </p:cNvPr>
+          <p:cNvSpPr txBox="1"/>
+          <p:nvPr/>
+        </p:nvSpPr>
+        <p:spPr>
+          <a:xfrm>
+            <a:off x="6981290" y="1467494"/>
+            <a:ext cx="320211" cy="369332"/>
+          </a:xfrm>
+          <a:prstGeom prst="rect">
+            <a:avLst/>
+          </a:prstGeom>
+          <a:noFill/>
+        </p:spPr>
+        <p:txBody>
+          <a:bodyPr wrap="square" rtlCol="0">
+            <a:spAutoFit/>
+          </a:bodyPr>
+          <a:lstStyle/>
+          <a:p>
+            <a:r>
+              <a:rPr lang="fr-FR" dirty="0"/>
+              <a:t>S</a:t>
+            </a:r>
+          </a:p>
+        </p:txBody>
+      </p:sp>
+      <p:sp>
+        <p:nvSpPr>
+          <p:cNvPr id="9" name="TextBox 8">
+            <a:extLst>
+              <a:ext uri="{FF2B5EF4-FFF2-40B4-BE49-F238E27FC236}">
+                <a16:creationId xmlns:a16="http://schemas.microsoft.com/office/drawing/2014/main" id="{733A9B9F-9961-4B98-AAD9-70F352C85B12}"/>
+              </a:ext>
+            </a:extLst>
+          </p:cNvPr>
+          <p:cNvSpPr txBox="1"/>
+          <p:nvPr/>
+        </p:nvSpPr>
+        <p:spPr>
+          <a:xfrm>
+            <a:off x="2809126" y="4364805"/>
+            <a:ext cx="320211" cy="369332"/>
+          </a:xfrm>
+          <a:prstGeom prst="rect">
+            <a:avLst/>
+          </a:prstGeom>
+          <a:noFill/>
+        </p:spPr>
+        <p:txBody>
+          <a:bodyPr wrap="square" rtlCol="0">
+            <a:spAutoFit/>
+          </a:bodyPr>
+          <a:lstStyle/>
+          <a:p>
+            <a:r>
+              <a:rPr lang="fr-FR" dirty="0"/>
+              <a:t>H</a:t>
+            </a:r>
+          </a:p>
+        </p:txBody>
+      </p:sp>
+      <p:sp>
+        <p:nvSpPr>
+          <p:cNvPr id="10" name="TextBox 9">
+            <a:extLst>
+              <a:ext uri="{FF2B5EF4-FFF2-40B4-BE49-F238E27FC236}">
+                <a16:creationId xmlns:a16="http://schemas.microsoft.com/office/drawing/2014/main" id="{42953315-5CA0-4628-AE1E-9247C0E7B8C0}"/>
+              </a:ext>
+            </a:extLst>
+          </p:cNvPr>
+          <p:cNvSpPr txBox="1"/>
+          <p:nvPr/>
+        </p:nvSpPr>
+        <p:spPr>
+          <a:xfrm>
+            <a:off x="3364787" y="4364805"/>
+            <a:ext cx="320211" cy="369332"/>
+          </a:xfrm>
+          <a:prstGeom prst="rect">
+            <a:avLst/>
+          </a:prstGeom>
+          <a:noFill/>
+        </p:spPr>
+        <p:txBody>
+          <a:bodyPr wrap="square" rtlCol="0">
+            <a:spAutoFit/>
+          </a:bodyPr>
+          <a:lstStyle/>
+          <a:p>
+            <a:r>
+              <a:rPr lang="fr-FR" dirty="0"/>
+              <a:t>S</a:t>
+            </a:r>
+          </a:p>
+        </p:txBody>
+      </p:sp>
+      <p:sp>
+        <p:nvSpPr>
+          <p:cNvPr id="11" name="TextBox 10">
+            <a:extLst>
+              <a:ext uri="{FF2B5EF4-FFF2-40B4-BE49-F238E27FC236}">
+                <a16:creationId xmlns:a16="http://schemas.microsoft.com/office/drawing/2014/main" id="{04AB4ECA-6098-48B3-B62B-57DE6FFC8CC2}"/>
+              </a:ext>
+            </a:extLst>
+          </p:cNvPr>
+          <p:cNvSpPr txBox="1"/>
+          <p:nvPr/>
+        </p:nvSpPr>
+        <p:spPr>
+          <a:xfrm>
+            <a:off x="3845960" y="4364805"/>
+            <a:ext cx="320211" cy="369332"/>
+          </a:xfrm>
+          <a:prstGeom prst="rect">
+            <a:avLst/>
+          </a:prstGeom>
+          <a:noFill/>
+        </p:spPr>
+        <p:txBody>
+          <a:bodyPr wrap="square" rtlCol="0">
+            <a:spAutoFit/>
+          </a:bodyPr>
+          <a:lstStyle/>
+          <a:p>
+            <a:r>
+              <a:rPr lang="fr-FR" dirty="0"/>
+              <a:t>S</a:t>
+            </a:r>
+          </a:p>
+        </p:txBody>
+      </p:sp>
+      <p:sp>
+        <p:nvSpPr>
+          <p:cNvPr id="12" name="TextBox 11">
+            <a:extLst>
+              <a:ext uri="{FF2B5EF4-FFF2-40B4-BE49-F238E27FC236}">
+                <a16:creationId xmlns:a16="http://schemas.microsoft.com/office/drawing/2014/main" id="{C8D22CFB-F653-423B-8D60-B96D04D4F622}"/>
+              </a:ext>
+            </a:extLst>
+          </p:cNvPr>
+          <p:cNvSpPr txBox="1"/>
+          <p:nvPr/>
+        </p:nvSpPr>
+        <p:spPr>
+          <a:xfrm>
+            <a:off x="4327133" y="4362825"/>
+            <a:ext cx="320211" cy="369332"/>
+          </a:xfrm>
+          <a:prstGeom prst="rect">
+            <a:avLst/>
+          </a:prstGeom>
+          <a:noFill/>
+        </p:spPr>
+        <p:txBody>
+          <a:bodyPr wrap="square" rtlCol="0">
+            <a:spAutoFit/>
+          </a:bodyPr>
+          <a:lstStyle/>
+          <a:p>
+            <a:r>
+              <a:rPr lang="fr-FR" dirty="0"/>
+              <a:t>H</a:t>
+            </a:r>
+          </a:p>
+        </p:txBody>
+      </p:sp>
+      <p:sp>
+        <p:nvSpPr>
+          <p:cNvPr id="13" name="TextBox 12">
+            <a:extLst>
+              <a:ext uri="{FF2B5EF4-FFF2-40B4-BE49-F238E27FC236}">
+                <a16:creationId xmlns:a16="http://schemas.microsoft.com/office/drawing/2014/main" id="{3D2F38FD-C2AE-438B-915C-DACE72D48D76}"/>
+              </a:ext>
+            </a:extLst>
+          </p:cNvPr>
+          <p:cNvSpPr txBox="1"/>
+          <p:nvPr/>
+        </p:nvSpPr>
+        <p:spPr>
+          <a:xfrm>
+            <a:off x="8231315" y="4362825"/>
+            <a:ext cx="320211" cy="369332"/>
+          </a:xfrm>
+          <a:prstGeom prst="rect">
+            <a:avLst/>
+          </a:prstGeom>
+          <a:noFill/>
+        </p:spPr>
+        <p:txBody>
+          <a:bodyPr wrap="square" rtlCol="0">
+            <a:spAutoFit/>
+          </a:bodyPr>
+          <a:lstStyle/>
+          <a:p>
+            <a:r>
+              <a:rPr lang="fr-FR" dirty="0"/>
+              <a:t>S</a:t>
+            </a:r>
+          </a:p>
+        </p:txBody>
+      </p:sp>
+      <p:sp>
+        <p:nvSpPr>
+          <p:cNvPr id="14" name="TextBox 13">
+            <a:extLst>
+              <a:ext uri="{FF2B5EF4-FFF2-40B4-BE49-F238E27FC236}">
+                <a16:creationId xmlns:a16="http://schemas.microsoft.com/office/drawing/2014/main" id="{26DD3DF9-C134-4103-AA13-383582371949}"/>
+              </a:ext>
+            </a:extLst>
+          </p:cNvPr>
+          <p:cNvSpPr txBox="1"/>
+          <p:nvPr/>
+        </p:nvSpPr>
+        <p:spPr>
+          <a:xfrm>
+            <a:off x="8712488" y="4362825"/>
+            <a:ext cx="320211" cy="369332"/>
+          </a:xfrm>
+          <a:prstGeom prst="rect">
+            <a:avLst/>
+          </a:prstGeom>
+          <a:noFill/>
+        </p:spPr>
+        <p:txBody>
+          <a:bodyPr wrap="square" rtlCol="0">
+            <a:spAutoFit/>
+          </a:bodyPr>
+          <a:lstStyle/>
+          <a:p>
+            <a:r>
+              <a:rPr lang="fr-FR" dirty="0"/>
+              <a:t>O</a:t>
+            </a:r>
+          </a:p>
+        </p:txBody>
+      </p:sp>
+      <p:sp>
+        <p:nvSpPr>
+          <p:cNvPr id="15" name="TextBox 14">
+            <a:extLst>
+              <a:ext uri="{FF2B5EF4-FFF2-40B4-BE49-F238E27FC236}">
+                <a16:creationId xmlns:a16="http://schemas.microsoft.com/office/drawing/2014/main" id="{2ACC89E7-51AF-41EE-BF91-F5631C5FF0BA}"/>
+              </a:ext>
+            </a:extLst>
+          </p:cNvPr>
+          <p:cNvSpPr txBox="1"/>
+          <p:nvPr/>
+        </p:nvSpPr>
+        <p:spPr>
+          <a:xfrm>
+            <a:off x="7672232" y="4362825"/>
+            <a:ext cx="320211" cy="369332"/>
+          </a:xfrm>
+          <a:prstGeom prst="rect">
+            <a:avLst/>
+          </a:prstGeom>
+          <a:noFill/>
+        </p:spPr>
+        <p:txBody>
+          <a:bodyPr wrap="square" rtlCol="0">
+            <a:spAutoFit/>
+          </a:bodyPr>
+          <a:lstStyle/>
+          <a:p>
+            <a:r>
+              <a:rPr lang="fr-FR" dirty="0"/>
+              <a:t>O</a:t>
+            </a:r>
+          </a:p>
+        </p:txBody>
+      </p:sp>
+      <p:sp>
+        <p:nvSpPr>
+          <p:cNvPr id="16" name="TextBox 15">
+            <a:extLst>
+              <a:ext uri="{FF2B5EF4-FFF2-40B4-BE49-F238E27FC236}">
+                <a16:creationId xmlns:a16="http://schemas.microsoft.com/office/drawing/2014/main" id="{654619EB-1051-41AD-A881-BF076AB9C359}"/>
+              </a:ext>
+            </a:extLst>
+          </p:cNvPr>
+          <p:cNvSpPr txBox="1"/>
+          <p:nvPr/>
+        </p:nvSpPr>
+        <p:spPr>
+          <a:xfrm>
+            <a:off x="5293382" y="5302625"/>
+            <a:ext cx="455485" cy="369332"/>
+          </a:xfrm>
+          <a:prstGeom prst="rect">
+            <a:avLst/>
+          </a:prstGeom>
+          <a:noFill/>
+        </p:spPr>
+        <p:txBody>
+          <a:bodyPr wrap="square" rtlCol="0">
+            <a:spAutoFit/>
+          </a:bodyPr>
+          <a:lstStyle/>
+          <a:p>
+            <a:r>
+              <a:rPr lang="fr-FR" dirty="0"/>
+              <a:t>He</a:t>
+            </a:r>
+          </a:p>
+        </p:txBody>
+      </p:sp>
+      <p:sp>
+        <p:nvSpPr>
+          <p:cNvPr id="17" name="TextBox 16">
+            <a:extLst>
+              <a:ext uri="{FF2B5EF4-FFF2-40B4-BE49-F238E27FC236}">
+                <a16:creationId xmlns:a16="http://schemas.microsoft.com/office/drawing/2014/main" id="{33310D9B-399F-43E4-943C-95077B98F6B3}"/>
+              </a:ext>
+            </a:extLst>
+          </p:cNvPr>
+          <p:cNvSpPr txBox="1"/>
+          <p:nvPr/>
+        </p:nvSpPr>
+        <p:spPr>
+          <a:xfrm>
+            <a:off x="5198988" y="5247592"/>
+            <a:ext cx="455485" cy="261610"/>
+          </a:xfrm>
+          <a:prstGeom prst="rect">
+            <a:avLst/>
+          </a:prstGeom>
+          <a:noFill/>
+        </p:spPr>
+        <p:txBody>
+          <a:bodyPr wrap="square" rtlCol="0">
+            <a:spAutoFit/>
+          </a:bodyPr>
+          <a:lstStyle/>
+          <a:p>
+            <a:r>
+              <a:rPr lang="fr-FR" sz="1100" dirty="0"/>
+              <a:t>4</a:t>
+            </a:r>
+          </a:p>
+        </p:txBody>
+      </p:sp>
+      <p:sp>
+        <p:nvSpPr>
+          <p:cNvPr id="18" name="TextBox 17">
+            <a:extLst>
+              <a:ext uri="{FF2B5EF4-FFF2-40B4-BE49-F238E27FC236}">
+                <a16:creationId xmlns:a16="http://schemas.microsoft.com/office/drawing/2014/main" id="{F61B76A5-0D61-4695-BC8D-FB0921F8AAC0}"/>
+              </a:ext>
+            </a:extLst>
+          </p:cNvPr>
+          <p:cNvSpPr txBox="1"/>
+          <p:nvPr/>
+        </p:nvSpPr>
+        <p:spPr>
+          <a:xfrm>
+            <a:off x="5198989" y="5410347"/>
+            <a:ext cx="455485" cy="261610"/>
+          </a:xfrm>
+          <a:prstGeom prst="rect">
+            <a:avLst/>
+          </a:prstGeom>
+          <a:noFill/>
+        </p:spPr>
+        <p:txBody>
+          <a:bodyPr wrap="square" rtlCol="0">
+            <a:spAutoFit/>
+          </a:bodyPr>
+          <a:lstStyle/>
+          <a:p>
+            <a:r>
+              <a:rPr lang="fr-FR" sz="1100" dirty="0"/>
+              <a:t>2</a:t>
+            </a:r>
+          </a:p>
+        </p:txBody>
+      </p:sp>
+      <p:sp>
+        <p:nvSpPr>
+          <p:cNvPr id="19" name="TextBox 18">
+            <a:extLst>
+              <a:ext uri="{FF2B5EF4-FFF2-40B4-BE49-F238E27FC236}">
+                <a16:creationId xmlns:a16="http://schemas.microsoft.com/office/drawing/2014/main" id="{14916A7A-844A-4D73-8679-DE37E5B8966B}"/>
+              </a:ext>
+            </a:extLst>
+          </p:cNvPr>
+          <p:cNvSpPr txBox="1"/>
+          <p:nvPr/>
+        </p:nvSpPr>
+        <p:spPr>
+          <a:xfrm>
+            <a:off x="3854522" y="3244334"/>
+            <a:ext cx="472611" cy="369332"/>
+          </a:xfrm>
+          <a:prstGeom prst="rect">
+            <a:avLst/>
+          </a:prstGeom>
+          <a:noFill/>
+        </p:spPr>
+        <p:txBody>
+          <a:bodyPr wrap="square" rtlCol="0">
+            <a:spAutoFit/>
+          </a:bodyPr>
+          <a:lstStyle/>
+          <a:p>
+            <a:r>
+              <a:rPr lang="fr-FR" dirty="0"/>
+              <a:t>O</a:t>
+            </a:r>
+          </a:p>
+        </p:txBody>
+      </p:sp>
+      <p:sp>
+        <p:nvSpPr>
+          <p:cNvPr id="20" name="TextBox 19">
+            <a:extLst>
+              <a:ext uri="{FF2B5EF4-FFF2-40B4-BE49-F238E27FC236}">
+                <a16:creationId xmlns:a16="http://schemas.microsoft.com/office/drawing/2014/main" id="{85DA733E-D50A-4949-A7F9-9BBA83D4600D}"/>
+              </a:ext>
+            </a:extLst>
+          </p:cNvPr>
+          <p:cNvSpPr txBox="1"/>
+          <p:nvPr/>
+        </p:nvSpPr>
+        <p:spPr>
+          <a:xfrm>
+            <a:off x="4878777" y="3244334"/>
+            <a:ext cx="320211" cy="369332"/>
+          </a:xfrm>
+          <a:prstGeom prst="rect">
+            <a:avLst/>
+          </a:prstGeom>
+          <a:noFill/>
+        </p:spPr>
+        <p:txBody>
+          <a:bodyPr wrap="square" rtlCol="0">
+            <a:spAutoFit/>
+          </a:bodyPr>
+          <a:lstStyle/>
+          <a:p>
+            <a:r>
+              <a:rPr lang="fr-FR" dirty="0"/>
+              <a:t>S</a:t>
+            </a:r>
+          </a:p>
+        </p:txBody>
+      </p:sp>
+      <p:sp>
+        <p:nvSpPr>
+          <p:cNvPr id="21" name="TextBox 20">
+            <a:extLst>
+              <a:ext uri="{FF2B5EF4-FFF2-40B4-BE49-F238E27FC236}">
+                <a16:creationId xmlns:a16="http://schemas.microsoft.com/office/drawing/2014/main" id="{F27BCE14-03E6-422B-81D8-79FBB1751E46}"/>
+              </a:ext>
+            </a:extLst>
+          </p:cNvPr>
+          <p:cNvSpPr txBox="1"/>
+          <p:nvPr/>
+        </p:nvSpPr>
+        <p:spPr>
+          <a:xfrm>
+            <a:off x="2856216" y="3253692"/>
+            <a:ext cx="320211" cy="369332"/>
+          </a:xfrm>
+          <a:prstGeom prst="rect">
+            <a:avLst/>
+          </a:prstGeom>
+          <a:noFill/>
+        </p:spPr>
+        <p:txBody>
+          <a:bodyPr wrap="square" rtlCol="0">
+            <a:spAutoFit/>
+          </a:bodyPr>
+          <a:lstStyle/>
+          <a:p>
+            <a:r>
+              <a:rPr lang="fr-FR" dirty="0"/>
+              <a:t>H</a:t>
+            </a:r>
+          </a:p>
+        </p:txBody>
+      </p:sp>
+      <p:sp>
+        <p:nvSpPr>
+          <p:cNvPr id="22" name="TextBox 21">
+            <a:extLst>
+              <a:ext uri="{FF2B5EF4-FFF2-40B4-BE49-F238E27FC236}">
+                <a16:creationId xmlns:a16="http://schemas.microsoft.com/office/drawing/2014/main" id="{0ABAB55F-4B1D-40F3-AC22-D14E63805541}"/>
+              </a:ext>
+            </a:extLst>
+          </p:cNvPr>
+          <p:cNvSpPr txBox="1"/>
+          <p:nvPr/>
+        </p:nvSpPr>
+        <p:spPr>
+          <a:xfrm>
+            <a:off x="4273330" y="2567992"/>
+            <a:ext cx="320211" cy="369332"/>
+          </a:xfrm>
+          <a:prstGeom prst="rect">
+            <a:avLst/>
+          </a:prstGeom>
+          <a:noFill/>
+        </p:spPr>
+        <p:txBody>
+          <a:bodyPr wrap="square" rtlCol="0">
+            <a:spAutoFit/>
+          </a:bodyPr>
+          <a:lstStyle/>
+          <a:p>
+            <a:r>
+              <a:rPr lang="fr-FR" dirty="0"/>
+              <a:t>C</a:t>
+            </a:r>
+          </a:p>
+        </p:txBody>
+      </p:sp>
+      <p:sp>
+        <p:nvSpPr>
+          <p:cNvPr id="24" name="Oval 23">
+            <a:extLst>
+              <a:ext uri="{FF2B5EF4-FFF2-40B4-BE49-F238E27FC236}">
+                <a16:creationId xmlns:a16="http://schemas.microsoft.com/office/drawing/2014/main" id="{F8C59620-7BCD-49BD-8685-28AAEF1054F6}"/>
+              </a:ext>
+            </a:extLst>
+          </p:cNvPr>
+          <p:cNvSpPr/>
+          <p:nvPr/>
+        </p:nvSpPr>
+        <p:spPr>
+          <a:xfrm>
+            <a:off x="3952259" y="3259702"/>
+            <a:ext cx="64404" cy="71967"/>
+          </a:xfrm>
+          <a:prstGeom prst="ellipse">
+            <a:avLst/>
+          </a:prstGeom>
+          <a:solidFill>
+            <a:schemeClr val="tx1"/>
+          </a:solidFill>
+          <a:ln>
+            <a:noFill/>
+          </a:ln>
+        </p:spPr>
+        <p:style>
+          <a:lnRef idx="2">
+            <a:schemeClr val="accent1">
+              <a:shade val="50000"/>
+            </a:schemeClr>
+          </a:lnRef>
+          <a:fillRef idx="1">
+            <a:schemeClr val="accent1"/>
+          </a:fillRef>
+          <a:effectRef idx="0">
+            <a:schemeClr val="accent1"/>
+          </a:effectRef>
+          <a:fontRef idx="minor">
+            <a:schemeClr val="lt1"/>
+          </a:fontRef>
+        </p:style>
+        <p:txBody>
+          <a:bodyPr rtlCol="0" anchor="ctr"/>
+          <a:lstStyle/>
+          <a:p>
+            <a:pPr algn="ctr"/>
+            <a:endParaRPr lang="fr-FR"/>
+          </a:p>
+        </p:txBody>
+      </p:sp>
+      <p:sp>
+        <p:nvSpPr>
+          <p:cNvPr id="25" name="Oval 24">
+            <a:extLst>
+              <a:ext uri="{FF2B5EF4-FFF2-40B4-BE49-F238E27FC236}">
+                <a16:creationId xmlns:a16="http://schemas.microsoft.com/office/drawing/2014/main" id="{786381F8-D278-4C3A-BCB9-193B34227033}"/>
+              </a:ext>
+            </a:extLst>
+          </p:cNvPr>
+          <p:cNvSpPr/>
+          <p:nvPr/>
+        </p:nvSpPr>
+        <p:spPr>
+          <a:xfrm flipV="1">
+            <a:off x="4231574" y="2677260"/>
+            <a:ext cx="64404" cy="71967"/>
+          </a:xfrm>
+          <a:prstGeom prst="ellipse">
+            <a:avLst/>
+          </a:prstGeom>
+          <a:solidFill>
+            <a:schemeClr val="tx1"/>
+          </a:solidFill>
+          <a:ln>
+            <a:noFill/>
+          </a:ln>
+        </p:spPr>
+        <p:style>
+          <a:lnRef idx="2">
+            <a:schemeClr val="accent1">
+              <a:shade val="50000"/>
+            </a:schemeClr>
+          </a:lnRef>
+          <a:fillRef idx="1">
+            <a:schemeClr val="accent1"/>
+          </a:fillRef>
+          <a:effectRef idx="0">
+            <a:schemeClr val="accent1"/>
+          </a:effectRef>
+          <a:fontRef idx="minor">
+            <a:schemeClr val="lt1"/>
+          </a:fontRef>
+        </p:style>
+        <p:txBody>
+          <a:bodyPr rtlCol="0" anchor="ctr"/>
+          <a:lstStyle/>
+          <a:p>
+            <a:pPr algn="ctr"/>
+            <a:endParaRPr lang="fr-FR"/>
+          </a:p>
+        </p:txBody>
+      </p:sp>
+      <p:sp>
+        <p:nvSpPr>
+          <p:cNvPr id="26" name="Oval 25">
+            <a:extLst>
+              <a:ext uri="{FF2B5EF4-FFF2-40B4-BE49-F238E27FC236}">
+                <a16:creationId xmlns:a16="http://schemas.microsoft.com/office/drawing/2014/main" id="{07DF4171-52DC-4B98-AAAE-ADE573C0863D}"/>
+              </a:ext>
+            </a:extLst>
+          </p:cNvPr>
+          <p:cNvSpPr/>
+          <p:nvPr/>
+        </p:nvSpPr>
+        <p:spPr>
+          <a:xfrm>
+            <a:off x="4606030" y="2685403"/>
+            <a:ext cx="64404" cy="71967"/>
+          </a:xfrm>
+          <a:prstGeom prst="ellipse">
+            <a:avLst/>
+          </a:prstGeom>
+          <a:solidFill>
+            <a:schemeClr val="tx1"/>
+          </a:solidFill>
+          <a:ln>
+            <a:noFill/>
+          </a:ln>
+        </p:spPr>
+        <p:style>
+          <a:lnRef idx="2">
+            <a:schemeClr val="accent1">
+              <a:shade val="50000"/>
+            </a:schemeClr>
+          </a:lnRef>
+          <a:fillRef idx="1">
+            <a:schemeClr val="accent1"/>
+          </a:fillRef>
+          <a:effectRef idx="0">
+            <a:schemeClr val="accent1"/>
+          </a:effectRef>
+          <a:fontRef idx="minor">
+            <a:schemeClr val="lt1"/>
+          </a:fontRef>
+        </p:style>
+        <p:txBody>
+          <a:bodyPr rtlCol="0" anchor="ctr"/>
+          <a:lstStyle/>
+          <a:p>
+            <a:pPr algn="ctr"/>
+            <a:endParaRPr lang="fr-FR"/>
+          </a:p>
+        </p:txBody>
+      </p:sp>
+      <p:sp>
+        <p:nvSpPr>
+          <p:cNvPr id="27" name="Oval 26">
+            <a:extLst>
+              <a:ext uri="{FF2B5EF4-FFF2-40B4-BE49-F238E27FC236}">
+                <a16:creationId xmlns:a16="http://schemas.microsoft.com/office/drawing/2014/main" id="{D19D26ED-1347-444D-860B-7B98CCFC5C66}"/>
+              </a:ext>
+            </a:extLst>
+          </p:cNvPr>
+          <p:cNvSpPr/>
+          <p:nvPr/>
+        </p:nvSpPr>
+        <p:spPr>
+          <a:xfrm>
+            <a:off x="4230268" y="2758770"/>
+            <a:ext cx="64404" cy="71967"/>
+          </a:xfrm>
+          <a:prstGeom prst="ellipse">
+            <a:avLst/>
+          </a:prstGeom>
+          <a:solidFill>
+            <a:schemeClr val="tx1"/>
+          </a:solidFill>
+          <a:ln>
+            <a:noFill/>
+          </a:ln>
+        </p:spPr>
+        <p:style>
+          <a:lnRef idx="2">
+            <a:schemeClr val="accent1">
+              <a:shade val="50000"/>
+            </a:schemeClr>
+          </a:lnRef>
+          <a:fillRef idx="1">
+            <a:schemeClr val="accent1"/>
+          </a:fillRef>
+          <a:effectRef idx="0">
+            <a:schemeClr val="accent1"/>
+          </a:effectRef>
+          <a:fontRef idx="minor">
+            <a:schemeClr val="lt1"/>
+          </a:fontRef>
+        </p:style>
+        <p:txBody>
+          <a:bodyPr rtlCol="0" anchor="ctr"/>
+          <a:lstStyle/>
+          <a:p>
+            <a:pPr algn="ctr"/>
+            <a:endParaRPr lang="fr-FR"/>
+          </a:p>
+        </p:txBody>
+      </p:sp>
+      <p:sp>
+        <p:nvSpPr>
+          <p:cNvPr id="28" name="Oval 27">
+            <a:extLst>
+              <a:ext uri="{FF2B5EF4-FFF2-40B4-BE49-F238E27FC236}">
+                <a16:creationId xmlns:a16="http://schemas.microsoft.com/office/drawing/2014/main" id="{F53E50C8-0421-41A7-ADE7-21C3E33BF7ED}"/>
+              </a:ext>
+            </a:extLst>
+          </p:cNvPr>
+          <p:cNvSpPr/>
+          <p:nvPr/>
+        </p:nvSpPr>
+        <p:spPr>
+          <a:xfrm>
+            <a:off x="4043099" y="3257586"/>
+            <a:ext cx="64404" cy="71967"/>
+          </a:xfrm>
+          <a:prstGeom prst="ellipse">
+            <a:avLst/>
+          </a:prstGeom>
+          <a:solidFill>
+            <a:schemeClr val="tx1"/>
+          </a:solidFill>
+          <a:ln>
+            <a:noFill/>
+          </a:ln>
+        </p:spPr>
+        <p:style>
+          <a:lnRef idx="2">
+            <a:schemeClr val="accent1">
+              <a:shade val="50000"/>
+            </a:schemeClr>
+          </a:lnRef>
+          <a:fillRef idx="1">
+            <a:schemeClr val="accent1"/>
+          </a:fillRef>
+          <a:effectRef idx="0">
+            <a:schemeClr val="accent1"/>
+          </a:effectRef>
+          <a:fontRef idx="minor">
+            <a:schemeClr val="lt1"/>
+          </a:fontRef>
+        </p:style>
+        <p:txBody>
+          <a:bodyPr rtlCol="0" anchor="ctr"/>
+          <a:lstStyle/>
+          <a:p>
+            <a:pPr algn="ctr"/>
+            <a:endParaRPr lang="fr-FR"/>
+          </a:p>
+        </p:txBody>
+      </p:sp>
+      <p:sp>
+        <p:nvSpPr>
+          <p:cNvPr id="29" name="Oval 28">
+            <a:extLst>
+              <a:ext uri="{FF2B5EF4-FFF2-40B4-BE49-F238E27FC236}">
+                <a16:creationId xmlns:a16="http://schemas.microsoft.com/office/drawing/2014/main" id="{DF137D5D-AC91-49BD-841A-9E89C2752DFF}"/>
+              </a:ext>
+            </a:extLst>
+          </p:cNvPr>
+          <p:cNvSpPr/>
+          <p:nvPr/>
+        </p:nvSpPr>
+        <p:spPr>
+          <a:xfrm>
+            <a:off x="3092522" y="3405377"/>
+            <a:ext cx="64404" cy="71967"/>
+          </a:xfrm>
+          <a:prstGeom prst="ellipse">
+            <a:avLst/>
+          </a:prstGeom>
+          <a:solidFill>
+            <a:schemeClr val="tx1"/>
+          </a:solidFill>
+          <a:ln>
+            <a:noFill/>
+          </a:ln>
+        </p:spPr>
+        <p:style>
+          <a:lnRef idx="2">
+            <a:schemeClr val="accent1">
+              <a:shade val="50000"/>
+            </a:schemeClr>
+          </a:lnRef>
+          <a:fillRef idx="1">
+            <a:schemeClr val="accent1"/>
+          </a:fillRef>
+          <a:effectRef idx="0">
+            <a:schemeClr val="accent1"/>
+          </a:effectRef>
+          <a:fontRef idx="minor">
+            <a:schemeClr val="lt1"/>
+          </a:fontRef>
+        </p:style>
+        <p:txBody>
+          <a:bodyPr rtlCol="0" anchor="ctr"/>
+          <a:lstStyle/>
+          <a:p>
+            <a:pPr algn="ctr"/>
+            <a:endParaRPr lang="fr-FR"/>
+          </a:p>
+        </p:txBody>
+      </p:sp>
+      <p:sp>
+        <p:nvSpPr>
+          <p:cNvPr id="30" name="Oval 29">
+            <a:extLst>
+              <a:ext uri="{FF2B5EF4-FFF2-40B4-BE49-F238E27FC236}">
+                <a16:creationId xmlns:a16="http://schemas.microsoft.com/office/drawing/2014/main" id="{B6D1E52F-E4BC-42DD-A2FF-C870C816B53D}"/>
+              </a:ext>
+            </a:extLst>
+          </p:cNvPr>
+          <p:cNvSpPr/>
+          <p:nvPr/>
+        </p:nvSpPr>
+        <p:spPr>
+          <a:xfrm>
+            <a:off x="3952259" y="3526332"/>
+            <a:ext cx="64404" cy="71967"/>
+          </a:xfrm>
+          <a:prstGeom prst="ellipse">
+            <a:avLst/>
+          </a:prstGeom>
+          <a:solidFill>
+            <a:schemeClr val="tx1"/>
+          </a:solidFill>
+          <a:ln>
+            <a:noFill/>
+          </a:ln>
+        </p:spPr>
+        <p:style>
+          <a:lnRef idx="2">
+            <a:schemeClr val="accent1">
+              <a:shade val="50000"/>
+            </a:schemeClr>
+          </a:lnRef>
+          <a:fillRef idx="1">
+            <a:schemeClr val="accent1"/>
+          </a:fillRef>
+          <a:effectRef idx="0">
+            <a:schemeClr val="accent1"/>
+          </a:effectRef>
+          <a:fontRef idx="minor">
+            <a:schemeClr val="lt1"/>
+          </a:fontRef>
+        </p:style>
+        <p:txBody>
+          <a:bodyPr rtlCol="0" anchor="ctr"/>
+          <a:lstStyle/>
+          <a:p>
+            <a:pPr algn="ctr"/>
+            <a:endParaRPr lang="fr-FR"/>
+          </a:p>
+        </p:txBody>
+      </p:sp>
+      <p:sp>
+        <p:nvSpPr>
+          <p:cNvPr id="31" name="Oval 30">
+            <a:extLst>
+              <a:ext uri="{FF2B5EF4-FFF2-40B4-BE49-F238E27FC236}">
+                <a16:creationId xmlns:a16="http://schemas.microsoft.com/office/drawing/2014/main" id="{2DED63CB-AE4D-4881-9406-2F2038A2413D}"/>
+              </a:ext>
+            </a:extLst>
+          </p:cNvPr>
+          <p:cNvSpPr/>
+          <p:nvPr/>
+        </p:nvSpPr>
+        <p:spPr>
+          <a:xfrm>
+            <a:off x="4058625" y="3526331"/>
+            <a:ext cx="64404" cy="71967"/>
+          </a:xfrm>
+          <a:prstGeom prst="ellipse">
+            <a:avLst/>
+          </a:prstGeom>
+          <a:solidFill>
+            <a:schemeClr val="tx1"/>
+          </a:solidFill>
+          <a:ln>
+            <a:noFill/>
+          </a:ln>
+        </p:spPr>
+        <p:style>
+          <a:lnRef idx="2">
+            <a:schemeClr val="accent1">
+              <a:shade val="50000"/>
+            </a:schemeClr>
+          </a:lnRef>
+          <a:fillRef idx="1">
+            <a:schemeClr val="accent1"/>
+          </a:fillRef>
+          <a:effectRef idx="0">
+            <a:schemeClr val="accent1"/>
+          </a:effectRef>
+          <a:fontRef idx="minor">
+            <a:schemeClr val="lt1"/>
+          </a:fontRef>
+        </p:style>
+        <p:txBody>
+          <a:bodyPr rtlCol="0" anchor="ctr"/>
+          <a:lstStyle/>
+          <a:p>
+            <a:pPr algn="ctr"/>
+            <a:endParaRPr lang="fr-FR"/>
+          </a:p>
+        </p:txBody>
+      </p:sp>
+      <p:sp>
+        <p:nvSpPr>
+          <p:cNvPr id="32" name="Oval 31">
+            <a:extLst>
+              <a:ext uri="{FF2B5EF4-FFF2-40B4-BE49-F238E27FC236}">
+                <a16:creationId xmlns:a16="http://schemas.microsoft.com/office/drawing/2014/main" id="{B158B990-3A5D-4714-BB4B-BDC60886ABE0}"/>
+              </a:ext>
+            </a:extLst>
+          </p:cNvPr>
+          <p:cNvSpPr/>
+          <p:nvPr/>
+        </p:nvSpPr>
+        <p:spPr>
+          <a:xfrm>
+            <a:off x="3854522" y="3405377"/>
+            <a:ext cx="64404" cy="71967"/>
+          </a:xfrm>
+          <a:prstGeom prst="ellipse">
+            <a:avLst/>
+          </a:prstGeom>
+          <a:solidFill>
+            <a:schemeClr val="tx1"/>
+          </a:solidFill>
+          <a:ln>
+            <a:noFill/>
+          </a:ln>
+        </p:spPr>
+        <p:style>
+          <a:lnRef idx="2">
+            <a:schemeClr val="accent1">
+              <a:shade val="50000"/>
+            </a:schemeClr>
+          </a:lnRef>
+          <a:fillRef idx="1">
+            <a:schemeClr val="accent1"/>
+          </a:fillRef>
+          <a:effectRef idx="0">
+            <a:schemeClr val="accent1"/>
+          </a:effectRef>
+          <a:fontRef idx="minor">
+            <a:schemeClr val="lt1"/>
+          </a:fontRef>
+        </p:style>
+        <p:txBody>
+          <a:bodyPr rtlCol="0" anchor="ctr"/>
+          <a:lstStyle/>
+          <a:p>
+            <a:pPr algn="ctr"/>
+            <a:endParaRPr lang="fr-FR"/>
+          </a:p>
+        </p:txBody>
+      </p:sp>
+      <p:sp>
+        <p:nvSpPr>
+          <p:cNvPr id="33" name="Oval 32">
+            <a:extLst>
+              <a:ext uri="{FF2B5EF4-FFF2-40B4-BE49-F238E27FC236}">
+                <a16:creationId xmlns:a16="http://schemas.microsoft.com/office/drawing/2014/main" id="{28C7673F-3AD6-471D-815F-7D37FB198798}"/>
+              </a:ext>
+            </a:extLst>
+          </p:cNvPr>
+          <p:cNvSpPr/>
+          <p:nvPr/>
+        </p:nvSpPr>
+        <p:spPr>
+          <a:xfrm>
+            <a:off x="4130344" y="3401108"/>
+            <a:ext cx="64404" cy="71967"/>
+          </a:xfrm>
+          <a:prstGeom prst="ellipse">
+            <a:avLst/>
+          </a:prstGeom>
+          <a:solidFill>
+            <a:schemeClr val="tx1"/>
+          </a:solidFill>
+          <a:ln>
+            <a:noFill/>
+          </a:ln>
+        </p:spPr>
+        <p:style>
+          <a:lnRef idx="2">
+            <a:schemeClr val="accent1">
+              <a:shade val="50000"/>
+            </a:schemeClr>
+          </a:lnRef>
+          <a:fillRef idx="1">
+            <a:schemeClr val="accent1"/>
+          </a:fillRef>
+          <a:effectRef idx="0">
+            <a:schemeClr val="accent1"/>
+          </a:effectRef>
+          <a:fontRef idx="minor">
+            <a:schemeClr val="lt1"/>
+          </a:fontRef>
+        </p:style>
+        <p:txBody>
+          <a:bodyPr rtlCol="0" anchor="ctr"/>
+          <a:lstStyle/>
+          <a:p>
+            <a:pPr algn="ctr"/>
+            <a:endParaRPr lang="fr-FR"/>
+          </a:p>
+        </p:txBody>
+      </p:sp>
+      <p:sp>
+        <p:nvSpPr>
+          <p:cNvPr id="34" name="Oval 33">
+            <a:extLst>
+              <a:ext uri="{FF2B5EF4-FFF2-40B4-BE49-F238E27FC236}">
+                <a16:creationId xmlns:a16="http://schemas.microsoft.com/office/drawing/2014/main" id="{13B4ACE6-7734-4418-A48E-E4D50293D05E}"/>
+              </a:ext>
+            </a:extLst>
+          </p:cNvPr>
+          <p:cNvSpPr/>
+          <p:nvPr/>
+        </p:nvSpPr>
+        <p:spPr>
+          <a:xfrm>
+            <a:off x="4940290" y="3240616"/>
+            <a:ext cx="64404" cy="71967"/>
+          </a:xfrm>
+          <a:prstGeom prst="ellipse">
+            <a:avLst/>
+          </a:prstGeom>
+          <a:solidFill>
+            <a:schemeClr val="tx1"/>
+          </a:solidFill>
+          <a:ln>
+            <a:noFill/>
+          </a:ln>
+        </p:spPr>
+        <p:style>
+          <a:lnRef idx="2">
+            <a:schemeClr val="accent1">
+              <a:shade val="50000"/>
+            </a:schemeClr>
+          </a:lnRef>
+          <a:fillRef idx="1">
+            <a:schemeClr val="accent1"/>
+          </a:fillRef>
+          <a:effectRef idx="0">
+            <a:schemeClr val="accent1"/>
+          </a:effectRef>
+          <a:fontRef idx="minor">
+            <a:schemeClr val="lt1"/>
+          </a:fontRef>
+        </p:style>
+        <p:txBody>
+          <a:bodyPr rtlCol="0" anchor="ctr"/>
+          <a:lstStyle/>
+          <a:p>
+            <a:pPr algn="ctr"/>
+            <a:endParaRPr lang="fr-FR"/>
+          </a:p>
+        </p:txBody>
+      </p:sp>
+      <p:sp>
+        <p:nvSpPr>
+          <p:cNvPr id="35" name="Oval 34">
+            <a:extLst>
+              <a:ext uri="{FF2B5EF4-FFF2-40B4-BE49-F238E27FC236}">
+                <a16:creationId xmlns:a16="http://schemas.microsoft.com/office/drawing/2014/main" id="{54D6BF83-A9A5-45AA-9A2C-164ED5235313}"/>
+              </a:ext>
+            </a:extLst>
+          </p:cNvPr>
+          <p:cNvSpPr/>
+          <p:nvPr/>
+        </p:nvSpPr>
+        <p:spPr>
+          <a:xfrm>
+            <a:off x="5038882" y="3240616"/>
+            <a:ext cx="64404" cy="71967"/>
+          </a:xfrm>
+          <a:prstGeom prst="ellipse">
+            <a:avLst/>
+          </a:prstGeom>
+          <a:solidFill>
+            <a:schemeClr val="tx1"/>
+          </a:solidFill>
+          <a:ln>
+            <a:noFill/>
+          </a:ln>
+        </p:spPr>
+        <p:style>
+          <a:lnRef idx="2">
+            <a:schemeClr val="accent1">
+              <a:shade val="50000"/>
+            </a:schemeClr>
+          </a:lnRef>
+          <a:fillRef idx="1">
+            <a:schemeClr val="accent1"/>
+          </a:fillRef>
+          <a:effectRef idx="0">
+            <a:schemeClr val="accent1"/>
+          </a:effectRef>
+          <a:fontRef idx="minor">
+            <a:schemeClr val="lt1"/>
+          </a:fontRef>
+        </p:style>
+        <p:txBody>
+          <a:bodyPr rtlCol="0" anchor="ctr"/>
+          <a:lstStyle/>
+          <a:p>
+            <a:pPr algn="ctr"/>
+            <a:endParaRPr lang="fr-FR"/>
+          </a:p>
+        </p:txBody>
+      </p:sp>
+      <p:sp>
+        <p:nvSpPr>
+          <p:cNvPr id="36" name="Oval 35">
+            <a:extLst>
+              <a:ext uri="{FF2B5EF4-FFF2-40B4-BE49-F238E27FC236}">
+                <a16:creationId xmlns:a16="http://schemas.microsoft.com/office/drawing/2014/main" id="{D32AD751-4894-46A4-B6E8-DADEFA177D71}"/>
+              </a:ext>
+            </a:extLst>
+          </p:cNvPr>
+          <p:cNvSpPr/>
+          <p:nvPr/>
+        </p:nvSpPr>
+        <p:spPr>
+          <a:xfrm>
+            <a:off x="4925928" y="3528448"/>
+            <a:ext cx="64404" cy="71967"/>
+          </a:xfrm>
+          <a:prstGeom prst="ellipse">
+            <a:avLst/>
+          </a:prstGeom>
+          <a:solidFill>
+            <a:schemeClr val="tx1"/>
+          </a:solidFill>
+          <a:ln>
+            <a:noFill/>
+          </a:ln>
+        </p:spPr>
+        <p:style>
+          <a:lnRef idx="2">
+            <a:schemeClr val="accent1">
+              <a:shade val="50000"/>
+            </a:schemeClr>
+          </a:lnRef>
+          <a:fillRef idx="1">
+            <a:schemeClr val="accent1"/>
+          </a:fillRef>
+          <a:effectRef idx="0">
+            <a:schemeClr val="accent1"/>
+          </a:effectRef>
+          <a:fontRef idx="minor">
+            <a:schemeClr val="lt1"/>
+          </a:fontRef>
+        </p:style>
+        <p:txBody>
+          <a:bodyPr rtlCol="0" anchor="ctr"/>
+          <a:lstStyle/>
+          <a:p>
+            <a:pPr algn="ctr"/>
+            <a:endParaRPr lang="fr-FR"/>
+          </a:p>
+        </p:txBody>
+      </p:sp>
+      <p:sp>
+        <p:nvSpPr>
+          <p:cNvPr id="37" name="Oval 36">
+            <a:extLst>
+              <a:ext uri="{FF2B5EF4-FFF2-40B4-BE49-F238E27FC236}">
+                <a16:creationId xmlns:a16="http://schemas.microsoft.com/office/drawing/2014/main" id="{EDDDE2D2-887C-46E1-BA82-C2EFE242A404}"/>
+              </a:ext>
+            </a:extLst>
+          </p:cNvPr>
+          <p:cNvSpPr/>
+          <p:nvPr/>
+        </p:nvSpPr>
+        <p:spPr>
+          <a:xfrm>
+            <a:off x="5038882" y="3526330"/>
+            <a:ext cx="64404" cy="71967"/>
+          </a:xfrm>
+          <a:prstGeom prst="ellipse">
+            <a:avLst/>
+          </a:prstGeom>
+          <a:solidFill>
+            <a:schemeClr val="tx1"/>
+          </a:solidFill>
+          <a:ln>
+            <a:noFill/>
+          </a:ln>
+        </p:spPr>
+        <p:style>
+          <a:lnRef idx="2">
+            <a:schemeClr val="accent1">
+              <a:shade val="50000"/>
+            </a:schemeClr>
+          </a:lnRef>
+          <a:fillRef idx="1">
+            <a:schemeClr val="accent1"/>
+          </a:fillRef>
+          <a:effectRef idx="0">
+            <a:schemeClr val="accent1"/>
+          </a:effectRef>
+          <a:fontRef idx="minor">
+            <a:schemeClr val="lt1"/>
+          </a:fontRef>
+        </p:style>
+        <p:txBody>
+          <a:bodyPr rtlCol="0" anchor="ctr"/>
+          <a:lstStyle/>
+          <a:p>
+            <a:pPr algn="ctr"/>
+            <a:endParaRPr lang="fr-FR"/>
+          </a:p>
+        </p:txBody>
+      </p:sp>
+      <p:sp>
+        <p:nvSpPr>
+          <p:cNvPr id="38" name="Oval 37">
+            <a:extLst>
+              <a:ext uri="{FF2B5EF4-FFF2-40B4-BE49-F238E27FC236}">
+                <a16:creationId xmlns:a16="http://schemas.microsoft.com/office/drawing/2014/main" id="{14CDF21C-F633-4BBD-8F10-4C677CCC713A}"/>
+              </a:ext>
+            </a:extLst>
+          </p:cNvPr>
+          <p:cNvSpPr/>
+          <p:nvPr/>
+        </p:nvSpPr>
+        <p:spPr>
+          <a:xfrm>
+            <a:off x="4846575" y="3373879"/>
+            <a:ext cx="64404" cy="71967"/>
+          </a:xfrm>
+          <a:prstGeom prst="ellipse">
+            <a:avLst/>
+          </a:prstGeom>
+          <a:solidFill>
+            <a:schemeClr val="tx1"/>
+          </a:solidFill>
+          <a:ln>
+            <a:noFill/>
+          </a:ln>
+        </p:spPr>
+        <p:style>
+          <a:lnRef idx="2">
+            <a:schemeClr val="accent1">
+              <a:shade val="50000"/>
+            </a:schemeClr>
+          </a:lnRef>
+          <a:fillRef idx="1">
+            <a:schemeClr val="accent1"/>
+          </a:fillRef>
+          <a:effectRef idx="0">
+            <a:schemeClr val="accent1"/>
+          </a:effectRef>
+          <a:fontRef idx="minor">
+            <a:schemeClr val="lt1"/>
+          </a:fontRef>
+        </p:style>
+        <p:txBody>
+          <a:bodyPr rtlCol="0" anchor="ctr"/>
+          <a:lstStyle/>
+          <a:p>
+            <a:pPr algn="ctr"/>
+            <a:endParaRPr lang="fr-FR"/>
+          </a:p>
+        </p:txBody>
+      </p:sp>
+      <p:sp>
+        <p:nvSpPr>
+          <p:cNvPr id="39" name="Oval 38">
+            <a:extLst>
+              <a:ext uri="{FF2B5EF4-FFF2-40B4-BE49-F238E27FC236}">
+                <a16:creationId xmlns:a16="http://schemas.microsoft.com/office/drawing/2014/main" id="{0347C8EA-C549-4861-B23C-3CE8BD68A586}"/>
+              </a:ext>
+            </a:extLst>
+          </p:cNvPr>
+          <p:cNvSpPr/>
+          <p:nvPr/>
+        </p:nvSpPr>
+        <p:spPr>
+          <a:xfrm>
+            <a:off x="5107336" y="3383473"/>
+            <a:ext cx="64404" cy="71967"/>
+          </a:xfrm>
+          <a:prstGeom prst="ellipse">
+            <a:avLst/>
+          </a:prstGeom>
+          <a:solidFill>
+            <a:schemeClr val="tx1"/>
+          </a:solidFill>
+          <a:ln>
+            <a:noFill/>
+          </a:ln>
+        </p:spPr>
+        <p:style>
+          <a:lnRef idx="2">
+            <a:schemeClr val="accent1">
+              <a:shade val="50000"/>
+            </a:schemeClr>
+          </a:lnRef>
+          <a:fillRef idx="1">
+            <a:schemeClr val="accent1"/>
+          </a:fillRef>
+          <a:effectRef idx="0">
+            <a:schemeClr val="accent1"/>
+          </a:effectRef>
+          <a:fontRef idx="minor">
+            <a:schemeClr val="lt1"/>
+          </a:fontRef>
+        </p:style>
+        <p:txBody>
+          <a:bodyPr rtlCol="0" anchor="ctr"/>
+          <a:lstStyle/>
+          <a:p>
+            <a:pPr algn="ctr"/>
+            <a:endParaRPr lang="fr-FR"/>
+          </a:p>
+        </p:txBody>
+      </p:sp>
+      <p:sp>
+        <p:nvSpPr>
+          <p:cNvPr id="40" name="Oval 39">
+            <a:extLst>
+              <a:ext uri="{FF2B5EF4-FFF2-40B4-BE49-F238E27FC236}">
+                <a16:creationId xmlns:a16="http://schemas.microsoft.com/office/drawing/2014/main" id="{BC0C75FA-348D-4E2B-8C08-48F3A10A1216}"/>
+              </a:ext>
+            </a:extLst>
+          </p:cNvPr>
+          <p:cNvSpPr/>
+          <p:nvPr/>
+        </p:nvSpPr>
+        <p:spPr>
+          <a:xfrm>
+            <a:off x="2329419" y="1548026"/>
+            <a:ext cx="45719" cy="45719"/>
+          </a:xfrm>
+          <a:prstGeom prst="ellipse">
+            <a:avLst/>
+          </a:prstGeom>
+          <a:solidFill>
+            <a:schemeClr val="tx1"/>
+          </a:solidFill>
+          <a:ln>
+            <a:noFill/>
+          </a:ln>
+        </p:spPr>
+        <p:style>
+          <a:lnRef idx="2">
+            <a:schemeClr val="accent1">
+              <a:shade val="50000"/>
+            </a:schemeClr>
+          </a:lnRef>
+          <a:fillRef idx="1">
+            <a:schemeClr val="accent1"/>
+          </a:fillRef>
+          <a:effectRef idx="0">
+            <a:schemeClr val="accent1"/>
+          </a:effectRef>
+          <a:fontRef idx="minor">
+            <a:schemeClr val="lt1"/>
+          </a:fontRef>
+        </p:style>
+        <p:txBody>
+          <a:bodyPr rtlCol="0" anchor="ctr"/>
+          <a:lstStyle/>
+          <a:p>
+            <a:pPr algn="ctr"/>
+            <a:endParaRPr lang="fr-FR"/>
+          </a:p>
+        </p:txBody>
+      </p:sp>
+      <p:sp>
+        <p:nvSpPr>
+          <p:cNvPr id="41" name="Oval 40">
+            <a:extLst>
+              <a:ext uri="{FF2B5EF4-FFF2-40B4-BE49-F238E27FC236}">
+                <a16:creationId xmlns:a16="http://schemas.microsoft.com/office/drawing/2014/main" id="{93DC537D-C3ED-4627-81BF-DB5A833D7B02}"/>
+              </a:ext>
+            </a:extLst>
+          </p:cNvPr>
+          <p:cNvSpPr/>
+          <p:nvPr/>
+        </p:nvSpPr>
+        <p:spPr>
+          <a:xfrm>
+            <a:off x="2261868" y="1548027"/>
+            <a:ext cx="45719" cy="45719"/>
+          </a:xfrm>
+          <a:prstGeom prst="ellipse">
+            <a:avLst/>
+          </a:prstGeom>
+          <a:solidFill>
+            <a:schemeClr val="tx1"/>
+          </a:solidFill>
+          <a:ln>
+            <a:noFill/>
+          </a:ln>
+        </p:spPr>
+        <p:style>
+          <a:lnRef idx="2">
+            <a:schemeClr val="accent1">
+              <a:shade val="50000"/>
+            </a:schemeClr>
+          </a:lnRef>
+          <a:fillRef idx="1">
+            <a:schemeClr val="accent1"/>
+          </a:fillRef>
+          <a:effectRef idx="0">
+            <a:schemeClr val="accent1"/>
+          </a:effectRef>
+          <a:fontRef idx="minor">
+            <a:schemeClr val="lt1"/>
+          </a:fontRef>
+        </p:style>
+        <p:txBody>
+          <a:bodyPr rtlCol="0" anchor="ctr"/>
+          <a:lstStyle/>
+          <a:p>
+            <a:pPr algn="ctr"/>
+            <a:endParaRPr lang="fr-FR"/>
+          </a:p>
+        </p:txBody>
+      </p:sp>
+      <p:sp>
+        <p:nvSpPr>
+          <p:cNvPr id="42" name="Oval 41">
+            <a:extLst>
+              <a:ext uri="{FF2B5EF4-FFF2-40B4-BE49-F238E27FC236}">
+                <a16:creationId xmlns:a16="http://schemas.microsoft.com/office/drawing/2014/main" id="{608026EC-0B4F-440C-A50A-7CA14E3B3A87}"/>
+              </a:ext>
+            </a:extLst>
+          </p:cNvPr>
+          <p:cNvSpPr/>
+          <p:nvPr/>
+        </p:nvSpPr>
+        <p:spPr>
+          <a:xfrm>
+            <a:off x="2264314" y="1387364"/>
+            <a:ext cx="45719" cy="45719"/>
+          </a:xfrm>
+          <a:prstGeom prst="ellipse">
+            <a:avLst/>
+          </a:prstGeom>
+          <a:solidFill>
+            <a:schemeClr val="tx1"/>
+          </a:solidFill>
+          <a:ln>
+            <a:noFill/>
+          </a:ln>
+        </p:spPr>
+        <p:style>
+          <a:lnRef idx="2">
+            <a:schemeClr val="accent1">
+              <a:shade val="50000"/>
+            </a:schemeClr>
+          </a:lnRef>
+          <a:fillRef idx="1">
+            <a:schemeClr val="accent1"/>
+          </a:fillRef>
+          <a:effectRef idx="0">
+            <a:schemeClr val="accent1"/>
+          </a:effectRef>
+          <a:fontRef idx="minor">
+            <a:schemeClr val="lt1"/>
+          </a:fontRef>
+        </p:style>
+        <p:txBody>
+          <a:bodyPr rtlCol="0" anchor="ctr"/>
+          <a:lstStyle/>
+          <a:p>
+            <a:pPr algn="ctr"/>
+            <a:endParaRPr lang="fr-FR"/>
+          </a:p>
+        </p:txBody>
+      </p:sp>
+      <p:sp>
+        <p:nvSpPr>
+          <p:cNvPr id="43" name="Oval 42">
+            <a:extLst>
+              <a:ext uri="{FF2B5EF4-FFF2-40B4-BE49-F238E27FC236}">
+                <a16:creationId xmlns:a16="http://schemas.microsoft.com/office/drawing/2014/main" id="{EBA5D4AA-3C51-4D61-B5E2-C10757285B5C}"/>
+              </a:ext>
+            </a:extLst>
+          </p:cNvPr>
+          <p:cNvSpPr/>
+          <p:nvPr/>
+        </p:nvSpPr>
+        <p:spPr>
+          <a:xfrm>
+            <a:off x="2329419" y="1387364"/>
+            <a:ext cx="45719" cy="45719"/>
+          </a:xfrm>
+          <a:prstGeom prst="ellipse">
+            <a:avLst/>
+          </a:prstGeom>
+          <a:solidFill>
+            <a:schemeClr val="tx1"/>
+          </a:solidFill>
+          <a:ln>
+            <a:noFill/>
+          </a:ln>
+        </p:spPr>
+        <p:style>
+          <a:lnRef idx="2">
+            <a:schemeClr val="accent1">
+              <a:shade val="50000"/>
+            </a:schemeClr>
+          </a:lnRef>
+          <a:fillRef idx="1">
+            <a:schemeClr val="accent1"/>
+          </a:fillRef>
+          <a:effectRef idx="0">
+            <a:schemeClr val="accent1"/>
+          </a:effectRef>
+          <a:fontRef idx="minor">
+            <a:schemeClr val="lt1"/>
+          </a:fontRef>
+        </p:style>
+        <p:txBody>
+          <a:bodyPr rtlCol="0" anchor="ctr"/>
+          <a:lstStyle/>
+          <a:p>
+            <a:pPr algn="ctr"/>
+            <a:endParaRPr lang="fr-FR"/>
+          </a:p>
+        </p:txBody>
+      </p:sp>
+      <p:sp>
+        <p:nvSpPr>
+          <p:cNvPr id="44" name="Oval 43">
+            <a:extLst>
+              <a:ext uri="{FF2B5EF4-FFF2-40B4-BE49-F238E27FC236}">
+                <a16:creationId xmlns:a16="http://schemas.microsoft.com/office/drawing/2014/main" id="{1D58A78F-2E96-4483-9F70-C0DED75E41ED}"/>
+              </a:ext>
+            </a:extLst>
+          </p:cNvPr>
+          <p:cNvSpPr/>
+          <p:nvPr/>
+        </p:nvSpPr>
+        <p:spPr>
+          <a:xfrm>
+            <a:off x="2003395" y="1911851"/>
+            <a:ext cx="45719" cy="45719"/>
+          </a:xfrm>
+          <a:prstGeom prst="ellipse">
+            <a:avLst/>
+          </a:prstGeom>
+          <a:solidFill>
+            <a:schemeClr val="tx1"/>
+          </a:solidFill>
+          <a:ln>
+            <a:noFill/>
+          </a:ln>
+        </p:spPr>
+        <p:style>
+          <a:lnRef idx="2">
+            <a:schemeClr val="accent1">
+              <a:shade val="50000"/>
+            </a:schemeClr>
+          </a:lnRef>
+          <a:fillRef idx="1">
+            <a:schemeClr val="accent1"/>
+          </a:fillRef>
+          <a:effectRef idx="0">
+            <a:schemeClr val="accent1"/>
+          </a:effectRef>
+          <a:fontRef idx="minor">
+            <a:schemeClr val="lt1"/>
+          </a:fontRef>
+        </p:style>
+        <p:txBody>
+          <a:bodyPr rtlCol="0" anchor="ctr"/>
+          <a:lstStyle/>
+          <a:p>
+            <a:pPr algn="ctr"/>
+            <a:endParaRPr lang="fr-FR"/>
+          </a:p>
+        </p:txBody>
+      </p:sp>
+      <p:sp>
+        <p:nvSpPr>
+          <p:cNvPr id="45" name="Oval 44">
+            <a:extLst>
+              <a:ext uri="{FF2B5EF4-FFF2-40B4-BE49-F238E27FC236}">
+                <a16:creationId xmlns:a16="http://schemas.microsoft.com/office/drawing/2014/main" id="{A3F8FD18-C288-4632-AED6-3B43DE08B1CA}"/>
+              </a:ext>
+            </a:extLst>
+          </p:cNvPr>
+          <p:cNvSpPr/>
+          <p:nvPr/>
+        </p:nvSpPr>
+        <p:spPr>
+          <a:xfrm>
+            <a:off x="2056261" y="1971150"/>
+            <a:ext cx="45719" cy="45719"/>
+          </a:xfrm>
+          <a:prstGeom prst="ellipse">
+            <a:avLst/>
+          </a:prstGeom>
+          <a:solidFill>
+            <a:schemeClr val="tx1"/>
+          </a:solidFill>
+          <a:ln>
+            <a:noFill/>
+          </a:ln>
+        </p:spPr>
+        <p:style>
+          <a:lnRef idx="2">
+            <a:schemeClr val="accent1">
+              <a:shade val="50000"/>
+            </a:schemeClr>
+          </a:lnRef>
+          <a:fillRef idx="1">
+            <a:schemeClr val="accent1"/>
+          </a:fillRef>
+          <a:effectRef idx="0">
+            <a:schemeClr val="accent1"/>
+          </a:effectRef>
+          <a:fontRef idx="minor">
+            <a:schemeClr val="lt1"/>
+          </a:fontRef>
+        </p:style>
+        <p:txBody>
+          <a:bodyPr rtlCol="0" anchor="ctr"/>
+          <a:lstStyle/>
+          <a:p>
+            <a:pPr algn="ctr"/>
+            <a:endParaRPr lang="fr-FR"/>
+          </a:p>
+        </p:txBody>
+      </p:sp>
+      <p:sp>
+        <p:nvSpPr>
+          <p:cNvPr id="46" name="Oval 45">
+            <a:extLst>
+              <a:ext uri="{FF2B5EF4-FFF2-40B4-BE49-F238E27FC236}">
+                <a16:creationId xmlns:a16="http://schemas.microsoft.com/office/drawing/2014/main" id="{478ABE30-891F-4D2F-8E2D-DD3DA7759A7E}"/>
+              </a:ext>
+            </a:extLst>
+          </p:cNvPr>
+          <p:cNvSpPr/>
+          <p:nvPr/>
+        </p:nvSpPr>
+        <p:spPr>
+          <a:xfrm>
+            <a:off x="2166652" y="1787191"/>
+            <a:ext cx="45719" cy="45719"/>
+          </a:xfrm>
+          <a:prstGeom prst="ellipse">
+            <a:avLst/>
+          </a:prstGeom>
+          <a:solidFill>
+            <a:schemeClr val="tx1"/>
+          </a:solidFill>
+          <a:ln>
+            <a:noFill/>
+          </a:ln>
+        </p:spPr>
+        <p:style>
+          <a:lnRef idx="2">
+            <a:schemeClr val="accent1">
+              <a:shade val="50000"/>
+            </a:schemeClr>
+          </a:lnRef>
+          <a:fillRef idx="1">
+            <a:schemeClr val="accent1"/>
+          </a:fillRef>
+          <a:effectRef idx="0">
+            <a:schemeClr val="accent1"/>
+          </a:effectRef>
+          <a:fontRef idx="minor">
+            <a:schemeClr val="lt1"/>
+          </a:fontRef>
+        </p:style>
+        <p:txBody>
+          <a:bodyPr rtlCol="0" anchor="ctr"/>
+          <a:lstStyle/>
+          <a:p>
+            <a:pPr algn="ctr"/>
+            <a:endParaRPr lang="fr-FR"/>
+          </a:p>
+        </p:txBody>
+      </p:sp>
+      <p:sp>
+        <p:nvSpPr>
+          <p:cNvPr id="47" name="Oval 46">
+            <a:extLst>
+              <a:ext uri="{FF2B5EF4-FFF2-40B4-BE49-F238E27FC236}">
+                <a16:creationId xmlns:a16="http://schemas.microsoft.com/office/drawing/2014/main" id="{8EA88670-6ECA-4F8E-AE86-B16E16767B99}"/>
+              </a:ext>
+            </a:extLst>
+          </p:cNvPr>
+          <p:cNvSpPr/>
+          <p:nvPr/>
+        </p:nvSpPr>
+        <p:spPr>
+          <a:xfrm>
+            <a:off x="2222558" y="1838937"/>
+            <a:ext cx="45719" cy="45719"/>
+          </a:xfrm>
+          <a:prstGeom prst="ellipse">
+            <a:avLst/>
+          </a:prstGeom>
+          <a:solidFill>
+            <a:schemeClr val="tx1"/>
+          </a:solidFill>
+          <a:ln>
+            <a:noFill/>
+          </a:ln>
+        </p:spPr>
+        <p:style>
+          <a:lnRef idx="2">
+            <a:schemeClr val="accent1">
+              <a:shade val="50000"/>
+            </a:schemeClr>
+          </a:lnRef>
+          <a:fillRef idx="1">
+            <a:schemeClr val="accent1"/>
+          </a:fillRef>
+          <a:effectRef idx="0">
+            <a:schemeClr val="accent1"/>
+          </a:effectRef>
+          <a:fontRef idx="minor">
+            <a:schemeClr val="lt1"/>
+          </a:fontRef>
+        </p:style>
+        <p:txBody>
+          <a:bodyPr rtlCol="0" anchor="ctr"/>
+          <a:lstStyle/>
+          <a:p>
+            <a:pPr algn="ctr"/>
+            <a:endParaRPr lang="fr-FR"/>
+          </a:p>
+        </p:txBody>
+      </p:sp>
+      <p:sp>
+        <p:nvSpPr>
+          <p:cNvPr id="48" name="Oval 47">
+            <a:extLst>
+              <a:ext uri="{FF2B5EF4-FFF2-40B4-BE49-F238E27FC236}">
+                <a16:creationId xmlns:a16="http://schemas.microsoft.com/office/drawing/2014/main" id="{FEDB8579-C018-42FC-A401-843C39FF8E7A}"/>
+              </a:ext>
+            </a:extLst>
+          </p:cNvPr>
+          <p:cNvSpPr/>
+          <p:nvPr/>
+        </p:nvSpPr>
+        <p:spPr>
+          <a:xfrm>
+            <a:off x="2445689" y="1770783"/>
+            <a:ext cx="45719" cy="45719"/>
+          </a:xfrm>
+          <a:prstGeom prst="ellipse">
+            <a:avLst/>
+          </a:prstGeom>
+          <a:solidFill>
+            <a:schemeClr val="tx1"/>
+          </a:solidFill>
+          <a:ln>
+            <a:noFill/>
+          </a:ln>
+        </p:spPr>
+        <p:style>
+          <a:lnRef idx="2">
+            <a:schemeClr val="accent1">
+              <a:shade val="50000"/>
+            </a:schemeClr>
+          </a:lnRef>
+          <a:fillRef idx="1">
+            <a:schemeClr val="accent1"/>
+          </a:fillRef>
+          <a:effectRef idx="0">
+            <a:schemeClr val="accent1"/>
+          </a:effectRef>
+          <a:fontRef idx="minor">
+            <a:schemeClr val="lt1"/>
+          </a:fontRef>
+        </p:style>
+        <p:txBody>
+          <a:bodyPr rtlCol="0" anchor="ctr"/>
+          <a:lstStyle/>
+          <a:p>
+            <a:pPr algn="ctr"/>
+            <a:endParaRPr lang="fr-FR"/>
+          </a:p>
+        </p:txBody>
+      </p:sp>
+      <p:sp>
+        <p:nvSpPr>
+          <p:cNvPr id="49" name="Oval 48">
+            <a:extLst>
+              <a:ext uri="{FF2B5EF4-FFF2-40B4-BE49-F238E27FC236}">
+                <a16:creationId xmlns:a16="http://schemas.microsoft.com/office/drawing/2014/main" id="{0FC43D51-E407-41C4-8358-D78E4F4A67CD}"/>
+              </a:ext>
+            </a:extLst>
+          </p:cNvPr>
+          <p:cNvSpPr/>
+          <p:nvPr/>
+        </p:nvSpPr>
+        <p:spPr>
+          <a:xfrm>
+            <a:off x="2403536" y="1822551"/>
+            <a:ext cx="45719" cy="45719"/>
+          </a:xfrm>
+          <a:prstGeom prst="ellipse">
+            <a:avLst/>
+          </a:prstGeom>
+          <a:solidFill>
+            <a:schemeClr val="tx1"/>
+          </a:solidFill>
+          <a:ln>
+            <a:noFill/>
+          </a:ln>
+        </p:spPr>
+        <p:style>
+          <a:lnRef idx="2">
+            <a:schemeClr val="accent1">
+              <a:shade val="50000"/>
+            </a:schemeClr>
+          </a:lnRef>
+          <a:fillRef idx="1">
+            <a:schemeClr val="accent1"/>
+          </a:fillRef>
+          <a:effectRef idx="0">
+            <a:schemeClr val="accent1"/>
+          </a:effectRef>
+          <a:fontRef idx="minor">
+            <a:schemeClr val="lt1"/>
+          </a:fontRef>
+        </p:style>
+        <p:txBody>
+          <a:bodyPr rtlCol="0" anchor="ctr"/>
+          <a:lstStyle/>
+          <a:p>
+            <a:pPr algn="ctr"/>
+            <a:endParaRPr lang="fr-FR"/>
+          </a:p>
+        </p:txBody>
+      </p:sp>
+      <p:sp>
+        <p:nvSpPr>
+          <p:cNvPr id="50" name="Oval 49">
+            <a:extLst>
+              <a:ext uri="{FF2B5EF4-FFF2-40B4-BE49-F238E27FC236}">
+                <a16:creationId xmlns:a16="http://schemas.microsoft.com/office/drawing/2014/main" id="{53C01CCC-1E4D-4CC7-BCE5-65F74E8A1BC7}"/>
+              </a:ext>
+            </a:extLst>
+          </p:cNvPr>
+          <p:cNvSpPr/>
+          <p:nvPr/>
+        </p:nvSpPr>
+        <p:spPr>
+          <a:xfrm>
+            <a:off x="2695636" y="1946904"/>
+            <a:ext cx="45719" cy="45719"/>
+          </a:xfrm>
+          <a:prstGeom prst="ellipse">
+            <a:avLst/>
+          </a:prstGeom>
+          <a:solidFill>
+            <a:schemeClr val="tx1"/>
+          </a:solidFill>
+          <a:ln>
+            <a:noFill/>
+          </a:ln>
+        </p:spPr>
+        <p:style>
+          <a:lnRef idx="2">
+            <a:schemeClr val="accent1">
+              <a:shade val="50000"/>
+            </a:schemeClr>
+          </a:lnRef>
+          <a:fillRef idx="1">
+            <a:schemeClr val="accent1"/>
+          </a:fillRef>
+          <a:effectRef idx="0">
+            <a:schemeClr val="accent1"/>
+          </a:effectRef>
+          <a:fontRef idx="minor">
+            <a:schemeClr val="lt1"/>
+          </a:fontRef>
+        </p:style>
+        <p:txBody>
+          <a:bodyPr rtlCol="0" anchor="ctr"/>
+          <a:lstStyle/>
+          <a:p>
+            <a:pPr algn="ctr"/>
+            <a:endParaRPr lang="fr-FR"/>
+          </a:p>
+        </p:txBody>
+      </p:sp>
+      <p:sp>
+        <p:nvSpPr>
+          <p:cNvPr id="51" name="Oval 50">
+            <a:extLst>
+              <a:ext uri="{FF2B5EF4-FFF2-40B4-BE49-F238E27FC236}">
+                <a16:creationId xmlns:a16="http://schemas.microsoft.com/office/drawing/2014/main" id="{B0AC213B-547C-4196-B1B2-BE9E6F9F8949}"/>
+              </a:ext>
+            </a:extLst>
+          </p:cNvPr>
+          <p:cNvSpPr/>
+          <p:nvPr/>
+        </p:nvSpPr>
+        <p:spPr>
+          <a:xfrm>
+            <a:off x="2649917" y="2005492"/>
+            <a:ext cx="45719" cy="45719"/>
+          </a:xfrm>
+          <a:prstGeom prst="ellipse">
+            <a:avLst/>
+          </a:prstGeom>
+          <a:solidFill>
+            <a:schemeClr val="tx1"/>
+          </a:solidFill>
+          <a:ln>
+            <a:noFill/>
+          </a:ln>
+        </p:spPr>
+        <p:style>
+          <a:lnRef idx="2">
+            <a:schemeClr val="accent1">
+              <a:shade val="50000"/>
+            </a:schemeClr>
+          </a:lnRef>
+          <a:fillRef idx="1">
+            <a:schemeClr val="accent1"/>
+          </a:fillRef>
+          <a:effectRef idx="0">
+            <a:schemeClr val="accent1"/>
+          </a:effectRef>
+          <a:fontRef idx="minor">
+            <a:schemeClr val="lt1"/>
+          </a:fontRef>
+        </p:style>
+        <p:txBody>
+          <a:bodyPr rtlCol="0" anchor="ctr"/>
+          <a:lstStyle/>
+          <a:p>
+            <a:pPr algn="ctr"/>
+            <a:endParaRPr lang="fr-FR"/>
+          </a:p>
+        </p:txBody>
+      </p:sp>
+      <p:sp>
+        <p:nvSpPr>
+          <p:cNvPr id="52" name="Oval 51">
+            <a:extLst>
+              <a:ext uri="{FF2B5EF4-FFF2-40B4-BE49-F238E27FC236}">
+                <a16:creationId xmlns:a16="http://schemas.microsoft.com/office/drawing/2014/main" id="{128C2248-3CDE-4806-BDDC-C959FF4BFE53}"/>
+              </a:ext>
+            </a:extLst>
+          </p:cNvPr>
+          <p:cNvSpPr/>
+          <p:nvPr/>
+        </p:nvSpPr>
+        <p:spPr>
+          <a:xfrm>
+            <a:off x="1785326" y="1992203"/>
+            <a:ext cx="45719" cy="45719"/>
+          </a:xfrm>
+          <a:prstGeom prst="ellipse">
+            <a:avLst/>
+          </a:prstGeom>
+          <a:solidFill>
+            <a:schemeClr val="tx1"/>
+          </a:solidFill>
+          <a:ln>
+            <a:noFill/>
+          </a:ln>
+        </p:spPr>
+        <p:style>
+          <a:lnRef idx="2">
+            <a:schemeClr val="accent1">
+              <a:shade val="50000"/>
+            </a:schemeClr>
+          </a:lnRef>
+          <a:fillRef idx="1">
+            <a:schemeClr val="accent1"/>
+          </a:fillRef>
+          <a:effectRef idx="0">
+            <a:schemeClr val="accent1"/>
+          </a:effectRef>
+          <a:fontRef idx="minor">
+            <a:schemeClr val="lt1"/>
+          </a:fontRef>
+        </p:style>
+        <p:txBody>
+          <a:bodyPr rtlCol="0" anchor="ctr"/>
+          <a:lstStyle/>
+          <a:p>
+            <a:pPr algn="ctr"/>
+            <a:endParaRPr lang="fr-FR"/>
+          </a:p>
+        </p:txBody>
+      </p:sp>
+      <p:sp>
+        <p:nvSpPr>
+          <p:cNvPr id="53" name="Oval 52">
+            <a:extLst>
+              <a:ext uri="{FF2B5EF4-FFF2-40B4-BE49-F238E27FC236}">
+                <a16:creationId xmlns:a16="http://schemas.microsoft.com/office/drawing/2014/main" id="{BD515D2D-CD58-4BE8-8618-7363BAD54434}"/>
+              </a:ext>
+            </a:extLst>
+          </p:cNvPr>
+          <p:cNvSpPr/>
+          <p:nvPr/>
+        </p:nvSpPr>
+        <p:spPr>
+          <a:xfrm>
+            <a:off x="1785325" y="2072144"/>
+            <a:ext cx="45719" cy="45719"/>
+          </a:xfrm>
+          <a:prstGeom prst="ellipse">
+            <a:avLst/>
+          </a:prstGeom>
+          <a:solidFill>
+            <a:schemeClr val="tx1"/>
+          </a:solidFill>
+          <a:ln>
+            <a:noFill/>
+          </a:ln>
+        </p:spPr>
+        <p:style>
+          <a:lnRef idx="2">
+            <a:schemeClr val="accent1">
+              <a:shade val="50000"/>
+            </a:schemeClr>
+          </a:lnRef>
+          <a:fillRef idx="1">
+            <a:schemeClr val="accent1"/>
+          </a:fillRef>
+          <a:effectRef idx="0">
+            <a:schemeClr val="accent1"/>
+          </a:effectRef>
+          <a:fontRef idx="minor">
+            <a:schemeClr val="lt1"/>
+          </a:fontRef>
+        </p:style>
+        <p:txBody>
+          <a:bodyPr rtlCol="0" anchor="ctr"/>
+          <a:lstStyle/>
+          <a:p>
+            <a:pPr algn="ctr"/>
+            <a:endParaRPr lang="fr-FR"/>
+          </a:p>
+        </p:txBody>
+      </p:sp>
+      <p:sp>
+        <p:nvSpPr>
+          <p:cNvPr id="54" name="Oval 53">
+            <a:extLst>
+              <a:ext uri="{FF2B5EF4-FFF2-40B4-BE49-F238E27FC236}">
+                <a16:creationId xmlns:a16="http://schemas.microsoft.com/office/drawing/2014/main" id="{F5788297-127C-4FA5-A87F-68FD12DB2756}"/>
+              </a:ext>
+            </a:extLst>
+          </p:cNvPr>
+          <p:cNvSpPr/>
+          <p:nvPr/>
+        </p:nvSpPr>
+        <p:spPr>
+          <a:xfrm>
+            <a:off x="1892299" y="2161044"/>
+            <a:ext cx="45719" cy="45719"/>
+          </a:xfrm>
+          <a:prstGeom prst="ellipse">
+            <a:avLst/>
+          </a:prstGeom>
+          <a:solidFill>
+            <a:schemeClr val="tx1"/>
+          </a:solidFill>
+          <a:ln>
+            <a:noFill/>
+          </a:ln>
+        </p:spPr>
+        <p:style>
+          <a:lnRef idx="2">
+            <a:schemeClr val="accent1">
+              <a:shade val="50000"/>
+            </a:schemeClr>
+          </a:lnRef>
+          <a:fillRef idx="1">
+            <a:schemeClr val="accent1"/>
+          </a:fillRef>
+          <a:effectRef idx="0">
+            <a:schemeClr val="accent1"/>
+          </a:effectRef>
+          <a:fontRef idx="minor">
+            <a:schemeClr val="lt1"/>
+          </a:fontRef>
+        </p:style>
+        <p:txBody>
+          <a:bodyPr rtlCol="0" anchor="ctr"/>
+          <a:lstStyle/>
+          <a:p>
+            <a:pPr algn="ctr"/>
+            <a:endParaRPr lang="fr-FR"/>
+          </a:p>
+        </p:txBody>
+      </p:sp>
+      <p:sp>
+        <p:nvSpPr>
+          <p:cNvPr id="55" name="Oval 54">
+            <a:extLst>
+              <a:ext uri="{FF2B5EF4-FFF2-40B4-BE49-F238E27FC236}">
+                <a16:creationId xmlns:a16="http://schemas.microsoft.com/office/drawing/2014/main" id="{E276DC42-C160-4C77-8751-EB37D02484E9}"/>
+              </a:ext>
+            </a:extLst>
+          </p:cNvPr>
+          <p:cNvSpPr/>
+          <p:nvPr/>
+        </p:nvSpPr>
+        <p:spPr>
+          <a:xfrm>
+            <a:off x="1970326" y="2154821"/>
+            <a:ext cx="45719" cy="45719"/>
+          </a:xfrm>
+          <a:prstGeom prst="ellipse">
+            <a:avLst/>
+          </a:prstGeom>
+          <a:solidFill>
+            <a:schemeClr val="tx1"/>
+          </a:solidFill>
+          <a:ln>
+            <a:noFill/>
+          </a:ln>
+        </p:spPr>
+        <p:style>
+          <a:lnRef idx="2">
+            <a:schemeClr val="accent1">
+              <a:shade val="50000"/>
+            </a:schemeClr>
+          </a:lnRef>
+          <a:fillRef idx="1">
+            <a:schemeClr val="accent1"/>
+          </a:fillRef>
+          <a:effectRef idx="0">
+            <a:schemeClr val="accent1"/>
+          </a:effectRef>
+          <a:fontRef idx="minor">
+            <a:schemeClr val="lt1"/>
+          </a:fontRef>
+        </p:style>
+        <p:txBody>
+          <a:bodyPr rtlCol="0" anchor="ctr"/>
+          <a:lstStyle/>
+          <a:p>
+            <a:pPr algn="ctr"/>
+            <a:endParaRPr lang="fr-FR"/>
+          </a:p>
+        </p:txBody>
+      </p:sp>
+      <p:sp>
+        <p:nvSpPr>
+          <p:cNvPr id="56" name="Oval 55">
+            <a:extLst>
+              <a:ext uri="{FF2B5EF4-FFF2-40B4-BE49-F238E27FC236}">
+                <a16:creationId xmlns:a16="http://schemas.microsoft.com/office/drawing/2014/main" id="{447C4D7F-43FD-4B81-A314-CA86D439A970}"/>
+              </a:ext>
+            </a:extLst>
+          </p:cNvPr>
+          <p:cNvSpPr/>
+          <p:nvPr/>
+        </p:nvSpPr>
+        <p:spPr>
+          <a:xfrm>
+            <a:off x="2728964" y="2148101"/>
+            <a:ext cx="45719" cy="45719"/>
+          </a:xfrm>
+          <a:prstGeom prst="ellipse">
+            <a:avLst/>
+          </a:prstGeom>
+          <a:solidFill>
+            <a:schemeClr val="tx1"/>
+          </a:solidFill>
+          <a:ln>
+            <a:noFill/>
+          </a:ln>
+        </p:spPr>
+        <p:style>
+          <a:lnRef idx="2">
+            <a:schemeClr val="accent1">
+              <a:shade val="50000"/>
+            </a:schemeClr>
+          </a:lnRef>
+          <a:fillRef idx="1">
+            <a:schemeClr val="accent1"/>
+          </a:fillRef>
+          <a:effectRef idx="0">
+            <a:schemeClr val="accent1"/>
+          </a:effectRef>
+          <a:fontRef idx="minor">
+            <a:schemeClr val="lt1"/>
+          </a:fontRef>
+        </p:style>
+        <p:txBody>
+          <a:bodyPr rtlCol="0" anchor="ctr"/>
+          <a:lstStyle/>
+          <a:p>
+            <a:pPr algn="ctr"/>
+            <a:endParaRPr lang="fr-FR"/>
+          </a:p>
+        </p:txBody>
+      </p:sp>
+      <p:sp>
+        <p:nvSpPr>
+          <p:cNvPr id="57" name="Oval 56">
+            <a:extLst>
+              <a:ext uri="{FF2B5EF4-FFF2-40B4-BE49-F238E27FC236}">
+                <a16:creationId xmlns:a16="http://schemas.microsoft.com/office/drawing/2014/main" id="{9F6C88C4-CD82-4D9A-9270-A1C759856F0E}"/>
+              </a:ext>
+            </a:extLst>
+          </p:cNvPr>
+          <p:cNvSpPr/>
+          <p:nvPr/>
+        </p:nvSpPr>
+        <p:spPr>
+          <a:xfrm>
+            <a:off x="2810497" y="2148101"/>
+            <a:ext cx="45719" cy="45719"/>
+          </a:xfrm>
+          <a:prstGeom prst="ellipse">
+            <a:avLst/>
+          </a:prstGeom>
+          <a:solidFill>
+            <a:schemeClr val="tx1"/>
+          </a:solidFill>
+          <a:ln>
+            <a:noFill/>
+          </a:ln>
+        </p:spPr>
+        <p:style>
+          <a:lnRef idx="2">
+            <a:schemeClr val="accent1">
+              <a:shade val="50000"/>
+            </a:schemeClr>
+          </a:lnRef>
+          <a:fillRef idx="1">
+            <a:schemeClr val="accent1"/>
+          </a:fillRef>
+          <a:effectRef idx="0">
+            <a:schemeClr val="accent1"/>
+          </a:effectRef>
+          <a:fontRef idx="minor">
+            <a:schemeClr val="lt1"/>
+          </a:fontRef>
+        </p:style>
+        <p:txBody>
+          <a:bodyPr rtlCol="0" anchor="ctr"/>
+          <a:lstStyle/>
+          <a:p>
+            <a:pPr algn="ctr"/>
+            <a:endParaRPr lang="fr-FR"/>
+          </a:p>
+        </p:txBody>
+      </p:sp>
+      <p:sp>
+        <p:nvSpPr>
+          <p:cNvPr id="58" name="Oval 57">
+            <a:extLst>
+              <a:ext uri="{FF2B5EF4-FFF2-40B4-BE49-F238E27FC236}">
+                <a16:creationId xmlns:a16="http://schemas.microsoft.com/office/drawing/2014/main" id="{E57A7EFC-CE54-4333-83BA-90D5C67C0EA1}"/>
+              </a:ext>
+            </a:extLst>
+          </p:cNvPr>
+          <p:cNvSpPr/>
+          <p:nvPr/>
+        </p:nvSpPr>
+        <p:spPr>
+          <a:xfrm>
+            <a:off x="2871219" y="2001281"/>
+            <a:ext cx="45719" cy="45719"/>
+          </a:xfrm>
+          <a:prstGeom prst="ellipse">
+            <a:avLst/>
+          </a:prstGeom>
+          <a:solidFill>
+            <a:schemeClr val="tx1"/>
+          </a:solidFill>
+          <a:ln>
+            <a:noFill/>
+          </a:ln>
+        </p:spPr>
+        <p:style>
+          <a:lnRef idx="2">
+            <a:schemeClr val="accent1">
+              <a:shade val="50000"/>
+            </a:schemeClr>
+          </a:lnRef>
+          <a:fillRef idx="1">
+            <a:schemeClr val="accent1"/>
+          </a:fillRef>
+          <a:effectRef idx="0">
+            <a:schemeClr val="accent1"/>
+          </a:effectRef>
+          <a:fontRef idx="minor">
+            <a:schemeClr val="lt1"/>
+          </a:fontRef>
+        </p:style>
+        <p:txBody>
+          <a:bodyPr rtlCol="0" anchor="ctr"/>
+          <a:lstStyle/>
+          <a:p>
+            <a:pPr algn="ctr"/>
+            <a:endParaRPr lang="fr-FR"/>
+          </a:p>
+        </p:txBody>
+      </p:sp>
+      <p:sp>
+        <p:nvSpPr>
+          <p:cNvPr id="59" name="Oval 58">
+            <a:extLst>
+              <a:ext uri="{FF2B5EF4-FFF2-40B4-BE49-F238E27FC236}">
+                <a16:creationId xmlns:a16="http://schemas.microsoft.com/office/drawing/2014/main" id="{B0A958E4-A56C-47DC-8D41-EDF3CBD58C88}"/>
+              </a:ext>
+            </a:extLst>
+          </p:cNvPr>
+          <p:cNvSpPr/>
+          <p:nvPr/>
+        </p:nvSpPr>
+        <p:spPr>
+          <a:xfrm>
+            <a:off x="2871219" y="2079404"/>
+            <a:ext cx="45719" cy="45719"/>
+          </a:xfrm>
+          <a:prstGeom prst="ellipse">
+            <a:avLst/>
+          </a:prstGeom>
+          <a:solidFill>
+            <a:schemeClr val="tx1"/>
+          </a:solidFill>
+          <a:ln>
+            <a:noFill/>
+          </a:ln>
+        </p:spPr>
+        <p:style>
+          <a:lnRef idx="2">
+            <a:schemeClr val="accent1">
+              <a:shade val="50000"/>
+            </a:schemeClr>
+          </a:lnRef>
+          <a:fillRef idx="1">
+            <a:schemeClr val="accent1"/>
+          </a:fillRef>
+          <a:effectRef idx="0">
+            <a:schemeClr val="accent1"/>
+          </a:effectRef>
+          <a:fontRef idx="minor">
+            <a:schemeClr val="lt1"/>
+          </a:fontRef>
+        </p:style>
+        <p:txBody>
+          <a:bodyPr rtlCol="0" anchor="ctr"/>
+          <a:lstStyle/>
+          <a:p>
+            <a:pPr algn="ctr"/>
+            <a:endParaRPr lang="fr-FR"/>
+          </a:p>
+        </p:txBody>
+      </p:sp>
+      <p:sp>
+        <p:nvSpPr>
+          <p:cNvPr id="60" name="Oval 59">
+            <a:extLst>
+              <a:ext uri="{FF2B5EF4-FFF2-40B4-BE49-F238E27FC236}">
+                <a16:creationId xmlns:a16="http://schemas.microsoft.com/office/drawing/2014/main" id="{384868F4-AF97-494B-8463-54653595AC6E}"/>
+              </a:ext>
+            </a:extLst>
+          </p:cNvPr>
+          <p:cNvSpPr/>
+          <p:nvPr/>
+        </p:nvSpPr>
+        <p:spPr>
+          <a:xfrm>
+            <a:off x="2189511" y="1216249"/>
+            <a:ext cx="45719" cy="45719"/>
+          </a:xfrm>
+          <a:prstGeom prst="ellipse">
+            <a:avLst/>
+          </a:prstGeom>
+          <a:solidFill>
+            <a:schemeClr val="tx1"/>
+          </a:solidFill>
+          <a:ln>
+            <a:noFill/>
+          </a:ln>
+        </p:spPr>
+        <p:style>
+          <a:lnRef idx="2">
+            <a:schemeClr val="accent1">
+              <a:shade val="50000"/>
+            </a:schemeClr>
+          </a:lnRef>
+          <a:fillRef idx="1">
+            <a:schemeClr val="accent1"/>
+          </a:fillRef>
+          <a:effectRef idx="0">
+            <a:schemeClr val="accent1"/>
+          </a:effectRef>
+          <a:fontRef idx="minor">
+            <a:schemeClr val="lt1"/>
+          </a:fontRef>
+        </p:style>
+        <p:txBody>
+          <a:bodyPr rtlCol="0" anchor="ctr"/>
+          <a:lstStyle/>
+          <a:p>
+            <a:pPr algn="ctr"/>
+            <a:endParaRPr lang="fr-FR"/>
+          </a:p>
+        </p:txBody>
+      </p:sp>
+      <p:sp>
+        <p:nvSpPr>
+          <p:cNvPr id="61" name="Oval 60">
+            <a:extLst>
+              <a:ext uri="{FF2B5EF4-FFF2-40B4-BE49-F238E27FC236}">
+                <a16:creationId xmlns:a16="http://schemas.microsoft.com/office/drawing/2014/main" id="{57739993-DD16-4B05-8F9D-0AD4AC8480D7}"/>
+              </a:ext>
+            </a:extLst>
+          </p:cNvPr>
+          <p:cNvSpPr/>
+          <p:nvPr/>
+        </p:nvSpPr>
+        <p:spPr>
+          <a:xfrm>
+            <a:off x="2238197" y="1157267"/>
+            <a:ext cx="45719" cy="45719"/>
+          </a:xfrm>
+          <a:prstGeom prst="ellipse">
+            <a:avLst/>
+          </a:prstGeom>
+          <a:solidFill>
+            <a:schemeClr val="tx1"/>
+          </a:solidFill>
+          <a:ln>
+            <a:noFill/>
+          </a:ln>
+        </p:spPr>
+        <p:style>
+          <a:lnRef idx="2">
+            <a:schemeClr val="accent1">
+              <a:shade val="50000"/>
+            </a:schemeClr>
+          </a:lnRef>
+          <a:fillRef idx="1">
+            <a:schemeClr val="accent1"/>
+          </a:fillRef>
+          <a:effectRef idx="0">
+            <a:schemeClr val="accent1"/>
+          </a:effectRef>
+          <a:fontRef idx="minor">
+            <a:schemeClr val="lt1"/>
+          </a:fontRef>
+        </p:style>
+        <p:txBody>
+          <a:bodyPr rtlCol="0" anchor="ctr"/>
+          <a:lstStyle/>
+          <a:p>
+            <a:pPr algn="ctr"/>
+            <a:endParaRPr lang="fr-FR"/>
+          </a:p>
+        </p:txBody>
+      </p:sp>
+      <p:sp>
+        <p:nvSpPr>
+          <p:cNvPr id="62" name="Oval 61">
+            <a:extLst>
+              <a:ext uri="{FF2B5EF4-FFF2-40B4-BE49-F238E27FC236}">
+                <a16:creationId xmlns:a16="http://schemas.microsoft.com/office/drawing/2014/main" id="{95D40A69-1122-4CBC-8823-2CC70082087B}"/>
+              </a:ext>
+            </a:extLst>
+          </p:cNvPr>
+          <p:cNvSpPr/>
+          <p:nvPr/>
+        </p:nvSpPr>
+        <p:spPr>
+          <a:xfrm>
+            <a:off x="2352278" y="1157266"/>
+            <a:ext cx="45719" cy="45719"/>
+          </a:xfrm>
+          <a:prstGeom prst="ellipse">
+            <a:avLst/>
+          </a:prstGeom>
+          <a:solidFill>
+            <a:schemeClr val="tx1"/>
+          </a:solidFill>
+          <a:ln>
+            <a:noFill/>
+          </a:ln>
+        </p:spPr>
+        <p:style>
+          <a:lnRef idx="2">
+            <a:schemeClr val="accent1">
+              <a:shade val="50000"/>
+            </a:schemeClr>
+          </a:lnRef>
+          <a:fillRef idx="1">
+            <a:schemeClr val="accent1"/>
+          </a:fillRef>
+          <a:effectRef idx="0">
+            <a:schemeClr val="accent1"/>
+          </a:effectRef>
+          <a:fontRef idx="minor">
+            <a:schemeClr val="lt1"/>
+          </a:fontRef>
+        </p:style>
+        <p:txBody>
+          <a:bodyPr rtlCol="0" anchor="ctr"/>
+          <a:lstStyle/>
+          <a:p>
+            <a:pPr algn="ctr"/>
+            <a:endParaRPr lang="fr-FR"/>
+          </a:p>
+        </p:txBody>
+      </p:sp>
+      <p:sp>
+        <p:nvSpPr>
+          <p:cNvPr id="63" name="Oval 62">
+            <a:extLst>
+              <a:ext uri="{FF2B5EF4-FFF2-40B4-BE49-F238E27FC236}">
+                <a16:creationId xmlns:a16="http://schemas.microsoft.com/office/drawing/2014/main" id="{6CEE8A41-FFAE-4552-AE74-2370A8AE1CF9}"/>
+              </a:ext>
+            </a:extLst>
+          </p:cNvPr>
+          <p:cNvSpPr/>
+          <p:nvPr/>
+        </p:nvSpPr>
+        <p:spPr>
+          <a:xfrm>
+            <a:off x="2404711" y="1216248"/>
+            <a:ext cx="45719" cy="45719"/>
+          </a:xfrm>
+          <a:prstGeom prst="ellipse">
+            <a:avLst/>
+          </a:prstGeom>
+          <a:solidFill>
+            <a:schemeClr val="tx1"/>
+          </a:solidFill>
+          <a:ln>
+            <a:noFill/>
+          </a:ln>
+        </p:spPr>
+        <p:style>
+          <a:lnRef idx="2">
+            <a:schemeClr val="accent1">
+              <a:shade val="50000"/>
+            </a:schemeClr>
+          </a:lnRef>
+          <a:fillRef idx="1">
+            <a:schemeClr val="accent1"/>
+          </a:fillRef>
+          <a:effectRef idx="0">
+            <a:schemeClr val="accent1"/>
+          </a:effectRef>
+          <a:fontRef idx="minor">
+            <a:schemeClr val="lt1"/>
+          </a:fontRef>
+        </p:style>
+        <p:txBody>
+          <a:bodyPr rtlCol="0" anchor="ctr"/>
+          <a:lstStyle/>
+          <a:p>
+            <a:pPr algn="ctr"/>
+            <a:endParaRPr lang="fr-FR"/>
+          </a:p>
+        </p:txBody>
+      </p:sp>
+      <p:sp>
+        <p:nvSpPr>
+          <p:cNvPr id="64" name="TextBox 63">
+            <a:extLst>
+              <a:ext uri="{FF2B5EF4-FFF2-40B4-BE49-F238E27FC236}">
+                <a16:creationId xmlns:a16="http://schemas.microsoft.com/office/drawing/2014/main" id="{54960166-43B4-4250-83DF-0B21B5AA8CDB}"/>
+              </a:ext>
+            </a:extLst>
+          </p:cNvPr>
+          <p:cNvSpPr txBox="1"/>
+          <p:nvPr/>
+        </p:nvSpPr>
+        <p:spPr>
+          <a:xfrm>
+            <a:off x="4148432" y="1591673"/>
+            <a:ext cx="780836" cy="369332"/>
+          </a:xfrm>
+          <a:prstGeom prst="rect">
+            <a:avLst/>
+          </a:prstGeom>
+          <a:noFill/>
+        </p:spPr>
+        <p:txBody>
+          <a:bodyPr wrap="square" rtlCol="0">
+            <a:spAutoFit/>
+          </a:bodyPr>
+          <a:lstStyle/>
+          <a:p>
+            <a:r>
+              <a:rPr lang="fr-FR" dirty="0"/>
+              <a:t>S</a:t>
+            </a:r>
+          </a:p>
+        </p:txBody>
+      </p:sp>
+      <p:sp>
+        <p:nvSpPr>
+          <p:cNvPr id="65" name="TextBox 64">
+            <a:extLst>
+              <a:ext uri="{FF2B5EF4-FFF2-40B4-BE49-F238E27FC236}">
+                <a16:creationId xmlns:a16="http://schemas.microsoft.com/office/drawing/2014/main" id="{0D0DFEBE-68BC-493D-9B57-215C49FB67E0}"/>
+              </a:ext>
+            </a:extLst>
+          </p:cNvPr>
+          <p:cNvSpPr txBox="1"/>
+          <p:nvPr/>
+        </p:nvSpPr>
+        <p:spPr>
+          <a:xfrm>
+            <a:off x="4579947" y="1940457"/>
+            <a:ext cx="472611" cy="369332"/>
+          </a:xfrm>
+          <a:prstGeom prst="rect">
+            <a:avLst/>
+          </a:prstGeom>
+          <a:noFill/>
+        </p:spPr>
+        <p:txBody>
+          <a:bodyPr wrap="square" rtlCol="0">
+            <a:spAutoFit/>
+          </a:bodyPr>
+          <a:lstStyle/>
+          <a:p>
+            <a:r>
+              <a:rPr lang="fr-FR" dirty="0"/>
+              <a:t>O</a:t>
+            </a:r>
+          </a:p>
+        </p:txBody>
+      </p:sp>
+      <p:sp>
+        <p:nvSpPr>
+          <p:cNvPr id="66" name="TextBox 65">
+            <a:extLst>
+              <a:ext uri="{FF2B5EF4-FFF2-40B4-BE49-F238E27FC236}">
+                <a16:creationId xmlns:a16="http://schemas.microsoft.com/office/drawing/2014/main" id="{8C9AE86E-0D6C-4CF5-ADD8-04E79FC98F7D}"/>
+              </a:ext>
+            </a:extLst>
+          </p:cNvPr>
+          <p:cNvSpPr txBox="1"/>
+          <p:nvPr/>
+        </p:nvSpPr>
+        <p:spPr>
+          <a:xfrm>
+            <a:off x="3716917" y="1940457"/>
+            <a:ext cx="472611" cy="369332"/>
+          </a:xfrm>
+          <a:prstGeom prst="rect">
+            <a:avLst/>
+          </a:prstGeom>
+          <a:noFill/>
+        </p:spPr>
+        <p:txBody>
+          <a:bodyPr wrap="square" rtlCol="0">
+            <a:spAutoFit/>
+          </a:bodyPr>
+          <a:lstStyle/>
+          <a:p>
+            <a:r>
+              <a:rPr lang="fr-FR" dirty="0"/>
+              <a:t>O</a:t>
+            </a:r>
+          </a:p>
+        </p:txBody>
+      </p:sp>
+      <p:sp>
+        <p:nvSpPr>
+          <p:cNvPr id="67" name="TextBox 66">
+            <a:extLst>
+              <a:ext uri="{FF2B5EF4-FFF2-40B4-BE49-F238E27FC236}">
+                <a16:creationId xmlns:a16="http://schemas.microsoft.com/office/drawing/2014/main" id="{C96FB44F-AAD9-4EAA-BE99-BF1891528998}"/>
+              </a:ext>
+            </a:extLst>
+          </p:cNvPr>
+          <p:cNvSpPr txBox="1"/>
+          <p:nvPr/>
+        </p:nvSpPr>
+        <p:spPr>
+          <a:xfrm>
+            <a:off x="4107336" y="1160697"/>
+            <a:ext cx="472611" cy="369332"/>
+          </a:xfrm>
+          <a:prstGeom prst="rect">
+            <a:avLst/>
+          </a:prstGeom>
+          <a:noFill/>
+        </p:spPr>
+        <p:txBody>
+          <a:bodyPr wrap="square" rtlCol="0">
+            <a:spAutoFit/>
+          </a:bodyPr>
+          <a:lstStyle/>
+          <a:p>
+            <a:r>
+              <a:rPr lang="fr-FR" dirty="0"/>
+              <a:t>O</a:t>
+            </a:r>
+          </a:p>
+        </p:txBody>
+      </p:sp>
+      <p:sp>
+        <p:nvSpPr>
+          <p:cNvPr id="68" name="Oval 67">
+            <a:extLst>
+              <a:ext uri="{FF2B5EF4-FFF2-40B4-BE49-F238E27FC236}">
+                <a16:creationId xmlns:a16="http://schemas.microsoft.com/office/drawing/2014/main" id="{FBF2A4C2-68C2-4BC8-9D18-2DB7C84651C7}"/>
+              </a:ext>
+            </a:extLst>
+          </p:cNvPr>
+          <p:cNvSpPr/>
+          <p:nvPr/>
+        </p:nvSpPr>
+        <p:spPr>
+          <a:xfrm>
+            <a:off x="4289455" y="1608850"/>
+            <a:ext cx="45719" cy="45719"/>
+          </a:xfrm>
+          <a:prstGeom prst="ellipse">
+            <a:avLst/>
+          </a:prstGeom>
+          <a:solidFill>
+            <a:schemeClr val="tx1"/>
+          </a:solidFill>
+          <a:ln>
+            <a:noFill/>
+          </a:ln>
+        </p:spPr>
+        <p:style>
+          <a:lnRef idx="2">
+            <a:schemeClr val="accent1">
+              <a:shade val="50000"/>
+            </a:schemeClr>
+          </a:lnRef>
+          <a:fillRef idx="1">
+            <a:schemeClr val="accent1"/>
+          </a:fillRef>
+          <a:effectRef idx="0">
+            <a:schemeClr val="accent1"/>
+          </a:effectRef>
+          <a:fontRef idx="minor">
+            <a:schemeClr val="lt1"/>
+          </a:fontRef>
+        </p:style>
+        <p:txBody>
+          <a:bodyPr rtlCol="0" anchor="ctr"/>
+          <a:lstStyle/>
+          <a:p>
+            <a:pPr algn="ctr"/>
+            <a:endParaRPr lang="fr-FR"/>
+          </a:p>
+        </p:txBody>
+      </p:sp>
+      <p:sp>
+        <p:nvSpPr>
+          <p:cNvPr id="69" name="Oval 68">
+            <a:extLst>
+              <a:ext uri="{FF2B5EF4-FFF2-40B4-BE49-F238E27FC236}">
+                <a16:creationId xmlns:a16="http://schemas.microsoft.com/office/drawing/2014/main" id="{6FA6CD24-ECA7-43F3-8722-49DA8C2A7439}"/>
+              </a:ext>
+            </a:extLst>
+          </p:cNvPr>
+          <p:cNvSpPr/>
+          <p:nvPr/>
+        </p:nvSpPr>
+        <p:spPr>
+          <a:xfrm>
+            <a:off x="4221904" y="1608851"/>
+            <a:ext cx="45719" cy="45719"/>
+          </a:xfrm>
+          <a:prstGeom prst="ellipse">
+            <a:avLst/>
+          </a:prstGeom>
+          <a:solidFill>
+            <a:schemeClr val="tx1"/>
+          </a:solidFill>
+          <a:ln>
+            <a:noFill/>
+          </a:ln>
+        </p:spPr>
+        <p:style>
+          <a:lnRef idx="2">
+            <a:schemeClr val="accent1">
+              <a:shade val="50000"/>
+            </a:schemeClr>
+          </a:lnRef>
+          <a:fillRef idx="1">
+            <a:schemeClr val="accent1"/>
+          </a:fillRef>
+          <a:effectRef idx="0">
+            <a:schemeClr val="accent1"/>
+          </a:effectRef>
+          <a:fontRef idx="minor">
+            <a:schemeClr val="lt1"/>
+          </a:fontRef>
+        </p:style>
+        <p:txBody>
+          <a:bodyPr rtlCol="0" anchor="ctr"/>
+          <a:lstStyle/>
+          <a:p>
+            <a:pPr algn="ctr"/>
+            <a:endParaRPr lang="fr-FR"/>
+          </a:p>
+        </p:txBody>
+      </p:sp>
+      <p:sp>
+        <p:nvSpPr>
+          <p:cNvPr id="70" name="Oval 69">
+            <a:extLst>
+              <a:ext uri="{FF2B5EF4-FFF2-40B4-BE49-F238E27FC236}">
+                <a16:creationId xmlns:a16="http://schemas.microsoft.com/office/drawing/2014/main" id="{0CFB4497-F87D-417E-B04D-7E652A8EE0A9}"/>
+              </a:ext>
+            </a:extLst>
+          </p:cNvPr>
+          <p:cNvSpPr/>
+          <p:nvPr/>
+        </p:nvSpPr>
+        <p:spPr>
+          <a:xfrm>
+            <a:off x="4224350" y="1448188"/>
+            <a:ext cx="45719" cy="45719"/>
+          </a:xfrm>
+          <a:prstGeom prst="ellipse">
+            <a:avLst/>
+          </a:prstGeom>
+          <a:solidFill>
+            <a:schemeClr val="tx1"/>
+          </a:solidFill>
+          <a:ln>
+            <a:noFill/>
+          </a:ln>
+        </p:spPr>
+        <p:style>
+          <a:lnRef idx="2">
+            <a:schemeClr val="accent1">
+              <a:shade val="50000"/>
+            </a:schemeClr>
+          </a:lnRef>
+          <a:fillRef idx="1">
+            <a:schemeClr val="accent1"/>
+          </a:fillRef>
+          <a:effectRef idx="0">
+            <a:schemeClr val="accent1"/>
+          </a:effectRef>
+          <a:fontRef idx="minor">
+            <a:schemeClr val="lt1"/>
+          </a:fontRef>
+        </p:style>
+        <p:txBody>
+          <a:bodyPr rtlCol="0" anchor="ctr"/>
+          <a:lstStyle/>
+          <a:p>
+            <a:pPr algn="ctr"/>
+            <a:endParaRPr lang="fr-FR"/>
+          </a:p>
+        </p:txBody>
+      </p:sp>
+      <p:sp>
+        <p:nvSpPr>
+          <p:cNvPr id="71" name="Oval 70">
+            <a:extLst>
+              <a:ext uri="{FF2B5EF4-FFF2-40B4-BE49-F238E27FC236}">
+                <a16:creationId xmlns:a16="http://schemas.microsoft.com/office/drawing/2014/main" id="{1E8D99B8-D6D7-49A4-90B9-348F5E9F7802}"/>
+              </a:ext>
+            </a:extLst>
+          </p:cNvPr>
+          <p:cNvSpPr/>
+          <p:nvPr/>
+        </p:nvSpPr>
+        <p:spPr>
+          <a:xfrm>
+            <a:off x="4289455" y="1448188"/>
+            <a:ext cx="45719" cy="45719"/>
+          </a:xfrm>
+          <a:prstGeom prst="ellipse">
+            <a:avLst/>
+          </a:prstGeom>
+          <a:solidFill>
+            <a:schemeClr val="tx1"/>
+          </a:solidFill>
+          <a:ln>
+            <a:noFill/>
+          </a:ln>
+        </p:spPr>
+        <p:style>
+          <a:lnRef idx="2">
+            <a:schemeClr val="accent1">
+              <a:shade val="50000"/>
+            </a:schemeClr>
+          </a:lnRef>
+          <a:fillRef idx="1">
+            <a:schemeClr val="accent1"/>
+          </a:fillRef>
+          <a:effectRef idx="0">
+            <a:schemeClr val="accent1"/>
+          </a:effectRef>
+          <a:fontRef idx="minor">
+            <a:schemeClr val="lt1"/>
+          </a:fontRef>
+        </p:style>
+        <p:txBody>
+          <a:bodyPr rtlCol="0" anchor="ctr"/>
+          <a:lstStyle/>
+          <a:p>
+            <a:pPr algn="ctr"/>
+            <a:endParaRPr lang="fr-FR"/>
+          </a:p>
+        </p:txBody>
+      </p:sp>
+      <p:sp>
+        <p:nvSpPr>
+          <p:cNvPr id="72" name="Oval 71">
+            <a:extLst>
+              <a:ext uri="{FF2B5EF4-FFF2-40B4-BE49-F238E27FC236}">
+                <a16:creationId xmlns:a16="http://schemas.microsoft.com/office/drawing/2014/main" id="{491B850E-6FE9-4827-A026-A54C8CBF2A27}"/>
+              </a:ext>
+            </a:extLst>
+          </p:cNvPr>
+          <p:cNvSpPr/>
+          <p:nvPr/>
+        </p:nvSpPr>
+        <p:spPr>
+          <a:xfrm>
+            <a:off x="3963431" y="1972675"/>
+            <a:ext cx="45719" cy="45719"/>
+          </a:xfrm>
+          <a:prstGeom prst="ellipse">
+            <a:avLst/>
+          </a:prstGeom>
+          <a:solidFill>
+            <a:schemeClr val="tx1"/>
+          </a:solidFill>
+          <a:ln>
+            <a:noFill/>
+          </a:ln>
+        </p:spPr>
+        <p:style>
+          <a:lnRef idx="2">
+            <a:schemeClr val="accent1">
+              <a:shade val="50000"/>
+            </a:schemeClr>
+          </a:lnRef>
+          <a:fillRef idx="1">
+            <a:schemeClr val="accent1"/>
+          </a:fillRef>
+          <a:effectRef idx="0">
+            <a:schemeClr val="accent1"/>
+          </a:effectRef>
+          <a:fontRef idx="minor">
+            <a:schemeClr val="lt1"/>
+          </a:fontRef>
+        </p:style>
+        <p:txBody>
+          <a:bodyPr rtlCol="0" anchor="ctr"/>
+          <a:lstStyle/>
+          <a:p>
+            <a:pPr algn="ctr"/>
+            <a:endParaRPr lang="fr-FR"/>
+          </a:p>
+        </p:txBody>
+      </p:sp>
+      <p:sp>
+        <p:nvSpPr>
+          <p:cNvPr id="73" name="Oval 72">
+            <a:extLst>
+              <a:ext uri="{FF2B5EF4-FFF2-40B4-BE49-F238E27FC236}">
+                <a16:creationId xmlns:a16="http://schemas.microsoft.com/office/drawing/2014/main" id="{84A76ADE-1ED3-447E-A5DA-10E6ABA15CBE}"/>
+              </a:ext>
+            </a:extLst>
+          </p:cNvPr>
+          <p:cNvSpPr/>
+          <p:nvPr/>
+        </p:nvSpPr>
+        <p:spPr>
+          <a:xfrm>
+            <a:off x="4016297" y="2031974"/>
+            <a:ext cx="45719" cy="45719"/>
+          </a:xfrm>
+          <a:prstGeom prst="ellipse">
+            <a:avLst/>
+          </a:prstGeom>
+          <a:solidFill>
+            <a:schemeClr val="tx1"/>
+          </a:solidFill>
+          <a:ln>
+            <a:noFill/>
+          </a:ln>
+        </p:spPr>
+        <p:style>
+          <a:lnRef idx="2">
+            <a:schemeClr val="accent1">
+              <a:shade val="50000"/>
+            </a:schemeClr>
+          </a:lnRef>
+          <a:fillRef idx="1">
+            <a:schemeClr val="accent1"/>
+          </a:fillRef>
+          <a:effectRef idx="0">
+            <a:schemeClr val="accent1"/>
+          </a:effectRef>
+          <a:fontRef idx="minor">
+            <a:schemeClr val="lt1"/>
+          </a:fontRef>
+        </p:style>
+        <p:txBody>
+          <a:bodyPr rtlCol="0" anchor="ctr"/>
+          <a:lstStyle/>
+          <a:p>
+            <a:pPr algn="ctr"/>
+            <a:endParaRPr lang="fr-FR"/>
+          </a:p>
+        </p:txBody>
+      </p:sp>
+      <p:sp>
+        <p:nvSpPr>
+          <p:cNvPr id="74" name="Oval 73">
+            <a:extLst>
+              <a:ext uri="{FF2B5EF4-FFF2-40B4-BE49-F238E27FC236}">
+                <a16:creationId xmlns:a16="http://schemas.microsoft.com/office/drawing/2014/main" id="{BC2E0D0D-727D-4988-8476-C3D76E700EE5}"/>
+              </a:ext>
+            </a:extLst>
+          </p:cNvPr>
+          <p:cNvSpPr/>
+          <p:nvPr/>
+        </p:nvSpPr>
+        <p:spPr>
+          <a:xfrm>
+            <a:off x="4126688" y="1848015"/>
+            <a:ext cx="45719" cy="45719"/>
+          </a:xfrm>
+          <a:prstGeom prst="ellipse">
+            <a:avLst/>
+          </a:prstGeom>
+          <a:solidFill>
+            <a:schemeClr val="tx1"/>
+          </a:solidFill>
+          <a:ln>
+            <a:noFill/>
+          </a:ln>
+        </p:spPr>
+        <p:style>
+          <a:lnRef idx="2">
+            <a:schemeClr val="accent1">
+              <a:shade val="50000"/>
+            </a:schemeClr>
+          </a:lnRef>
+          <a:fillRef idx="1">
+            <a:schemeClr val="accent1"/>
+          </a:fillRef>
+          <a:effectRef idx="0">
+            <a:schemeClr val="accent1"/>
+          </a:effectRef>
+          <a:fontRef idx="minor">
+            <a:schemeClr val="lt1"/>
+          </a:fontRef>
+        </p:style>
+        <p:txBody>
+          <a:bodyPr rtlCol="0" anchor="ctr"/>
+          <a:lstStyle/>
+          <a:p>
+            <a:pPr algn="ctr"/>
+            <a:endParaRPr lang="fr-FR"/>
+          </a:p>
+        </p:txBody>
+      </p:sp>
+      <p:sp>
+        <p:nvSpPr>
+          <p:cNvPr id="75" name="Oval 74">
+            <a:extLst>
+              <a:ext uri="{FF2B5EF4-FFF2-40B4-BE49-F238E27FC236}">
+                <a16:creationId xmlns:a16="http://schemas.microsoft.com/office/drawing/2014/main" id="{D3CA3794-A82A-4A61-9C2A-195766CFE552}"/>
+              </a:ext>
+            </a:extLst>
+          </p:cNvPr>
+          <p:cNvSpPr/>
+          <p:nvPr/>
+        </p:nvSpPr>
+        <p:spPr>
+          <a:xfrm>
+            <a:off x="4182594" y="1899761"/>
+            <a:ext cx="45719" cy="45719"/>
+          </a:xfrm>
+          <a:prstGeom prst="ellipse">
+            <a:avLst/>
+          </a:prstGeom>
+          <a:solidFill>
+            <a:schemeClr val="tx1"/>
+          </a:solidFill>
+          <a:ln>
+            <a:noFill/>
+          </a:ln>
+        </p:spPr>
+        <p:style>
+          <a:lnRef idx="2">
+            <a:schemeClr val="accent1">
+              <a:shade val="50000"/>
+            </a:schemeClr>
+          </a:lnRef>
+          <a:fillRef idx="1">
+            <a:schemeClr val="accent1"/>
+          </a:fillRef>
+          <a:effectRef idx="0">
+            <a:schemeClr val="accent1"/>
+          </a:effectRef>
+          <a:fontRef idx="minor">
+            <a:schemeClr val="lt1"/>
+          </a:fontRef>
+        </p:style>
+        <p:txBody>
+          <a:bodyPr rtlCol="0" anchor="ctr"/>
+          <a:lstStyle/>
+          <a:p>
+            <a:pPr algn="ctr"/>
+            <a:endParaRPr lang="fr-FR"/>
+          </a:p>
+        </p:txBody>
+      </p:sp>
+      <p:sp>
+        <p:nvSpPr>
+          <p:cNvPr id="80" name="Oval 79">
+            <a:extLst>
+              <a:ext uri="{FF2B5EF4-FFF2-40B4-BE49-F238E27FC236}">
+                <a16:creationId xmlns:a16="http://schemas.microsoft.com/office/drawing/2014/main" id="{B2DE729E-932F-4C5F-89EA-BDA5CCDA86AE}"/>
+              </a:ext>
+            </a:extLst>
+          </p:cNvPr>
+          <p:cNvSpPr/>
+          <p:nvPr/>
+        </p:nvSpPr>
+        <p:spPr>
+          <a:xfrm>
+            <a:off x="3745362" y="2053027"/>
+            <a:ext cx="45719" cy="45719"/>
+          </a:xfrm>
+          <a:prstGeom prst="ellipse">
+            <a:avLst/>
+          </a:prstGeom>
+          <a:solidFill>
+            <a:schemeClr val="tx1"/>
+          </a:solidFill>
+          <a:ln>
+            <a:noFill/>
+          </a:ln>
+        </p:spPr>
+        <p:style>
+          <a:lnRef idx="2">
+            <a:schemeClr val="accent1">
+              <a:shade val="50000"/>
+            </a:schemeClr>
+          </a:lnRef>
+          <a:fillRef idx="1">
+            <a:schemeClr val="accent1"/>
+          </a:fillRef>
+          <a:effectRef idx="0">
+            <a:schemeClr val="accent1"/>
+          </a:effectRef>
+          <a:fontRef idx="minor">
+            <a:schemeClr val="lt1"/>
+          </a:fontRef>
+        </p:style>
+        <p:txBody>
+          <a:bodyPr rtlCol="0" anchor="ctr"/>
+          <a:lstStyle/>
+          <a:p>
+            <a:pPr algn="ctr"/>
+            <a:endParaRPr lang="fr-FR"/>
+          </a:p>
+        </p:txBody>
+      </p:sp>
+      <p:sp>
+        <p:nvSpPr>
+          <p:cNvPr id="81" name="Oval 80">
+            <a:extLst>
+              <a:ext uri="{FF2B5EF4-FFF2-40B4-BE49-F238E27FC236}">
+                <a16:creationId xmlns:a16="http://schemas.microsoft.com/office/drawing/2014/main" id="{995FAB0B-7CA6-460D-94B7-B10A6AEE563A}"/>
+              </a:ext>
+            </a:extLst>
+          </p:cNvPr>
+          <p:cNvSpPr/>
+          <p:nvPr/>
+        </p:nvSpPr>
+        <p:spPr>
+          <a:xfrm>
+            <a:off x="3745361" y="2132968"/>
+            <a:ext cx="45719" cy="45719"/>
+          </a:xfrm>
+          <a:prstGeom prst="ellipse">
+            <a:avLst/>
+          </a:prstGeom>
+          <a:solidFill>
+            <a:schemeClr val="tx1"/>
+          </a:solidFill>
+          <a:ln>
+            <a:noFill/>
+          </a:ln>
+        </p:spPr>
+        <p:style>
+          <a:lnRef idx="2">
+            <a:schemeClr val="accent1">
+              <a:shade val="50000"/>
+            </a:schemeClr>
+          </a:lnRef>
+          <a:fillRef idx="1">
+            <a:schemeClr val="accent1"/>
+          </a:fillRef>
+          <a:effectRef idx="0">
+            <a:schemeClr val="accent1"/>
+          </a:effectRef>
+          <a:fontRef idx="minor">
+            <a:schemeClr val="lt1"/>
+          </a:fontRef>
+        </p:style>
+        <p:txBody>
+          <a:bodyPr rtlCol="0" anchor="ctr"/>
+          <a:lstStyle/>
+          <a:p>
+            <a:pPr algn="ctr"/>
+            <a:endParaRPr lang="fr-FR"/>
+          </a:p>
+        </p:txBody>
+      </p:sp>
+      <p:sp>
+        <p:nvSpPr>
+          <p:cNvPr id="82" name="Oval 81">
+            <a:extLst>
+              <a:ext uri="{FF2B5EF4-FFF2-40B4-BE49-F238E27FC236}">
+                <a16:creationId xmlns:a16="http://schemas.microsoft.com/office/drawing/2014/main" id="{7022980F-36CE-463B-A6B0-11DA3D294626}"/>
+              </a:ext>
+            </a:extLst>
+          </p:cNvPr>
+          <p:cNvSpPr/>
+          <p:nvPr/>
+        </p:nvSpPr>
+        <p:spPr>
+          <a:xfrm>
+            <a:off x="3852335" y="2221868"/>
+            <a:ext cx="45719" cy="45719"/>
+          </a:xfrm>
+          <a:prstGeom prst="ellipse">
+            <a:avLst/>
+          </a:prstGeom>
+          <a:solidFill>
+            <a:schemeClr val="tx1"/>
+          </a:solidFill>
+          <a:ln>
+            <a:noFill/>
+          </a:ln>
+        </p:spPr>
+        <p:style>
+          <a:lnRef idx="2">
+            <a:schemeClr val="accent1">
+              <a:shade val="50000"/>
+            </a:schemeClr>
+          </a:lnRef>
+          <a:fillRef idx="1">
+            <a:schemeClr val="accent1"/>
+          </a:fillRef>
+          <a:effectRef idx="0">
+            <a:schemeClr val="accent1"/>
+          </a:effectRef>
+          <a:fontRef idx="minor">
+            <a:schemeClr val="lt1"/>
+          </a:fontRef>
+        </p:style>
+        <p:txBody>
+          <a:bodyPr rtlCol="0" anchor="ctr"/>
+          <a:lstStyle/>
+          <a:p>
+            <a:pPr algn="ctr"/>
+            <a:endParaRPr lang="fr-FR"/>
+          </a:p>
+        </p:txBody>
+      </p:sp>
+      <p:sp>
+        <p:nvSpPr>
+          <p:cNvPr id="83" name="Oval 82">
+            <a:extLst>
+              <a:ext uri="{FF2B5EF4-FFF2-40B4-BE49-F238E27FC236}">
+                <a16:creationId xmlns:a16="http://schemas.microsoft.com/office/drawing/2014/main" id="{0ED54D63-1490-4C16-82A5-507B4CF93FEB}"/>
+              </a:ext>
+            </a:extLst>
+          </p:cNvPr>
+          <p:cNvSpPr/>
+          <p:nvPr/>
+        </p:nvSpPr>
+        <p:spPr>
+          <a:xfrm>
+            <a:off x="3930362" y="2215645"/>
+            <a:ext cx="45719" cy="45719"/>
+          </a:xfrm>
+          <a:prstGeom prst="ellipse">
+            <a:avLst/>
+          </a:prstGeom>
+          <a:solidFill>
+            <a:schemeClr val="tx1"/>
+          </a:solidFill>
+          <a:ln>
+            <a:noFill/>
+          </a:ln>
+        </p:spPr>
+        <p:style>
+          <a:lnRef idx="2">
+            <a:schemeClr val="accent1">
+              <a:shade val="50000"/>
+            </a:schemeClr>
+          </a:lnRef>
+          <a:fillRef idx="1">
+            <a:schemeClr val="accent1"/>
+          </a:fillRef>
+          <a:effectRef idx="0">
+            <a:schemeClr val="accent1"/>
+          </a:effectRef>
+          <a:fontRef idx="minor">
+            <a:schemeClr val="lt1"/>
+          </a:fontRef>
+        </p:style>
+        <p:txBody>
+          <a:bodyPr rtlCol="0" anchor="ctr"/>
+          <a:lstStyle/>
+          <a:p>
+            <a:pPr algn="ctr"/>
+            <a:endParaRPr lang="fr-FR"/>
+          </a:p>
+        </p:txBody>
+      </p:sp>
+      <p:sp>
+        <p:nvSpPr>
+          <p:cNvPr id="84" name="Oval 83">
+            <a:extLst>
+              <a:ext uri="{FF2B5EF4-FFF2-40B4-BE49-F238E27FC236}">
+                <a16:creationId xmlns:a16="http://schemas.microsoft.com/office/drawing/2014/main" id="{24E0672F-69A2-441D-AC39-0A2AB8F43AAA}"/>
+              </a:ext>
+            </a:extLst>
+          </p:cNvPr>
+          <p:cNvSpPr/>
+          <p:nvPr/>
+        </p:nvSpPr>
+        <p:spPr>
+          <a:xfrm>
+            <a:off x="4689000" y="2208925"/>
+            <a:ext cx="45719" cy="45719"/>
+          </a:xfrm>
+          <a:prstGeom prst="ellipse">
+            <a:avLst/>
+          </a:prstGeom>
+          <a:solidFill>
+            <a:schemeClr val="tx1"/>
+          </a:solidFill>
+          <a:ln>
+            <a:noFill/>
+          </a:ln>
+        </p:spPr>
+        <p:style>
+          <a:lnRef idx="2">
+            <a:schemeClr val="accent1">
+              <a:shade val="50000"/>
+            </a:schemeClr>
+          </a:lnRef>
+          <a:fillRef idx="1">
+            <a:schemeClr val="accent1"/>
+          </a:fillRef>
+          <a:effectRef idx="0">
+            <a:schemeClr val="accent1"/>
+          </a:effectRef>
+          <a:fontRef idx="minor">
+            <a:schemeClr val="lt1"/>
+          </a:fontRef>
+        </p:style>
+        <p:txBody>
+          <a:bodyPr rtlCol="0" anchor="ctr"/>
+          <a:lstStyle/>
+          <a:p>
+            <a:pPr algn="ctr"/>
+            <a:endParaRPr lang="fr-FR"/>
+          </a:p>
+        </p:txBody>
+      </p:sp>
+      <p:sp>
+        <p:nvSpPr>
+          <p:cNvPr id="85" name="Oval 84">
+            <a:extLst>
+              <a:ext uri="{FF2B5EF4-FFF2-40B4-BE49-F238E27FC236}">
+                <a16:creationId xmlns:a16="http://schemas.microsoft.com/office/drawing/2014/main" id="{299D8D79-20A6-4783-8681-2035A6684F18}"/>
+              </a:ext>
+            </a:extLst>
+          </p:cNvPr>
+          <p:cNvSpPr/>
+          <p:nvPr/>
+        </p:nvSpPr>
+        <p:spPr>
+          <a:xfrm>
+            <a:off x="4770533" y="2208925"/>
+            <a:ext cx="45719" cy="45719"/>
+          </a:xfrm>
+          <a:prstGeom prst="ellipse">
+            <a:avLst/>
+          </a:prstGeom>
+          <a:solidFill>
+            <a:schemeClr val="tx1"/>
+          </a:solidFill>
+          <a:ln>
+            <a:noFill/>
+          </a:ln>
+        </p:spPr>
+        <p:style>
+          <a:lnRef idx="2">
+            <a:schemeClr val="accent1">
+              <a:shade val="50000"/>
+            </a:schemeClr>
+          </a:lnRef>
+          <a:fillRef idx="1">
+            <a:schemeClr val="accent1"/>
+          </a:fillRef>
+          <a:effectRef idx="0">
+            <a:schemeClr val="accent1"/>
+          </a:effectRef>
+          <a:fontRef idx="minor">
+            <a:schemeClr val="lt1"/>
+          </a:fontRef>
+        </p:style>
+        <p:txBody>
+          <a:bodyPr rtlCol="0" anchor="ctr"/>
+          <a:lstStyle/>
+          <a:p>
+            <a:pPr algn="ctr"/>
+            <a:endParaRPr lang="fr-FR"/>
+          </a:p>
+        </p:txBody>
+      </p:sp>
+      <p:sp>
+        <p:nvSpPr>
+          <p:cNvPr id="86" name="Oval 85">
+            <a:extLst>
+              <a:ext uri="{FF2B5EF4-FFF2-40B4-BE49-F238E27FC236}">
+                <a16:creationId xmlns:a16="http://schemas.microsoft.com/office/drawing/2014/main" id="{367FA6BB-CE98-4685-BC91-683B56BE2E74}"/>
+              </a:ext>
+            </a:extLst>
+          </p:cNvPr>
+          <p:cNvSpPr/>
+          <p:nvPr/>
+        </p:nvSpPr>
+        <p:spPr>
+          <a:xfrm>
+            <a:off x="4831255" y="2062105"/>
+            <a:ext cx="45719" cy="45719"/>
+          </a:xfrm>
+          <a:prstGeom prst="ellipse">
+            <a:avLst/>
+          </a:prstGeom>
+          <a:solidFill>
+            <a:schemeClr val="tx1"/>
+          </a:solidFill>
+          <a:ln>
+            <a:noFill/>
+          </a:ln>
+        </p:spPr>
+        <p:style>
+          <a:lnRef idx="2">
+            <a:schemeClr val="accent1">
+              <a:shade val="50000"/>
+            </a:schemeClr>
+          </a:lnRef>
+          <a:fillRef idx="1">
+            <a:schemeClr val="accent1"/>
+          </a:fillRef>
+          <a:effectRef idx="0">
+            <a:schemeClr val="accent1"/>
+          </a:effectRef>
+          <a:fontRef idx="minor">
+            <a:schemeClr val="lt1"/>
+          </a:fontRef>
+        </p:style>
+        <p:txBody>
+          <a:bodyPr rtlCol="0" anchor="ctr"/>
+          <a:lstStyle/>
+          <a:p>
+            <a:pPr algn="ctr"/>
+            <a:endParaRPr lang="fr-FR"/>
+          </a:p>
+        </p:txBody>
+      </p:sp>
+      <p:sp>
+        <p:nvSpPr>
+          <p:cNvPr id="87" name="Oval 86">
+            <a:extLst>
+              <a:ext uri="{FF2B5EF4-FFF2-40B4-BE49-F238E27FC236}">
+                <a16:creationId xmlns:a16="http://schemas.microsoft.com/office/drawing/2014/main" id="{EA846AAF-BBFA-4E7D-B9B7-C1045E174CC2}"/>
+              </a:ext>
+            </a:extLst>
+          </p:cNvPr>
+          <p:cNvSpPr/>
+          <p:nvPr/>
+        </p:nvSpPr>
+        <p:spPr>
+          <a:xfrm>
+            <a:off x="4831255" y="2140228"/>
+            <a:ext cx="45719" cy="45719"/>
+          </a:xfrm>
+          <a:prstGeom prst="ellipse">
+            <a:avLst/>
+          </a:prstGeom>
+          <a:solidFill>
+            <a:schemeClr val="tx1"/>
+          </a:solidFill>
+          <a:ln>
+            <a:noFill/>
+          </a:ln>
+        </p:spPr>
+        <p:style>
+          <a:lnRef idx="2">
+            <a:schemeClr val="accent1">
+              <a:shade val="50000"/>
+            </a:schemeClr>
+          </a:lnRef>
+          <a:fillRef idx="1">
+            <a:schemeClr val="accent1"/>
+          </a:fillRef>
+          <a:effectRef idx="0">
+            <a:schemeClr val="accent1"/>
+          </a:effectRef>
+          <a:fontRef idx="minor">
+            <a:schemeClr val="lt1"/>
+          </a:fontRef>
+        </p:style>
+        <p:txBody>
+          <a:bodyPr rtlCol="0" anchor="ctr"/>
+          <a:lstStyle/>
+          <a:p>
+            <a:pPr algn="ctr"/>
+            <a:endParaRPr lang="fr-FR"/>
+          </a:p>
+        </p:txBody>
+      </p:sp>
+      <p:sp>
+        <p:nvSpPr>
+          <p:cNvPr id="92" name="Rectangle 91">
+            <a:extLst>
+              <a:ext uri="{FF2B5EF4-FFF2-40B4-BE49-F238E27FC236}">
+                <a16:creationId xmlns:a16="http://schemas.microsoft.com/office/drawing/2014/main" id="{BA8FA1FF-F801-4799-ADF4-D842BAE28E50}"/>
+              </a:ext>
+            </a:extLst>
+          </p:cNvPr>
+          <p:cNvSpPr/>
+          <p:nvPr/>
+        </p:nvSpPr>
+        <p:spPr>
+          <a:xfrm rot="5400000">
+            <a:off x="4141211" y="1522256"/>
+            <a:ext cx="213453" cy="45719"/>
+          </a:xfrm>
+          <a:prstGeom prst="rect">
+            <a:avLst/>
+          </a:prstGeom>
+          <a:solidFill>
+            <a:schemeClr val="tx1"/>
+          </a:solidFill>
+          <a:ln>
+            <a:noFill/>
+          </a:ln>
+        </p:spPr>
+        <p:style>
+          <a:lnRef idx="2">
+            <a:schemeClr val="accent1">
+              <a:shade val="50000"/>
+            </a:schemeClr>
+          </a:lnRef>
+          <a:fillRef idx="1">
+            <a:schemeClr val="accent1"/>
+          </a:fillRef>
+          <a:effectRef idx="0">
+            <a:schemeClr val="accent1"/>
+          </a:effectRef>
+          <a:fontRef idx="minor">
+            <a:schemeClr val="lt1"/>
+          </a:fontRef>
+        </p:style>
+        <p:txBody>
+          <a:bodyPr rtlCol="0" anchor="ctr"/>
+          <a:lstStyle/>
+          <a:p>
+            <a:pPr algn="ctr"/>
+            <a:endParaRPr lang="fr-FR"/>
+          </a:p>
+        </p:txBody>
+      </p:sp>
+      <p:sp>
+        <p:nvSpPr>
+          <p:cNvPr id="93" name="Rectangle 92">
+            <a:extLst>
+              <a:ext uri="{FF2B5EF4-FFF2-40B4-BE49-F238E27FC236}">
+                <a16:creationId xmlns:a16="http://schemas.microsoft.com/office/drawing/2014/main" id="{4C4A9D35-E0A9-40A6-8507-3139900C1908}"/>
+              </a:ext>
+            </a:extLst>
+          </p:cNvPr>
+          <p:cNvSpPr/>
+          <p:nvPr/>
+        </p:nvSpPr>
+        <p:spPr>
+          <a:xfrm rot="2696850">
+            <a:off x="4291551" y="1241922"/>
+            <a:ext cx="122090" cy="45719"/>
+          </a:xfrm>
+          <a:prstGeom prst="rect">
+            <a:avLst/>
+          </a:prstGeom>
+          <a:solidFill>
+            <a:schemeClr val="tx1"/>
+          </a:solidFill>
+          <a:ln>
+            <a:noFill/>
+          </a:ln>
+        </p:spPr>
+        <p:style>
+          <a:lnRef idx="2">
+            <a:schemeClr val="accent1">
+              <a:shade val="50000"/>
+            </a:schemeClr>
+          </a:lnRef>
+          <a:fillRef idx="1">
+            <a:schemeClr val="accent1"/>
+          </a:fillRef>
+          <a:effectRef idx="0">
+            <a:schemeClr val="accent1"/>
+          </a:effectRef>
+          <a:fontRef idx="minor">
+            <a:schemeClr val="lt1"/>
+          </a:fontRef>
+        </p:style>
+        <p:txBody>
+          <a:bodyPr rtlCol="0" anchor="ctr"/>
+          <a:lstStyle/>
+          <a:p>
+            <a:pPr algn="ctr"/>
+            <a:endParaRPr lang="fr-FR"/>
+          </a:p>
+        </p:txBody>
+      </p:sp>
+      <p:sp>
+        <p:nvSpPr>
+          <p:cNvPr id="94" name="Rectangle 93">
+            <a:extLst>
+              <a:ext uri="{FF2B5EF4-FFF2-40B4-BE49-F238E27FC236}">
+                <a16:creationId xmlns:a16="http://schemas.microsoft.com/office/drawing/2014/main" id="{170EA6D2-4877-409F-9AC8-917AEFC2B5BB}"/>
+              </a:ext>
+            </a:extLst>
+          </p:cNvPr>
+          <p:cNvSpPr/>
+          <p:nvPr/>
+        </p:nvSpPr>
+        <p:spPr>
+          <a:xfrm rot="19421789">
+            <a:off x="4150116" y="1239108"/>
+            <a:ext cx="122090" cy="45719"/>
+          </a:xfrm>
+          <a:prstGeom prst="rect">
+            <a:avLst/>
+          </a:prstGeom>
+          <a:solidFill>
+            <a:schemeClr val="tx1"/>
+          </a:solidFill>
+          <a:ln>
+            <a:noFill/>
+          </a:ln>
+        </p:spPr>
+        <p:style>
+          <a:lnRef idx="2">
+            <a:schemeClr val="accent1">
+              <a:shade val="50000"/>
+            </a:schemeClr>
+          </a:lnRef>
+          <a:fillRef idx="1">
+            <a:schemeClr val="accent1"/>
+          </a:fillRef>
+          <a:effectRef idx="0">
+            <a:schemeClr val="accent1"/>
+          </a:effectRef>
+          <a:fontRef idx="minor">
+            <a:schemeClr val="lt1"/>
+          </a:fontRef>
+        </p:style>
+        <p:txBody>
+          <a:bodyPr rtlCol="0" anchor="ctr"/>
+          <a:lstStyle/>
+          <a:p>
+            <a:pPr algn="ctr"/>
+            <a:endParaRPr lang="fr-FR"/>
+          </a:p>
+        </p:txBody>
+      </p:sp>
+      <p:sp>
+        <p:nvSpPr>
+          <p:cNvPr id="95" name="Rectangle 94">
+            <a:extLst>
+              <a:ext uri="{FF2B5EF4-FFF2-40B4-BE49-F238E27FC236}">
+                <a16:creationId xmlns:a16="http://schemas.microsoft.com/office/drawing/2014/main" id="{7D2EA03C-A498-491F-B360-BC3C12D4B6A7}"/>
+              </a:ext>
+            </a:extLst>
+          </p:cNvPr>
+          <p:cNvSpPr/>
+          <p:nvPr/>
+        </p:nvSpPr>
+        <p:spPr>
+          <a:xfrm rot="5400000">
+            <a:off x="4205588" y="1522256"/>
+            <a:ext cx="213453" cy="45719"/>
+          </a:xfrm>
+          <a:prstGeom prst="rect">
+            <a:avLst/>
+          </a:prstGeom>
+          <a:solidFill>
+            <a:schemeClr val="tx1"/>
+          </a:solidFill>
+          <a:ln>
+            <a:noFill/>
+          </a:ln>
+        </p:spPr>
+        <p:style>
+          <a:lnRef idx="2">
+            <a:schemeClr val="accent1">
+              <a:shade val="50000"/>
+            </a:schemeClr>
+          </a:lnRef>
+          <a:fillRef idx="1">
+            <a:schemeClr val="accent1"/>
+          </a:fillRef>
+          <a:effectRef idx="0">
+            <a:schemeClr val="accent1"/>
+          </a:effectRef>
+          <a:fontRef idx="minor">
+            <a:schemeClr val="lt1"/>
+          </a:fontRef>
+        </p:style>
+        <p:txBody>
+          <a:bodyPr rtlCol="0" anchor="ctr"/>
+          <a:lstStyle/>
+          <a:p>
+            <a:pPr algn="ctr"/>
+            <a:endParaRPr lang="fr-FR"/>
+          </a:p>
+        </p:txBody>
+      </p:sp>
+      <p:sp>
+        <p:nvSpPr>
+          <p:cNvPr id="96" name="Rectangle 95">
+            <a:extLst>
+              <a:ext uri="{FF2B5EF4-FFF2-40B4-BE49-F238E27FC236}">
+                <a16:creationId xmlns:a16="http://schemas.microsoft.com/office/drawing/2014/main" id="{5EF85134-CA15-445B-98EC-4C05AD52E183}"/>
+              </a:ext>
+            </a:extLst>
+          </p:cNvPr>
+          <p:cNvSpPr/>
+          <p:nvPr/>
+        </p:nvSpPr>
+        <p:spPr>
+          <a:xfrm rot="8581537">
+            <a:off x="3941317" y="1906548"/>
+            <a:ext cx="250470" cy="45719"/>
+          </a:xfrm>
+          <a:prstGeom prst="rect">
+            <a:avLst/>
+          </a:prstGeom>
+          <a:solidFill>
+            <a:schemeClr val="tx1"/>
+          </a:solidFill>
+          <a:ln>
+            <a:noFill/>
+          </a:ln>
+        </p:spPr>
+        <p:style>
+          <a:lnRef idx="2">
+            <a:schemeClr val="accent1">
+              <a:shade val="50000"/>
+            </a:schemeClr>
+          </a:lnRef>
+          <a:fillRef idx="1">
+            <a:schemeClr val="accent1"/>
+          </a:fillRef>
+          <a:effectRef idx="0">
+            <a:schemeClr val="accent1"/>
+          </a:effectRef>
+          <a:fontRef idx="minor">
+            <a:schemeClr val="lt1"/>
+          </a:fontRef>
+        </p:style>
+        <p:txBody>
+          <a:bodyPr rtlCol="0" anchor="ctr"/>
+          <a:lstStyle/>
+          <a:p>
+            <a:pPr algn="ctr"/>
+            <a:endParaRPr lang="fr-FR"/>
+          </a:p>
+        </p:txBody>
+      </p:sp>
+      <p:sp>
+        <p:nvSpPr>
+          <p:cNvPr id="97" name="Rectangle 96">
+            <a:extLst>
+              <a:ext uri="{FF2B5EF4-FFF2-40B4-BE49-F238E27FC236}">
+                <a16:creationId xmlns:a16="http://schemas.microsoft.com/office/drawing/2014/main" id="{3047298E-DC3B-4B5E-A10F-1DF2A2CA511C}"/>
+              </a:ext>
+            </a:extLst>
+          </p:cNvPr>
+          <p:cNvSpPr/>
+          <p:nvPr/>
+        </p:nvSpPr>
+        <p:spPr>
+          <a:xfrm rot="8581537">
+            <a:off x="3997435" y="1967154"/>
+            <a:ext cx="250470" cy="45719"/>
+          </a:xfrm>
+          <a:prstGeom prst="rect">
+            <a:avLst/>
+          </a:prstGeom>
+          <a:solidFill>
+            <a:schemeClr val="tx1"/>
+          </a:solidFill>
+          <a:ln>
+            <a:noFill/>
+          </a:ln>
+        </p:spPr>
+        <p:style>
+          <a:lnRef idx="2">
+            <a:schemeClr val="accent1">
+              <a:shade val="50000"/>
+            </a:schemeClr>
+          </a:lnRef>
+          <a:fillRef idx="1">
+            <a:schemeClr val="accent1"/>
+          </a:fillRef>
+          <a:effectRef idx="0">
+            <a:schemeClr val="accent1"/>
+          </a:effectRef>
+          <a:fontRef idx="minor">
+            <a:schemeClr val="lt1"/>
+          </a:fontRef>
+        </p:style>
+        <p:txBody>
+          <a:bodyPr rtlCol="0" anchor="ctr"/>
+          <a:lstStyle/>
+          <a:p>
+            <a:pPr algn="ctr"/>
+            <a:endParaRPr lang="fr-FR"/>
+          </a:p>
+        </p:txBody>
+      </p:sp>
+      <p:sp>
+        <p:nvSpPr>
+          <p:cNvPr id="98" name="Rectangle 97">
+            <a:extLst>
+              <a:ext uri="{FF2B5EF4-FFF2-40B4-BE49-F238E27FC236}">
+                <a16:creationId xmlns:a16="http://schemas.microsoft.com/office/drawing/2014/main" id="{0B8E1E2A-9DE4-49E3-9DB7-8F3D4E935532}"/>
+              </a:ext>
+            </a:extLst>
+          </p:cNvPr>
+          <p:cNvSpPr/>
+          <p:nvPr/>
+        </p:nvSpPr>
+        <p:spPr>
+          <a:xfrm rot="13002662">
+            <a:off x="4387731" y="1913787"/>
+            <a:ext cx="321116" cy="45719"/>
+          </a:xfrm>
+          <a:prstGeom prst="rect">
+            <a:avLst/>
+          </a:prstGeom>
+          <a:solidFill>
+            <a:schemeClr val="tx1"/>
+          </a:solidFill>
+          <a:ln>
+            <a:noFill/>
+          </a:ln>
+        </p:spPr>
+        <p:style>
+          <a:lnRef idx="2">
+            <a:schemeClr val="accent1">
+              <a:shade val="50000"/>
+            </a:schemeClr>
+          </a:lnRef>
+          <a:fillRef idx="1">
+            <a:schemeClr val="accent1"/>
+          </a:fillRef>
+          <a:effectRef idx="0">
+            <a:schemeClr val="accent1"/>
+          </a:effectRef>
+          <a:fontRef idx="minor">
+            <a:schemeClr val="lt1"/>
+          </a:fontRef>
+        </p:style>
+        <p:txBody>
+          <a:bodyPr rtlCol="0" anchor="ctr"/>
+          <a:lstStyle/>
+          <a:p>
+            <a:pPr algn="ctr"/>
+            <a:endParaRPr lang="fr-FR"/>
+          </a:p>
+        </p:txBody>
+      </p:sp>
+      <p:sp>
+        <p:nvSpPr>
+          <p:cNvPr id="99" name="Rectangle 98">
+            <a:extLst>
+              <a:ext uri="{FF2B5EF4-FFF2-40B4-BE49-F238E27FC236}">
+                <a16:creationId xmlns:a16="http://schemas.microsoft.com/office/drawing/2014/main" id="{57967B79-3BDA-46B8-9298-7176F635292D}"/>
+              </a:ext>
+            </a:extLst>
+          </p:cNvPr>
+          <p:cNvSpPr/>
+          <p:nvPr/>
+        </p:nvSpPr>
+        <p:spPr>
+          <a:xfrm rot="13002662">
+            <a:off x="4338349" y="1970800"/>
+            <a:ext cx="324102" cy="49240"/>
+          </a:xfrm>
+          <a:prstGeom prst="rect">
+            <a:avLst/>
+          </a:prstGeom>
+          <a:solidFill>
+            <a:schemeClr val="tx1"/>
+          </a:solidFill>
+          <a:ln>
+            <a:noFill/>
+          </a:ln>
+        </p:spPr>
+        <p:style>
+          <a:lnRef idx="2">
+            <a:schemeClr val="accent1">
+              <a:shade val="50000"/>
+            </a:schemeClr>
+          </a:lnRef>
+          <a:fillRef idx="1">
+            <a:schemeClr val="accent1"/>
+          </a:fillRef>
+          <a:effectRef idx="0">
+            <a:schemeClr val="accent1"/>
+          </a:effectRef>
+          <a:fontRef idx="minor">
+            <a:schemeClr val="lt1"/>
+          </a:fontRef>
+        </p:style>
+        <p:txBody>
+          <a:bodyPr rtlCol="0" anchor="ctr"/>
+          <a:lstStyle/>
+          <a:p>
+            <a:pPr algn="ctr"/>
+            <a:endParaRPr lang="fr-FR"/>
+          </a:p>
+        </p:txBody>
+      </p:sp>
+      <p:sp>
+        <p:nvSpPr>
+          <p:cNvPr id="100" name="Rectangle 99">
+            <a:extLst>
+              <a:ext uri="{FF2B5EF4-FFF2-40B4-BE49-F238E27FC236}">
+                <a16:creationId xmlns:a16="http://schemas.microsoft.com/office/drawing/2014/main" id="{61B8B308-CE30-4638-9A2E-66DB9DB562D4}"/>
+              </a:ext>
+            </a:extLst>
+          </p:cNvPr>
+          <p:cNvSpPr/>
+          <p:nvPr/>
+        </p:nvSpPr>
+        <p:spPr>
+          <a:xfrm rot="10800000">
+            <a:off x="3816136" y="2215645"/>
+            <a:ext cx="163835" cy="45719"/>
+          </a:xfrm>
+          <a:prstGeom prst="rect">
+            <a:avLst/>
+          </a:prstGeom>
+          <a:solidFill>
+            <a:schemeClr val="tx1"/>
+          </a:solidFill>
+          <a:ln>
+            <a:noFill/>
+          </a:ln>
+        </p:spPr>
+        <p:style>
+          <a:lnRef idx="2">
+            <a:schemeClr val="accent1">
+              <a:shade val="50000"/>
+            </a:schemeClr>
+          </a:lnRef>
+          <a:fillRef idx="1">
+            <a:schemeClr val="accent1"/>
+          </a:fillRef>
+          <a:effectRef idx="0">
+            <a:schemeClr val="accent1"/>
+          </a:effectRef>
+          <a:fontRef idx="minor">
+            <a:schemeClr val="lt1"/>
+          </a:fontRef>
+        </p:style>
+        <p:txBody>
+          <a:bodyPr rtlCol="0" anchor="ctr"/>
+          <a:lstStyle/>
+          <a:p>
+            <a:pPr algn="ctr"/>
+            <a:endParaRPr lang="fr-FR"/>
+          </a:p>
+        </p:txBody>
+      </p:sp>
+      <p:sp>
+        <p:nvSpPr>
+          <p:cNvPr id="101" name="Rectangle 100">
+            <a:extLst>
+              <a:ext uri="{FF2B5EF4-FFF2-40B4-BE49-F238E27FC236}">
+                <a16:creationId xmlns:a16="http://schemas.microsoft.com/office/drawing/2014/main" id="{5ED47BFE-0DBF-43CD-A911-058F0AFCFE25}"/>
+              </a:ext>
+            </a:extLst>
+          </p:cNvPr>
+          <p:cNvSpPr/>
+          <p:nvPr/>
+        </p:nvSpPr>
+        <p:spPr>
+          <a:xfrm rot="10800000">
+            <a:off x="4670434" y="2208924"/>
+            <a:ext cx="163835" cy="45719"/>
+          </a:xfrm>
+          <a:prstGeom prst="rect">
+            <a:avLst/>
+          </a:prstGeom>
+          <a:solidFill>
+            <a:schemeClr val="tx1"/>
+          </a:solidFill>
+          <a:ln>
+            <a:noFill/>
+          </a:ln>
+        </p:spPr>
+        <p:style>
+          <a:lnRef idx="2">
+            <a:schemeClr val="accent1">
+              <a:shade val="50000"/>
+            </a:schemeClr>
+          </a:lnRef>
+          <a:fillRef idx="1">
+            <a:schemeClr val="accent1"/>
+          </a:fillRef>
+          <a:effectRef idx="0">
+            <a:schemeClr val="accent1"/>
+          </a:effectRef>
+          <a:fontRef idx="minor">
+            <a:schemeClr val="lt1"/>
+          </a:fontRef>
+        </p:style>
+        <p:txBody>
+          <a:bodyPr rtlCol="0" anchor="ctr"/>
+          <a:lstStyle/>
+          <a:p>
+            <a:pPr algn="ctr"/>
+            <a:endParaRPr lang="fr-FR"/>
+          </a:p>
+        </p:txBody>
+      </p:sp>
+      <p:sp>
+        <p:nvSpPr>
+          <p:cNvPr id="102" name="Rectangle 101">
+            <a:extLst>
+              <a:ext uri="{FF2B5EF4-FFF2-40B4-BE49-F238E27FC236}">
+                <a16:creationId xmlns:a16="http://schemas.microsoft.com/office/drawing/2014/main" id="{9C6D7705-0738-46E4-BCFD-38A44A01B0F4}"/>
+              </a:ext>
+            </a:extLst>
+          </p:cNvPr>
+          <p:cNvSpPr/>
+          <p:nvPr/>
+        </p:nvSpPr>
+        <p:spPr>
+          <a:xfrm rot="16200000">
+            <a:off x="4772196" y="2089043"/>
+            <a:ext cx="163835" cy="45719"/>
+          </a:xfrm>
+          <a:prstGeom prst="rect">
+            <a:avLst/>
+          </a:prstGeom>
+          <a:solidFill>
+            <a:schemeClr val="tx1"/>
+          </a:solidFill>
+          <a:ln>
+            <a:noFill/>
+          </a:ln>
+        </p:spPr>
+        <p:style>
+          <a:lnRef idx="2">
+            <a:schemeClr val="accent1">
+              <a:shade val="50000"/>
+            </a:schemeClr>
+          </a:lnRef>
+          <a:fillRef idx="1">
+            <a:schemeClr val="accent1"/>
+          </a:fillRef>
+          <a:effectRef idx="0">
+            <a:schemeClr val="accent1"/>
+          </a:effectRef>
+          <a:fontRef idx="minor">
+            <a:schemeClr val="lt1"/>
+          </a:fontRef>
+        </p:style>
+        <p:txBody>
+          <a:bodyPr rtlCol="0" anchor="ctr"/>
+          <a:lstStyle/>
+          <a:p>
+            <a:pPr algn="ctr"/>
+            <a:endParaRPr lang="fr-FR"/>
+          </a:p>
+        </p:txBody>
+      </p:sp>
+      <p:sp>
+        <p:nvSpPr>
+          <p:cNvPr id="103" name="Rectangle 102">
+            <a:extLst>
+              <a:ext uri="{FF2B5EF4-FFF2-40B4-BE49-F238E27FC236}">
+                <a16:creationId xmlns:a16="http://schemas.microsoft.com/office/drawing/2014/main" id="{8299B027-8846-4475-AD7E-4E97A2CE65D0}"/>
+              </a:ext>
+            </a:extLst>
+          </p:cNvPr>
+          <p:cNvSpPr/>
+          <p:nvPr/>
+        </p:nvSpPr>
+        <p:spPr>
+          <a:xfrm rot="16200000">
+            <a:off x="3682836" y="2089043"/>
+            <a:ext cx="163835" cy="45719"/>
+          </a:xfrm>
+          <a:prstGeom prst="rect">
+            <a:avLst/>
+          </a:prstGeom>
+          <a:solidFill>
+            <a:schemeClr val="tx1"/>
+          </a:solidFill>
+          <a:ln>
+            <a:noFill/>
+          </a:ln>
+        </p:spPr>
+        <p:style>
+          <a:lnRef idx="2">
+            <a:schemeClr val="accent1">
+              <a:shade val="50000"/>
+            </a:schemeClr>
+          </a:lnRef>
+          <a:fillRef idx="1">
+            <a:schemeClr val="accent1"/>
+          </a:fillRef>
+          <a:effectRef idx="0">
+            <a:schemeClr val="accent1"/>
+          </a:effectRef>
+          <a:fontRef idx="minor">
+            <a:schemeClr val="lt1"/>
+          </a:fontRef>
+        </p:style>
+        <p:txBody>
+          <a:bodyPr rtlCol="0" anchor="ctr"/>
+          <a:lstStyle/>
+          <a:p>
+            <a:pPr algn="ctr"/>
+            <a:endParaRPr lang="fr-FR"/>
+          </a:p>
+        </p:txBody>
+      </p:sp>
+      <p:sp>
+        <p:nvSpPr>
+          <p:cNvPr id="104" name="TextBox 103">
+            <a:extLst>
+              <a:ext uri="{FF2B5EF4-FFF2-40B4-BE49-F238E27FC236}">
+                <a16:creationId xmlns:a16="http://schemas.microsoft.com/office/drawing/2014/main" id="{543E1AD8-4604-41A4-88CF-86A0FA4FA78F}"/>
+              </a:ext>
+            </a:extLst>
+          </p:cNvPr>
+          <p:cNvSpPr txBox="1"/>
+          <p:nvPr/>
+        </p:nvSpPr>
+        <p:spPr>
+          <a:xfrm>
+            <a:off x="3787613" y="2567754"/>
+            <a:ext cx="472611" cy="369332"/>
+          </a:xfrm>
+          <a:prstGeom prst="rect">
+            <a:avLst/>
+          </a:prstGeom>
+          <a:noFill/>
+        </p:spPr>
+        <p:txBody>
+          <a:bodyPr wrap="square" rtlCol="0">
+            <a:spAutoFit/>
+          </a:bodyPr>
+          <a:lstStyle/>
+          <a:p>
+            <a:r>
+              <a:rPr lang="fr-FR" dirty="0"/>
+              <a:t>O</a:t>
+            </a:r>
+          </a:p>
+        </p:txBody>
+      </p:sp>
+      <p:sp>
+        <p:nvSpPr>
+          <p:cNvPr id="105" name="TextBox 104">
+            <a:extLst>
+              <a:ext uri="{FF2B5EF4-FFF2-40B4-BE49-F238E27FC236}">
+                <a16:creationId xmlns:a16="http://schemas.microsoft.com/office/drawing/2014/main" id="{ACAE6580-FB6A-46D9-8B6E-74C69F99C280}"/>
+              </a:ext>
+            </a:extLst>
+          </p:cNvPr>
+          <p:cNvSpPr txBox="1"/>
+          <p:nvPr/>
+        </p:nvSpPr>
+        <p:spPr>
+          <a:xfrm>
+            <a:off x="4811868" y="2567754"/>
+            <a:ext cx="320211" cy="369332"/>
+          </a:xfrm>
+          <a:prstGeom prst="rect">
+            <a:avLst/>
+          </a:prstGeom>
+          <a:noFill/>
+        </p:spPr>
+        <p:txBody>
+          <a:bodyPr wrap="square" rtlCol="0">
+            <a:spAutoFit/>
+          </a:bodyPr>
+          <a:lstStyle/>
+          <a:p>
+            <a:r>
+              <a:rPr lang="fr-FR" dirty="0"/>
+              <a:t>S</a:t>
+            </a:r>
+          </a:p>
+        </p:txBody>
+      </p:sp>
+      <p:sp>
+        <p:nvSpPr>
+          <p:cNvPr id="106" name="Oval 105">
+            <a:extLst>
+              <a:ext uri="{FF2B5EF4-FFF2-40B4-BE49-F238E27FC236}">
+                <a16:creationId xmlns:a16="http://schemas.microsoft.com/office/drawing/2014/main" id="{631E31BC-5518-4B42-9121-A338A0256010}"/>
+              </a:ext>
+            </a:extLst>
+          </p:cNvPr>
+          <p:cNvSpPr/>
+          <p:nvPr/>
+        </p:nvSpPr>
+        <p:spPr>
+          <a:xfrm>
+            <a:off x="3841952" y="2629814"/>
+            <a:ext cx="64404" cy="71967"/>
+          </a:xfrm>
+          <a:prstGeom prst="ellipse">
+            <a:avLst/>
+          </a:prstGeom>
+          <a:solidFill>
+            <a:schemeClr val="tx1"/>
+          </a:solidFill>
+          <a:ln>
+            <a:noFill/>
+          </a:ln>
+        </p:spPr>
+        <p:style>
+          <a:lnRef idx="2">
+            <a:schemeClr val="accent1">
+              <a:shade val="50000"/>
+            </a:schemeClr>
+          </a:lnRef>
+          <a:fillRef idx="1">
+            <a:schemeClr val="accent1"/>
+          </a:fillRef>
+          <a:effectRef idx="0">
+            <a:schemeClr val="accent1"/>
+          </a:effectRef>
+          <a:fontRef idx="minor">
+            <a:schemeClr val="lt1"/>
+          </a:fontRef>
+        </p:style>
+        <p:txBody>
+          <a:bodyPr rtlCol="0" anchor="ctr"/>
+          <a:lstStyle/>
+          <a:p>
+            <a:pPr algn="ctr"/>
+            <a:endParaRPr lang="fr-FR"/>
+          </a:p>
+        </p:txBody>
+      </p:sp>
+      <p:sp>
+        <p:nvSpPr>
+          <p:cNvPr id="107" name="Oval 106">
+            <a:extLst>
+              <a:ext uri="{FF2B5EF4-FFF2-40B4-BE49-F238E27FC236}">
+                <a16:creationId xmlns:a16="http://schemas.microsoft.com/office/drawing/2014/main" id="{FBB63F31-E609-445A-BCF9-4D101B6C2265}"/>
+              </a:ext>
+            </a:extLst>
+          </p:cNvPr>
+          <p:cNvSpPr/>
+          <p:nvPr/>
+        </p:nvSpPr>
+        <p:spPr>
+          <a:xfrm>
+            <a:off x="3896291" y="2584977"/>
+            <a:ext cx="64404" cy="71967"/>
+          </a:xfrm>
+          <a:prstGeom prst="ellipse">
+            <a:avLst/>
+          </a:prstGeom>
+          <a:solidFill>
+            <a:schemeClr val="tx1"/>
+          </a:solidFill>
+          <a:ln>
+            <a:noFill/>
+          </a:ln>
+        </p:spPr>
+        <p:style>
+          <a:lnRef idx="2">
+            <a:schemeClr val="accent1">
+              <a:shade val="50000"/>
+            </a:schemeClr>
+          </a:lnRef>
+          <a:fillRef idx="1">
+            <a:schemeClr val="accent1"/>
+          </a:fillRef>
+          <a:effectRef idx="0">
+            <a:schemeClr val="accent1"/>
+          </a:effectRef>
+          <a:fontRef idx="minor">
+            <a:schemeClr val="lt1"/>
+          </a:fontRef>
+        </p:style>
+        <p:txBody>
+          <a:bodyPr rtlCol="0" anchor="ctr"/>
+          <a:lstStyle/>
+          <a:p>
+            <a:pPr algn="ctr"/>
+            <a:endParaRPr lang="fr-FR"/>
+          </a:p>
+        </p:txBody>
+      </p:sp>
+      <p:sp>
+        <p:nvSpPr>
+          <p:cNvPr id="108" name="Oval 107">
+            <a:extLst>
+              <a:ext uri="{FF2B5EF4-FFF2-40B4-BE49-F238E27FC236}">
+                <a16:creationId xmlns:a16="http://schemas.microsoft.com/office/drawing/2014/main" id="{D9E873E5-8839-4BB7-9F91-309A18557804}"/>
+              </a:ext>
+            </a:extLst>
+          </p:cNvPr>
+          <p:cNvSpPr/>
+          <p:nvPr/>
+        </p:nvSpPr>
+        <p:spPr>
+          <a:xfrm>
+            <a:off x="3859935" y="2837337"/>
+            <a:ext cx="64404" cy="71967"/>
+          </a:xfrm>
+          <a:prstGeom prst="ellipse">
+            <a:avLst/>
+          </a:prstGeom>
+          <a:solidFill>
+            <a:schemeClr val="tx1"/>
+          </a:solidFill>
+          <a:ln>
+            <a:noFill/>
+          </a:ln>
+        </p:spPr>
+        <p:style>
+          <a:lnRef idx="2">
+            <a:schemeClr val="accent1">
+              <a:shade val="50000"/>
+            </a:schemeClr>
+          </a:lnRef>
+          <a:fillRef idx="1">
+            <a:schemeClr val="accent1"/>
+          </a:fillRef>
+          <a:effectRef idx="0">
+            <a:schemeClr val="accent1"/>
+          </a:effectRef>
+          <a:fontRef idx="minor">
+            <a:schemeClr val="lt1"/>
+          </a:fontRef>
+        </p:style>
+        <p:txBody>
+          <a:bodyPr rtlCol="0" anchor="ctr"/>
+          <a:lstStyle/>
+          <a:p>
+            <a:pPr algn="ctr"/>
+            <a:endParaRPr lang="fr-FR"/>
+          </a:p>
+        </p:txBody>
+      </p:sp>
+      <p:sp>
+        <p:nvSpPr>
+          <p:cNvPr id="109" name="Oval 108">
+            <a:extLst>
+              <a:ext uri="{FF2B5EF4-FFF2-40B4-BE49-F238E27FC236}">
+                <a16:creationId xmlns:a16="http://schemas.microsoft.com/office/drawing/2014/main" id="{0266680B-FAB5-478E-949C-67ABF0AC3660}"/>
+              </a:ext>
+            </a:extLst>
+          </p:cNvPr>
+          <p:cNvSpPr/>
+          <p:nvPr/>
+        </p:nvSpPr>
+        <p:spPr>
+          <a:xfrm>
+            <a:off x="4113386" y="2761032"/>
+            <a:ext cx="64404" cy="71967"/>
+          </a:xfrm>
+          <a:prstGeom prst="ellipse">
+            <a:avLst/>
+          </a:prstGeom>
+          <a:solidFill>
+            <a:schemeClr val="tx1"/>
+          </a:solidFill>
+          <a:ln>
+            <a:noFill/>
+          </a:ln>
+        </p:spPr>
+        <p:style>
+          <a:lnRef idx="2">
+            <a:schemeClr val="accent1">
+              <a:shade val="50000"/>
+            </a:schemeClr>
+          </a:lnRef>
+          <a:fillRef idx="1">
+            <a:schemeClr val="accent1"/>
+          </a:fillRef>
+          <a:effectRef idx="0">
+            <a:schemeClr val="accent1"/>
+          </a:effectRef>
+          <a:fontRef idx="minor">
+            <a:schemeClr val="lt1"/>
+          </a:fontRef>
+        </p:style>
+        <p:txBody>
+          <a:bodyPr rtlCol="0" anchor="ctr"/>
+          <a:lstStyle/>
+          <a:p>
+            <a:pPr algn="ctr"/>
+            <a:endParaRPr lang="fr-FR"/>
+          </a:p>
+        </p:txBody>
+      </p:sp>
+      <p:sp>
+        <p:nvSpPr>
+          <p:cNvPr id="110" name="Oval 109">
+            <a:extLst>
+              <a:ext uri="{FF2B5EF4-FFF2-40B4-BE49-F238E27FC236}">
+                <a16:creationId xmlns:a16="http://schemas.microsoft.com/office/drawing/2014/main" id="{AFFF5866-2C30-4A1F-8D88-A252F2B07565}"/>
+              </a:ext>
+            </a:extLst>
+          </p:cNvPr>
+          <p:cNvSpPr/>
+          <p:nvPr/>
+        </p:nvSpPr>
+        <p:spPr>
+          <a:xfrm>
+            <a:off x="3816135" y="2764779"/>
+            <a:ext cx="64404" cy="71967"/>
+          </a:xfrm>
+          <a:prstGeom prst="ellipse">
+            <a:avLst/>
+          </a:prstGeom>
+          <a:solidFill>
+            <a:schemeClr val="tx1"/>
+          </a:solidFill>
+          <a:ln>
+            <a:noFill/>
+          </a:ln>
+        </p:spPr>
+        <p:style>
+          <a:lnRef idx="2">
+            <a:schemeClr val="accent1">
+              <a:shade val="50000"/>
+            </a:schemeClr>
+          </a:lnRef>
+          <a:fillRef idx="1">
+            <a:schemeClr val="accent1"/>
+          </a:fillRef>
+          <a:effectRef idx="0">
+            <a:schemeClr val="accent1"/>
+          </a:effectRef>
+          <a:fontRef idx="minor">
+            <a:schemeClr val="lt1"/>
+          </a:fontRef>
+        </p:style>
+        <p:txBody>
+          <a:bodyPr rtlCol="0" anchor="ctr"/>
+          <a:lstStyle/>
+          <a:p>
+            <a:pPr algn="ctr"/>
+            <a:endParaRPr lang="fr-FR"/>
+          </a:p>
+        </p:txBody>
+      </p:sp>
+      <p:sp>
+        <p:nvSpPr>
+          <p:cNvPr id="111" name="Oval 110">
+            <a:extLst>
+              <a:ext uri="{FF2B5EF4-FFF2-40B4-BE49-F238E27FC236}">
+                <a16:creationId xmlns:a16="http://schemas.microsoft.com/office/drawing/2014/main" id="{A7833111-E266-45D8-9F13-E886B7E2F722}"/>
+              </a:ext>
+            </a:extLst>
+          </p:cNvPr>
+          <p:cNvSpPr/>
+          <p:nvPr/>
+        </p:nvSpPr>
+        <p:spPr>
+          <a:xfrm>
+            <a:off x="4116224" y="2679375"/>
+            <a:ext cx="64404" cy="71967"/>
+          </a:xfrm>
+          <a:prstGeom prst="ellipse">
+            <a:avLst/>
+          </a:prstGeom>
+          <a:solidFill>
+            <a:schemeClr val="tx1"/>
+          </a:solidFill>
+          <a:ln>
+            <a:noFill/>
+          </a:ln>
+        </p:spPr>
+        <p:style>
+          <a:lnRef idx="2">
+            <a:schemeClr val="accent1">
+              <a:shade val="50000"/>
+            </a:schemeClr>
+          </a:lnRef>
+          <a:fillRef idx="1">
+            <a:schemeClr val="accent1"/>
+          </a:fillRef>
+          <a:effectRef idx="0">
+            <a:schemeClr val="accent1"/>
+          </a:effectRef>
+          <a:fontRef idx="minor">
+            <a:schemeClr val="lt1"/>
+          </a:fontRef>
+        </p:style>
+        <p:txBody>
+          <a:bodyPr rtlCol="0" anchor="ctr"/>
+          <a:lstStyle/>
+          <a:p>
+            <a:pPr algn="ctr"/>
+            <a:endParaRPr lang="fr-FR"/>
+          </a:p>
+        </p:txBody>
+      </p:sp>
+      <p:sp>
+        <p:nvSpPr>
+          <p:cNvPr id="112" name="Oval 111">
+            <a:extLst>
+              <a:ext uri="{FF2B5EF4-FFF2-40B4-BE49-F238E27FC236}">
+                <a16:creationId xmlns:a16="http://schemas.microsoft.com/office/drawing/2014/main" id="{448DD703-4039-4D85-94A1-DAB2280022C4}"/>
+              </a:ext>
+            </a:extLst>
+          </p:cNvPr>
+          <p:cNvSpPr/>
+          <p:nvPr/>
+        </p:nvSpPr>
+        <p:spPr>
+          <a:xfrm>
+            <a:off x="5026671" y="2660966"/>
+            <a:ext cx="64404" cy="71967"/>
+          </a:xfrm>
+          <a:prstGeom prst="ellipse">
+            <a:avLst/>
+          </a:prstGeom>
+          <a:solidFill>
+            <a:schemeClr val="tx1"/>
+          </a:solidFill>
+          <a:ln>
+            <a:noFill/>
+          </a:ln>
+        </p:spPr>
+        <p:style>
+          <a:lnRef idx="2">
+            <a:schemeClr val="accent1">
+              <a:shade val="50000"/>
+            </a:schemeClr>
+          </a:lnRef>
+          <a:fillRef idx="1">
+            <a:schemeClr val="accent1"/>
+          </a:fillRef>
+          <a:effectRef idx="0">
+            <a:schemeClr val="accent1"/>
+          </a:effectRef>
+          <a:fontRef idx="minor">
+            <a:schemeClr val="lt1"/>
+          </a:fontRef>
+        </p:style>
+        <p:txBody>
+          <a:bodyPr rtlCol="0" anchor="ctr"/>
+          <a:lstStyle/>
+          <a:p>
+            <a:pPr algn="ctr"/>
+            <a:endParaRPr lang="fr-FR"/>
+          </a:p>
+        </p:txBody>
+      </p:sp>
+      <p:sp>
+        <p:nvSpPr>
+          <p:cNvPr id="113" name="Oval 112">
+            <a:extLst>
+              <a:ext uri="{FF2B5EF4-FFF2-40B4-BE49-F238E27FC236}">
+                <a16:creationId xmlns:a16="http://schemas.microsoft.com/office/drawing/2014/main" id="{21AA166C-56F6-4F2E-9972-F8229E83EF68}"/>
+              </a:ext>
+            </a:extLst>
+          </p:cNvPr>
+          <p:cNvSpPr/>
+          <p:nvPr/>
+        </p:nvSpPr>
+        <p:spPr>
+          <a:xfrm>
+            <a:off x="5028433" y="2749732"/>
+            <a:ext cx="64404" cy="71967"/>
+          </a:xfrm>
+          <a:prstGeom prst="ellipse">
+            <a:avLst/>
+          </a:prstGeom>
+          <a:solidFill>
+            <a:schemeClr val="tx1"/>
+          </a:solidFill>
+          <a:ln>
+            <a:noFill/>
+          </a:ln>
+        </p:spPr>
+        <p:style>
+          <a:lnRef idx="2">
+            <a:schemeClr val="accent1">
+              <a:shade val="50000"/>
+            </a:schemeClr>
+          </a:lnRef>
+          <a:fillRef idx="1">
+            <a:schemeClr val="accent1"/>
+          </a:fillRef>
+          <a:effectRef idx="0">
+            <a:schemeClr val="accent1"/>
+          </a:effectRef>
+          <a:fontRef idx="minor">
+            <a:schemeClr val="lt1"/>
+          </a:fontRef>
+        </p:style>
+        <p:txBody>
+          <a:bodyPr rtlCol="0" anchor="ctr"/>
+          <a:lstStyle/>
+          <a:p>
+            <a:pPr algn="ctr"/>
+            <a:endParaRPr lang="fr-FR"/>
+          </a:p>
+        </p:txBody>
+      </p:sp>
+      <p:sp>
+        <p:nvSpPr>
+          <p:cNvPr id="114" name="Oval 113">
+            <a:extLst>
+              <a:ext uri="{FF2B5EF4-FFF2-40B4-BE49-F238E27FC236}">
+                <a16:creationId xmlns:a16="http://schemas.microsoft.com/office/drawing/2014/main" id="{5521226F-A76C-45A5-A755-50ABCD72D13E}"/>
+              </a:ext>
+            </a:extLst>
+          </p:cNvPr>
+          <p:cNvSpPr/>
+          <p:nvPr/>
+        </p:nvSpPr>
+        <p:spPr>
+          <a:xfrm>
+            <a:off x="4718262" y="2764779"/>
+            <a:ext cx="64404" cy="71967"/>
+          </a:xfrm>
+          <a:prstGeom prst="ellipse">
+            <a:avLst/>
+          </a:prstGeom>
+          <a:solidFill>
+            <a:schemeClr val="tx1"/>
+          </a:solidFill>
+          <a:ln>
+            <a:noFill/>
+          </a:ln>
+        </p:spPr>
+        <p:style>
+          <a:lnRef idx="2">
+            <a:schemeClr val="accent1">
+              <a:shade val="50000"/>
+            </a:schemeClr>
+          </a:lnRef>
+          <a:fillRef idx="1">
+            <a:schemeClr val="accent1"/>
+          </a:fillRef>
+          <a:effectRef idx="0">
+            <a:schemeClr val="accent1"/>
+          </a:effectRef>
+          <a:fontRef idx="minor">
+            <a:schemeClr val="lt1"/>
+          </a:fontRef>
+        </p:style>
+        <p:txBody>
+          <a:bodyPr rtlCol="0" anchor="ctr"/>
+          <a:lstStyle/>
+          <a:p>
+            <a:pPr algn="ctr"/>
+            <a:endParaRPr lang="fr-FR"/>
+          </a:p>
+        </p:txBody>
+      </p:sp>
+      <p:sp>
+        <p:nvSpPr>
+          <p:cNvPr id="115" name="Oval 114">
+            <a:extLst>
+              <a:ext uri="{FF2B5EF4-FFF2-40B4-BE49-F238E27FC236}">
+                <a16:creationId xmlns:a16="http://schemas.microsoft.com/office/drawing/2014/main" id="{EC7D8D01-0597-48B8-B5E7-824D1C9D483F}"/>
+              </a:ext>
+            </a:extLst>
+          </p:cNvPr>
+          <p:cNvSpPr/>
+          <p:nvPr/>
+        </p:nvSpPr>
+        <p:spPr>
+          <a:xfrm>
+            <a:off x="4901594" y="2857984"/>
+            <a:ext cx="64404" cy="71967"/>
+          </a:xfrm>
+          <a:prstGeom prst="ellipse">
+            <a:avLst/>
+          </a:prstGeom>
+          <a:solidFill>
+            <a:schemeClr val="tx1"/>
+          </a:solidFill>
+          <a:ln>
+            <a:noFill/>
+          </a:ln>
+        </p:spPr>
+        <p:style>
+          <a:lnRef idx="2">
+            <a:schemeClr val="accent1">
+              <a:shade val="50000"/>
+            </a:schemeClr>
+          </a:lnRef>
+          <a:fillRef idx="1">
+            <a:schemeClr val="accent1"/>
+          </a:fillRef>
+          <a:effectRef idx="0">
+            <a:schemeClr val="accent1"/>
+          </a:effectRef>
+          <a:fontRef idx="minor">
+            <a:schemeClr val="lt1"/>
+          </a:fontRef>
+        </p:style>
+        <p:txBody>
+          <a:bodyPr rtlCol="0" anchor="ctr"/>
+          <a:lstStyle/>
+          <a:p>
+            <a:pPr algn="ctr"/>
+            <a:endParaRPr lang="fr-FR"/>
+          </a:p>
+        </p:txBody>
+      </p:sp>
+      <p:sp>
+        <p:nvSpPr>
+          <p:cNvPr id="116" name="Oval 115">
+            <a:extLst>
+              <a:ext uri="{FF2B5EF4-FFF2-40B4-BE49-F238E27FC236}">
+                <a16:creationId xmlns:a16="http://schemas.microsoft.com/office/drawing/2014/main" id="{FB72DD38-F9CB-457D-9BEB-830EBD013907}"/>
+              </a:ext>
+            </a:extLst>
+          </p:cNvPr>
+          <p:cNvSpPr/>
+          <p:nvPr/>
+        </p:nvSpPr>
+        <p:spPr>
+          <a:xfrm>
+            <a:off x="4718262" y="2685403"/>
+            <a:ext cx="64404" cy="71967"/>
+          </a:xfrm>
+          <a:prstGeom prst="ellipse">
+            <a:avLst/>
+          </a:prstGeom>
+          <a:solidFill>
+            <a:schemeClr val="tx1"/>
+          </a:solidFill>
+          <a:ln>
+            <a:noFill/>
+          </a:ln>
+        </p:spPr>
+        <p:style>
+          <a:lnRef idx="2">
+            <a:schemeClr val="accent1">
+              <a:shade val="50000"/>
+            </a:schemeClr>
+          </a:lnRef>
+          <a:fillRef idx="1">
+            <a:schemeClr val="accent1"/>
+          </a:fillRef>
+          <a:effectRef idx="0">
+            <a:schemeClr val="accent1"/>
+          </a:effectRef>
+          <a:fontRef idx="minor">
+            <a:schemeClr val="lt1"/>
+          </a:fontRef>
+        </p:style>
+        <p:txBody>
+          <a:bodyPr rtlCol="0" anchor="ctr"/>
+          <a:lstStyle/>
+          <a:p>
+            <a:pPr algn="ctr"/>
+            <a:endParaRPr lang="fr-FR"/>
+          </a:p>
+        </p:txBody>
+      </p:sp>
+      <p:sp>
+        <p:nvSpPr>
+          <p:cNvPr id="117" name="Oval 116">
+            <a:extLst>
+              <a:ext uri="{FF2B5EF4-FFF2-40B4-BE49-F238E27FC236}">
+                <a16:creationId xmlns:a16="http://schemas.microsoft.com/office/drawing/2014/main" id="{A9EA8EB8-64DE-4E4E-BDE9-3123723FE813}"/>
+              </a:ext>
+            </a:extLst>
+          </p:cNvPr>
+          <p:cNvSpPr/>
+          <p:nvPr/>
+        </p:nvSpPr>
+        <p:spPr>
+          <a:xfrm>
+            <a:off x="4972492" y="2855297"/>
+            <a:ext cx="64404" cy="71967"/>
+          </a:xfrm>
+          <a:prstGeom prst="ellipse">
+            <a:avLst/>
+          </a:prstGeom>
+          <a:solidFill>
+            <a:schemeClr val="tx1"/>
+          </a:solidFill>
+          <a:ln>
+            <a:noFill/>
+          </a:ln>
+        </p:spPr>
+        <p:style>
+          <a:lnRef idx="2">
+            <a:schemeClr val="accent1">
+              <a:shade val="50000"/>
+            </a:schemeClr>
+          </a:lnRef>
+          <a:fillRef idx="1">
+            <a:schemeClr val="accent1"/>
+          </a:fillRef>
+          <a:effectRef idx="0">
+            <a:schemeClr val="accent1"/>
+          </a:effectRef>
+          <a:fontRef idx="minor">
+            <a:schemeClr val="lt1"/>
+          </a:fontRef>
+        </p:style>
+        <p:txBody>
+          <a:bodyPr rtlCol="0" anchor="ctr"/>
+          <a:lstStyle/>
+          <a:p>
+            <a:pPr algn="ctr"/>
+            <a:endParaRPr lang="fr-FR"/>
+          </a:p>
+        </p:txBody>
+      </p:sp>
+      <p:sp>
+        <p:nvSpPr>
+          <p:cNvPr id="118" name="Oval 117">
+            <a:extLst>
+              <a:ext uri="{FF2B5EF4-FFF2-40B4-BE49-F238E27FC236}">
+                <a16:creationId xmlns:a16="http://schemas.microsoft.com/office/drawing/2014/main" id="{E2A3B7A3-BF71-4AE5-A254-8CBF59A83AE1}"/>
+              </a:ext>
+            </a:extLst>
+          </p:cNvPr>
+          <p:cNvSpPr/>
+          <p:nvPr/>
+        </p:nvSpPr>
+        <p:spPr>
+          <a:xfrm>
+            <a:off x="4606030" y="2765370"/>
+            <a:ext cx="64404" cy="71967"/>
+          </a:xfrm>
+          <a:prstGeom prst="ellipse">
+            <a:avLst/>
+          </a:prstGeom>
+          <a:solidFill>
+            <a:schemeClr val="tx1"/>
+          </a:solidFill>
+          <a:ln>
+            <a:noFill/>
+          </a:ln>
+        </p:spPr>
+        <p:style>
+          <a:lnRef idx="2">
+            <a:schemeClr val="accent1">
+              <a:shade val="50000"/>
+            </a:schemeClr>
+          </a:lnRef>
+          <a:fillRef idx="1">
+            <a:schemeClr val="accent1"/>
+          </a:fillRef>
+          <a:effectRef idx="0">
+            <a:schemeClr val="accent1"/>
+          </a:effectRef>
+          <a:fontRef idx="minor">
+            <a:schemeClr val="lt1"/>
+          </a:fontRef>
+        </p:style>
+        <p:txBody>
+          <a:bodyPr rtlCol="0" anchor="ctr"/>
+          <a:lstStyle/>
+          <a:p>
+            <a:pPr algn="ctr"/>
+            <a:endParaRPr lang="fr-FR"/>
+          </a:p>
+        </p:txBody>
+      </p:sp>
+    </p:spTree>
+    <p:extLst>
+      <p:ext uri="{BB962C8B-B14F-4D97-AF65-F5344CB8AC3E}">
+        <p14:creationId xmlns:p14="http://schemas.microsoft.com/office/powerpoint/2010/main" val="1578015188"/>
+      </p:ext>
+    </p:extLst>
+  </p:cSld>
+  <p:clrMapOvr>
+    <a:masterClrMapping/>
+  </p:clrMapOvr>
+</p:sld>
+</file>
+
+<file path=ppt/slides/slide8.xml><?xml version="1.0" encoding="utf-8"?>
+<p:sld xmlns:a="http://schemas.openxmlformats.org/drawingml/2006/main" xmlns:r="http://schemas.openxmlformats.org/officeDocument/2006/relationships" xmlns:p="http://schemas.openxmlformats.org/presentationml/2006/main">
+  <p:cSld>
+    <p:spTree>
+      <p:nvGrpSpPr>
+        <p:cNvPr id="1" name=""/>
+        <p:cNvGrpSpPr/>
+        <p:nvPr/>
+      </p:nvGrpSpPr>
+      <p:grpSpPr>
+        <a:xfrm>
+          <a:off x="0" y="0"/>
+          <a:ext cx="0" cy="0"/>
+          <a:chOff x="0" y="0"/>
+          <a:chExt cx="0" cy="0"/>
+        </a:xfrm>
+      </p:grpSpPr>
+      <p:pic>
+        <p:nvPicPr>
+          <p:cNvPr id="3" name="Picture 2">
+            <a:extLst>
+              <a:ext uri="{FF2B5EF4-FFF2-40B4-BE49-F238E27FC236}">
+                <a16:creationId xmlns:a16="http://schemas.microsoft.com/office/drawing/2014/main" id="{A7567D6E-D449-4433-940C-230A2889522B}"/>
+              </a:ext>
+            </a:extLst>
+          </p:cNvPr>
+          <p:cNvPicPr>
+            <a:picLocks noChangeAspect="1"/>
+          </p:cNvPicPr>
+          <p:nvPr/>
+        </p:nvPicPr>
+        <p:blipFill>
+          <a:blip r:embed="rId2"/>
+          <a:stretch>
+            <a:fillRect/>
+          </a:stretch>
+        </p:blipFill>
+        <p:spPr>
+          <a:xfrm>
+            <a:off x="716730" y="659481"/>
+            <a:ext cx="10296525" cy="1400175"/>
+          </a:xfrm>
+          <a:prstGeom prst="rect">
+            <a:avLst/>
+          </a:prstGeom>
+        </p:spPr>
+      </p:pic>
+      <p:sp>
+        <p:nvSpPr>
+          <p:cNvPr id="4" name="Rectangle 3">
+            <a:extLst>
+              <a:ext uri="{FF2B5EF4-FFF2-40B4-BE49-F238E27FC236}">
+                <a16:creationId xmlns:a16="http://schemas.microsoft.com/office/drawing/2014/main" id="{A4C8EC02-25B7-4E01-83DF-04E4E93F0C1A}"/>
+              </a:ext>
+            </a:extLst>
+          </p:cNvPr>
+          <p:cNvSpPr/>
+          <p:nvPr/>
+        </p:nvSpPr>
+        <p:spPr>
+          <a:xfrm>
+            <a:off x="1068404" y="1293619"/>
+            <a:ext cx="943276" cy="700088"/>
+          </a:xfrm>
+          <a:prstGeom prst="rect">
+            <a:avLst/>
+          </a:prstGeom>
+          <a:solidFill>
+            <a:schemeClr val="bg1"/>
+          </a:solidFill>
+          <a:ln>
+            <a:noFill/>
+          </a:ln>
+        </p:spPr>
+        <p:style>
+          <a:lnRef idx="2">
+            <a:schemeClr val="accent1">
+              <a:shade val="50000"/>
+            </a:schemeClr>
+          </a:lnRef>
+          <a:fillRef idx="1">
+            <a:schemeClr val="accent1"/>
+          </a:fillRef>
+          <a:effectRef idx="0">
+            <a:schemeClr val="accent1"/>
+          </a:effectRef>
+          <a:fontRef idx="minor">
+            <a:schemeClr val="lt1"/>
+          </a:fontRef>
+        </p:style>
+        <p:txBody>
+          <a:bodyPr rtlCol="0" anchor="ctr"/>
+          <a:lstStyle/>
+          <a:p>
+            <a:pPr algn="ctr"/>
+            <a:r>
+              <a:rPr lang="fr-FR" sz="4500" dirty="0">
+                <a:solidFill>
+                  <a:schemeClr val="tx1"/>
+                </a:solidFill>
+              </a:rPr>
+              <a:t>…</a:t>
+            </a:r>
+          </a:p>
+        </p:txBody>
+      </p:sp>
+      <p:sp>
+        <p:nvSpPr>
+          <p:cNvPr id="7" name="Rectangle 6">
+            <a:extLst>
+              <a:ext uri="{FF2B5EF4-FFF2-40B4-BE49-F238E27FC236}">
+                <a16:creationId xmlns:a16="http://schemas.microsoft.com/office/drawing/2014/main" id="{EB083621-5608-4C07-8CE5-267080485453}"/>
+              </a:ext>
+            </a:extLst>
+          </p:cNvPr>
+          <p:cNvSpPr/>
+          <p:nvPr/>
+        </p:nvSpPr>
+        <p:spPr>
+          <a:xfrm>
+            <a:off x="4995512" y="626919"/>
+            <a:ext cx="1100488" cy="700088"/>
+          </a:xfrm>
+          <a:prstGeom prst="rect">
+            <a:avLst/>
+          </a:prstGeom>
+          <a:solidFill>
+            <a:schemeClr val="bg1"/>
+          </a:solidFill>
+          <a:ln>
+            <a:noFill/>
+          </a:ln>
+        </p:spPr>
+        <p:style>
+          <a:lnRef idx="2">
+            <a:schemeClr val="accent1">
+              <a:shade val="50000"/>
+            </a:schemeClr>
+          </a:lnRef>
+          <a:fillRef idx="1">
+            <a:schemeClr val="accent1"/>
+          </a:fillRef>
+          <a:effectRef idx="0">
+            <a:schemeClr val="accent1"/>
+          </a:effectRef>
+          <a:fontRef idx="minor">
+            <a:schemeClr val="lt1"/>
+          </a:fontRef>
+        </p:style>
+        <p:txBody>
+          <a:bodyPr rtlCol="0" anchor="ctr"/>
+          <a:lstStyle/>
+          <a:p>
+            <a:pPr algn="ctr"/>
+            <a:r>
+              <a:rPr lang="fr-FR" sz="4000" dirty="0">
+                <a:solidFill>
+                  <a:schemeClr val="tx1"/>
+                </a:solidFill>
+              </a:rPr>
+              <a:t>…</a:t>
+            </a:r>
+          </a:p>
+        </p:txBody>
+      </p:sp>
+      <p:sp>
+        <p:nvSpPr>
+          <p:cNvPr id="8" name="Rectangle 7">
+            <a:extLst>
+              <a:ext uri="{FF2B5EF4-FFF2-40B4-BE49-F238E27FC236}">
+                <a16:creationId xmlns:a16="http://schemas.microsoft.com/office/drawing/2014/main" id="{E7792A00-77DA-4E20-8D82-BB57DBACAA73}"/>
+              </a:ext>
+            </a:extLst>
+          </p:cNvPr>
+          <p:cNvSpPr/>
+          <p:nvPr/>
+        </p:nvSpPr>
+        <p:spPr>
+          <a:xfrm>
+            <a:off x="5408596" y="2661535"/>
+            <a:ext cx="1159042" cy="700088"/>
+          </a:xfrm>
+          <a:prstGeom prst="rect">
+            <a:avLst/>
+          </a:prstGeom>
+          <a:solidFill>
+            <a:schemeClr val="bg1"/>
+          </a:solidFill>
+          <a:ln>
+            <a:noFill/>
+          </a:ln>
+        </p:spPr>
+        <p:style>
+          <a:lnRef idx="2">
+            <a:schemeClr val="accent1">
+              <a:shade val="50000"/>
+            </a:schemeClr>
+          </a:lnRef>
+          <a:fillRef idx="1">
+            <a:schemeClr val="accent1"/>
+          </a:fillRef>
+          <a:effectRef idx="0">
+            <a:schemeClr val="accent1"/>
+          </a:effectRef>
+          <a:fontRef idx="minor">
+            <a:schemeClr val="lt1"/>
+          </a:fontRef>
+        </p:style>
+        <p:txBody>
+          <a:bodyPr rtlCol="0" anchor="ctr"/>
+          <a:lstStyle/>
+          <a:p>
+            <a:pPr algn="ctr"/>
+            <a:endParaRPr lang="fr-FR"/>
+          </a:p>
+        </p:txBody>
+      </p:sp>
+      <p:sp>
+        <p:nvSpPr>
+          <p:cNvPr id="9" name="Rectangle 8">
+            <a:extLst>
+              <a:ext uri="{FF2B5EF4-FFF2-40B4-BE49-F238E27FC236}">
+                <a16:creationId xmlns:a16="http://schemas.microsoft.com/office/drawing/2014/main" id="{5D5F793B-96A2-48A8-8310-BB10D50F5A44}"/>
+              </a:ext>
+            </a:extLst>
+          </p:cNvPr>
+          <p:cNvSpPr/>
+          <p:nvPr/>
+        </p:nvSpPr>
+        <p:spPr>
+          <a:xfrm>
+            <a:off x="8844013" y="654429"/>
+            <a:ext cx="943276" cy="700088"/>
+          </a:xfrm>
+          <a:prstGeom prst="rect">
+            <a:avLst/>
+          </a:prstGeom>
+          <a:solidFill>
+            <a:schemeClr val="bg1"/>
+          </a:solidFill>
+          <a:ln>
+            <a:noFill/>
+          </a:ln>
+        </p:spPr>
+        <p:style>
+          <a:lnRef idx="2">
+            <a:schemeClr val="accent1">
+              <a:shade val="50000"/>
+            </a:schemeClr>
+          </a:lnRef>
+          <a:fillRef idx="1">
+            <a:schemeClr val="accent1"/>
+          </a:fillRef>
+          <a:effectRef idx="0">
+            <a:schemeClr val="accent1"/>
+          </a:effectRef>
+          <a:fontRef idx="minor">
+            <a:schemeClr val="lt1"/>
+          </a:fontRef>
+        </p:style>
+        <p:txBody>
+          <a:bodyPr rtlCol="0" anchor="ctr"/>
+          <a:lstStyle/>
+          <a:p>
+            <a:pPr algn="ctr"/>
+            <a:r>
+              <a:rPr lang="fr-FR" sz="4500" dirty="0">
+                <a:solidFill>
+                  <a:schemeClr val="tx1"/>
+                </a:solidFill>
+              </a:rPr>
+              <a:t>…</a:t>
+            </a:r>
+          </a:p>
+        </p:txBody>
+      </p:sp>
+      <p:sp>
+        <p:nvSpPr>
+          <p:cNvPr id="10" name="Rectangle 9">
+            <a:extLst>
+              <a:ext uri="{FF2B5EF4-FFF2-40B4-BE49-F238E27FC236}">
+                <a16:creationId xmlns:a16="http://schemas.microsoft.com/office/drawing/2014/main" id="{30493F09-2ABA-4CA8-A7C7-90E83ADE6C60}"/>
+              </a:ext>
+            </a:extLst>
+          </p:cNvPr>
+          <p:cNvSpPr/>
+          <p:nvPr/>
+        </p:nvSpPr>
+        <p:spPr>
+          <a:xfrm>
+            <a:off x="8844013" y="1387079"/>
+            <a:ext cx="943276" cy="700088"/>
+          </a:xfrm>
+          <a:prstGeom prst="rect">
+            <a:avLst/>
+          </a:prstGeom>
+          <a:solidFill>
+            <a:schemeClr val="bg1"/>
+          </a:solidFill>
+          <a:ln>
+            <a:noFill/>
+          </a:ln>
+        </p:spPr>
+        <p:style>
+          <a:lnRef idx="2">
+            <a:schemeClr val="accent1">
+              <a:shade val="50000"/>
+            </a:schemeClr>
+          </a:lnRef>
+          <a:fillRef idx="1">
+            <a:schemeClr val="accent1"/>
+          </a:fillRef>
+          <a:effectRef idx="0">
+            <a:schemeClr val="accent1"/>
+          </a:effectRef>
+          <a:fontRef idx="minor">
+            <a:schemeClr val="lt1"/>
+          </a:fontRef>
+        </p:style>
+        <p:txBody>
+          <a:bodyPr rtlCol="0" anchor="ctr"/>
+          <a:lstStyle/>
+          <a:p>
+            <a:pPr algn="ctr"/>
+            <a:r>
+              <a:rPr lang="fr-FR" sz="4500" dirty="0">
+                <a:solidFill>
+                  <a:schemeClr val="tx1"/>
+                </a:solidFill>
+              </a:rPr>
+              <a:t>…</a:t>
+            </a:r>
+          </a:p>
+        </p:txBody>
+      </p:sp>
+      <p:sp>
+        <p:nvSpPr>
+          <p:cNvPr id="11" name="Rectangle 10">
+            <a:extLst>
+              <a:ext uri="{FF2B5EF4-FFF2-40B4-BE49-F238E27FC236}">
+                <a16:creationId xmlns:a16="http://schemas.microsoft.com/office/drawing/2014/main" id="{A11A70A4-C5EE-4E7C-81AB-FAF8B44A1308}"/>
+              </a:ext>
+            </a:extLst>
+          </p:cNvPr>
+          <p:cNvSpPr/>
+          <p:nvPr/>
+        </p:nvSpPr>
+        <p:spPr>
+          <a:xfrm>
+            <a:off x="7446746" y="593531"/>
+            <a:ext cx="943276" cy="700088"/>
+          </a:xfrm>
+          <a:prstGeom prst="rect">
+            <a:avLst/>
+          </a:prstGeom>
+          <a:solidFill>
+            <a:schemeClr val="bg1"/>
+          </a:solidFill>
+          <a:ln>
+            <a:noFill/>
+          </a:ln>
+        </p:spPr>
+        <p:style>
+          <a:lnRef idx="2">
+            <a:schemeClr val="accent1">
+              <a:shade val="50000"/>
+            </a:schemeClr>
+          </a:lnRef>
+          <a:fillRef idx="1">
+            <a:schemeClr val="accent1"/>
+          </a:fillRef>
+          <a:effectRef idx="0">
+            <a:schemeClr val="accent1"/>
+          </a:effectRef>
+          <a:fontRef idx="minor">
+            <a:schemeClr val="lt1"/>
+          </a:fontRef>
+        </p:style>
+        <p:txBody>
+          <a:bodyPr rtlCol="0" anchor="ctr"/>
+          <a:lstStyle/>
+          <a:p>
+            <a:pPr algn="ctr"/>
+            <a:endParaRPr lang="fr-FR" sz="4500" dirty="0">
+              <a:solidFill>
+                <a:schemeClr val="tx1"/>
+              </a:solidFill>
+            </a:endParaRPr>
+          </a:p>
+        </p:txBody>
+      </p:sp>
+      <p:pic>
+        <p:nvPicPr>
+          <p:cNvPr id="12" name="Picture 11">
+            <a:extLst>
+              <a:ext uri="{FF2B5EF4-FFF2-40B4-BE49-F238E27FC236}">
+                <a16:creationId xmlns:a16="http://schemas.microsoft.com/office/drawing/2014/main" id="{4A87A6A9-40B1-4315-8133-74512C21FFE0}"/>
+              </a:ext>
+            </a:extLst>
+          </p:cNvPr>
+          <p:cNvPicPr>
+            <a:picLocks noChangeAspect="1"/>
+          </p:cNvPicPr>
+          <p:nvPr/>
+        </p:nvPicPr>
+        <p:blipFill>
+          <a:blip r:embed="rId2"/>
+          <a:stretch>
+            <a:fillRect/>
+          </a:stretch>
+        </p:blipFill>
+        <p:spPr>
+          <a:xfrm>
+            <a:off x="856430" y="3669381"/>
+            <a:ext cx="10296525" cy="1400175"/>
+          </a:xfrm>
+          <a:prstGeom prst="rect">
+            <a:avLst/>
+          </a:prstGeom>
+        </p:spPr>
+      </p:pic>
+      <p:sp>
+        <p:nvSpPr>
+          <p:cNvPr id="15" name="Rectangle 14">
+            <a:extLst>
+              <a:ext uri="{FF2B5EF4-FFF2-40B4-BE49-F238E27FC236}">
+                <a16:creationId xmlns:a16="http://schemas.microsoft.com/office/drawing/2014/main" id="{84850898-53D2-40A8-9285-087E155A6268}"/>
+              </a:ext>
+            </a:extLst>
+          </p:cNvPr>
+          <p:cNvSpPr/>
+          <p:nvPr/>
+        </p:nvSpPr>
+        <p:spPr>
+          <a:xfrm>
+            <a:off x="5548296" y="5671435"/>
+            <a:ext cx="1159042" cy="700088"/>
+          </a:xfrm>
+          <a:prstGeom prst="rect">
+            <a:avLst/>
+          </a:prstGeom>
+          <a:solidFill>
+            <a:schemeClr val="bg1"/>
+          </a:solidFill>
+          <a:ln>
+            <a:noFill/>
+          </a:ln>
+        </p:spPr>
+        <p:style>
+          <a:lnRef idx="2">
+            <a:schemeClr val="accent1">
+              <a:shade val="50000"/>
+            </a:schemeClr>
+          </a:lnRef>
+          <a:fillRef idx="1">
+            <a:schemeClr val="accent1"/>
+          </a:fillRef>
+          <a:effectRef idx="0">
+            <a:schemeClr val="accent1"/>
+          </a:effectRef>
+          <a:fontRef idx="minor">
+            <a:schemeClr val="lt1"/>
+          </a:fontRef>
+        </p:style>
+        <p:txBody>
+          <a:bodyPr rtlCol="0" anchor="ctr"/>
+          <a:lstStyle/>
+          <a:p>
+            <a:pPr algn="ctr"/>
+            <a:endParaRPr lang="fr-FR"/>
+          </a:p>
+        </p:txBody>
+      </p:sp>
+      <p:sp>
+        <p:nvSpPr>
+          <p:cNvPr id="18" name="Rectangle 17">
+            <a:extLst>
+              <a:ext uri="{FF2B5EF4-FFF2-40B4-BE49-F238E27FC236}">
+                <a16:creationId xmlns:a16="http://schemas.microsoft.com/office/drawing/2014/main" id="{55C7D26F-3FC5-43E9-A5C3-12370511FC9A}"/>
+              </a:ext>
+            </a:extLst>
+          </p:cNvPr>
+          <p:cNvSpPr/>
+          <p:nvPr/>
+        </p:nvSpPr>
+        <p:spPr>
+          <a:xfrm>
+            <a:off x="7586446" y="3603431"/>
+            <a:ext cx="943276" cy="700088"/>
+          </a:xfrm>
+          <a:prstGeom prst="rect">
+            <a:avLst/>
+          </a:prstGeom>
+          <a:solidFill>
+            <a:schemeClr val="bg1"/>
+          </a:solidFill>
+          <a:ln>
+            <a:noFill/>
+          </a:ln>
+        </p:spPr>
+        <p:style>
+          <a:lnRef idx="2">
+            <a:schemeClr val="accent1">
+              <a:shade val="50000"/>
+            </a:schemeClr>
+          </a:lnRef>
+          <a:fillRef idx="1">
+            <a:schemeClr val="accent1"/>
+          </a:fillRef>
+          <a:effectRef idx="0">
+            <a:schemeClr val="accent1"/>
+          </a:effectRef>
+          <a:fontRef idx="minor">
+            <a:schemeClr val="lt1"/>
+          </a:fontRef>
+        </p:style>
+        <p:txBody>
+          <a:bodyPr rtlCol="0" anchor="ctr"/>
+          <a:lstStyle/>
+          <a:p>
+            <a:pPr algn="ctr"/>
+            <a:endParaRPr lang="fr-FR" sz="4500" dirty="0">
+              <a:solidFill>
+                <a:schemeClr val="tx1"/>
+              </a:solidFill>
+            </a:endParaRPr>
+          </a:p>
+        </p:txBody>
+      </p:sp>
+    </p:spTree>
+    <p:extLst>
+      <p:ext uri="{BB962C8B-B14F-4D97-AF65-F5344CB8AC3E}">
+        <p14:creationId xmlns:p14="http://schemas.microsoft.com/office/powerpoint/2010/main" val="999685519"/>
+      </p:ext>
+    </p:extLst>
+  </p:cSld>
+  <p:clrMapOvr>
+    <a:masterClrMapping/>
+  </p:clrMapOvr>
+</p:sld>
+</file>
+
+<file path=ppt/slides/slide9.xml><?xml version="1.0" encoding="utf-8"?>
+<p:sld xmlns:a="http://schemas.openxmlformats.org/drawingml/2006/main" xmlns:r="http://schemas.openxmlformats.org/officeDocument/2006/relationships" xmlns:p="http://schemas.openxmlformats.org/presentationml/2006/main">
+  <p:cSld>
+    <p:spTree>
+      <p:nvGrpSpPr>
+        <p:cNvPr id="1" name=""/>
+        <p:cNvGrpSpPr/>
+        <p:nvPr/>
+      </p:nvGrpSpPr>
+      <p:grpSpPr>
+        <a:xfrm>
+          <a:off x="0" y="0"/>
+          <a:ext cx="0" cy="0"/>
+          <a:chOff x="0" y="0"/>
+          <a:chExt cx="0" cy="0"/>
+        </a:xfrm>
+      </p:grpSpPr>
+      <p:sp>
+        <p:nvSpPr>
+          <p:cNvPr id="2" name="TextBox 1">
+            <a:extLst>
+              <a:ext uri="{FF2B5EF4-FFF2-40B4-BE49-F238E27FC236}">
+                <a16:creationId xmlns:a16="http://schemas.microsoft.com/office/drawing/2014/main" id="{398BD5BB-6068-4079-A179-87496C0E25C8}"/>
+              </a:ext>
+            </a:extLst>
+          </p:cNvPr>
+          <p:cNvSpPr txBox="1"/>
+          <p:nvPr/>
+        </p:nvSpPr>
+        <p:spPr>
+          <a:xfrm>
+            <a:off x="1489753" y="1017140"/>
+            <a:ext cx="380144" cy="369332"/>
+          </a:xfrm>
+          <a:prstGeom prst="rect">
+            <a:avLst/>
+          </a:prstGeom>
+          <a:noFill/>
+        </p:spPr>
+        <p:txBody>
+          <a:bodyPr wrap="square" rtlCol="0">
+            <a:spAutoFit/>
+          </a:bodyPr>
+          <a:lstStyle/>
+          <a:p>
+            <a:r>
+              <a:rPr lang="fr-FR" dirty="0"/>
+              <a:t>N</a:t>
+            </a:r>
+          </a:p>
+        </p:txBody>
+      </p:sp>
+      <p:sp>
+        <p:nvSpPr>
+          <p:cNvPr id="3" name="TextBox 2">
+            <a:extLst>
+              <a:ext uri="{FF2B5EF4-FFF2-40B4-BE49-F238E27FC236}">
+                <a16:creationId xmlns:a16="http://schemas.microsoft.com/office/drawing/2014/main" id="{86313131-4F7A-49B6-B350-882940888B3D}"/>
+              </a:ext>
+            </a:extLst>
+          </p:cNvPr>
+          <p:cNvSpPr txBox="1"/>
+          <p:nvPr/>
+        </p:nvSpPr>
+        <p:spPr>
+          <a:xfrm>
+            <a:off x="1890446" y="1017140"/>
+            <a:ext cx="380144" cy="369332"/>
+          </a:xfrm>
+          <a:prstGeom prst="rect">
+            <a:avLst/>
+          </a:prstGeom>
+          <a:noFill/>
+        </p:spPr>
+        <p:txBody>
+          <a:bodyPr wrap="square" rtlCol="0">
+            <a:spAutoFit/>
+          </a:bodyPr>
+          <a:lstStyle/>
+          <a:p>
+            <a:r>
+              <a:rPr lang="fr-FR" dirty="0"/>
+              <a:t>H</a:t>
+            </a:r>
+          </a:p>
+        </p:txBody>
+      </p:sp>
+      <p:sp>
+        <p:nvSpPr>
+          <p:cNvPr id="4" name="TextBox 3">
+            <a:extLst>
+              <a:ext uri="{FF2B5EF4-FFF2-40B4-BE49-F238E27FC236}">
+                <a16:creationId xmlns:a16="http://schemas.microsoft.com/office/drawing/2014/main" id="{D49A3F2D-1FDA-44C1-B13F-2CD783AF8EEE}"/>
+              </a:ext>
+            </a:extLst>
+          </p:cNvPr>
+          <p:cNvSpPr txBox="1"/>
+          <p:nvPr/>
+        </p:nvSpPr>
+        <p:spPr>
+          <a:xfrm>
+            <a:off x="1500028" y="1436669"/>
+            <a:ext cx="380144" cy="369332"/>
+          </a:xfrm>
+          <a:prstGeom prst="rect">
+            <a:avLst/>
+          </a:prstGeom>
+          <a:noFill/>
+        </p:spPr>
+        <p:txBody>
+          <a:bodyPr wrap="square" rtlCol="0">
+            <a:spAutoFit/>
+          </a:bodyPr>
+          <a:lstStyle/>
+          <a:p>
+            <a:r>
+              <a:rPr lang="fr-FR" dirty="0"/>
+              <a:t>H</a:t>
+            </a:r>
+          </a:p>
+        </p:txBody>
+      </p:sp>
+      <p:sp>
+        <p:nvSpPr>
+          <p:cNvPr id="5" name="TextBox 4">
+            <a:extLst>
+              <a:ext uri="{FF2B5EF4-FFF2-40B4-BE49-F238E27FC236}">
+                <a16:creationId xmlns:a16="http://schemas.microsoft.com/office/drawing/2014/main" id="{F4102B3D-5FF2-4A08-803D-6B406BB94E88}"/>
+              </a:ext>
+            </a:extLst>
+          </p:cNvPr>
+          <p:cNvSpPr txBox="1"/>
+          <p:nvPr/>
+        </p:nvSpPr>
+        <p:spPr>
+          <a:xfrm>
+            <a:off x="1089060" y="1017140"/>
+            <a:ext cx="380144" cy="369332"/>
+          </a:xfrm>
+          <a:prstGeom prst="rect">
+            <a:avLst/>
+          </a:prstGeom>
+          <a:noFill/>
+        </p:spPr>
+        <p:txBody>
+          <a:bodyPr wrap="square" rtlCol="0">
+            <a:spAutoFit/>
+          </a:bodyPr>
+          <a:lstStyle/>
+          <a:p>
+            <a:r>
+              <a:rPr lang="fr-FR" dirty="0"/>
+              <a:t>H</a:t>
+            </a:r>
+          </a:p>
+        </p:txBody>
+      </p:sp>
+      <p:sp>
+        <p:nvSpPr>
+          <p:cNvPr id="6" name="TextBox 5">
+            <a:extLst>
+              <a:ext uri="{FF2B5EF4-FFF2-40B4-BE49-F238E27FC236}">
+                <a16:creationId xmlns:a16="http://schemas.microsoft.com/office/drawing/2014/main" id="{1EFA01F1-0263-4034-ACF1-54C29E93B2CC}"/>
+              </a:ext>
+            </a:extLst>
+          </p:cNvPr>
+          <p:cNvSpPr txBox="1"/>
+          <p:nvPr/>
+        </p:nvSpPr>
+        <p:spPr>
+          <a:xfrm>
+            <a:off x="1469204" y="591888"/>
+            <a:ext cx="380144" cy="369332"/>
+          </a:xfrm>
+          <a:prstGeom prst="rect">
+            <a:avLst/>
+          </a:prstGeom>
+          <a:noFill/>
+        </p:spPr>
+        <p:txBody>
+          <a:bodyPr wrap="square" rtlCol="0">
+            <a:spAutoFit/>
+          </a:bodyPr>
+          <a:lstStyle/>
+          <a:p>
+            <a:r>
+              <a:rPr lang="fr-FR" dirty="0"/>
+              <a:t>H</a:t>
+            </a:r>
+          </a:p>
+        </p:txBody>
+      </p:sp>
+      <p:sp>
+        <p:nvSpPr>
+          <p:cNvPr id="7" name="TextBox 6">
+            <a:extLst>
+              <a:ext uri="{FF2B5EF4-FFF2-40B4-BE49-F238E27FC236}">
+                <a16:creationId xmlns:a16="http://schemas.microsoft.com/office/drawing/2014/main" id="{AC9B2F34-A4E4-42D0-88A7-82DDA48DFFCB}"/>
+              </a:ext>
+            </a:extLst>
+          </p:cNvPr>
+          <p:cNvSpPr txBox="1"/>
+          <p:nvPr/>
+        </p:nvSpPr>
+        <p:spPr>
+          <a:xfrm>
+            <a:off x="4231241" y="961220"/>
+            <a:ext cx="380144" cy="369332"/>
+          </a:xfrm>
+          <a:prstGeom prst="rect">
+            <a:avLst/>
+          </a:prstGeom>
+          <a:noFill/>
+        </p:spPr>
+        <p:txBody>
+          <a:bodyPr wrap="square" rtlCol="0">
+            <a:spAutoFit/>
+          </a:bodyPr>
+          <a:lstStyle/>
+          <a:p>
+            <a:r>
+              <a:rPr lang="fr-FR" dirty="0"/>
+              <a:t>N</a:t>
+            </a:r>
+          </a:p>
+        </p:txBody>
+      </p:sp>
+      <p:sp>
+        <p:nvSpPr>
+          <p:cNvPr id="8" name="TextBox 7">
+            <a:extLst>
+              <a:ext uri="{FF2B5EF4-FFF2-40B4-BE49-F238E27FC236}">
+                <a16:creationId xmlns:a16="http://schemas.microsoft.com/office/drawing/2014/main" id="{FB73652A-868B-4F11-AAE0-E5E017B96B3A}"/>
+              </a:ext>
+            </a:extLst>
+          </p:cNvPr>
+          <p:cNvSpPr txBox="1"/>
+          <p:nvPr/>
+        </p:nvSpPr>
+        <p:spPr>
+          <a:xfrm>
+            <a:off x="4239804" y="608423"/>
+            <a:ext cx="380144" cy="369332"/>
+          </a:xfrm>
+          <a:prstGeom prst="rect">
+            <a:avLst/>
+          </a:prstGeom>
+          <a:noFill/>
+        </p:spPr>
+        <p:txBody>
+          <a:bodyPr wrap="square" rtlCol="0">
+            <a:spAutoFit/>
+          </a:bodyPr>
+          <a:lstStyle/>
+          <a:p>
+            <a:r>
+              <a:rPr lang="fr-FR" dirty="0"/>
+              <a:t>F</a:t>
+            </a:r>
+          </a:p>
+        </p:txBody>
+      </p:sp>
+      <p:sp>
+        <p:nvSpPr>
+          <p:cNvPr id="9" name="TextBox 8">
+            <a:extLst>
+              <a:ext uri="{FF2B5EF4-FFF2-40B4-BE49-F238E27FC236}">
+                <a16:creationId xmlns:a16="http://schemas.microsoft.com/office/drawing/2014/main" id="{88BB1A26-0F77-41F7-BD05-A2435AF53B24}"/>
+              </a:ext>
+            </a:extLst>
+          </p:cNvPr>
+          <p:cNvSpPr txBox="1"/>
+          <p:nvPr/>
+        </p:nvSpPr>
+        <p:spPr>
+          <a:xfrm>
+            <a:off x="3941854" y="1268637"/>
+            <a:ext cx="380144" cy="369332"/>
+          </a:xfrm>
+          <a:prstGeom prst="rect">
+            <a:avLst/>
+          </a:prstGeom>
+          <a:noFill/>
+        </p:spPr>
+        <p:txBody>
+          <a:bodyPr wrap="square" rtlCol="0">
+            <a:spAutoFit/>
+          </a:bodyPr>
+          <a:lstStyle/>
+          <a:p>
+            <a:r>
+              <a:rPr lang="fr-FR" dirty="0"/>
+              <a:t>F</a:t>
+            </a:r>
+          </a:p>
+        </p:txBody>
+      </p:sp>
+      <p:sp>
+        <p:nvSpPr>
+          <p:cNvPr id="10" name="TextBox 9">
+            <a:extLst>
+              <a:ext uri="{FF2B5EF4-FFF2-40B4-BE49-F238E27FC236}">
+                <a16:creationId xmlns:a16="http://schemas.microsoft.com/office/drawing/2014/main" id="{F0AAB6C5-E6EA-41A7-8DEB-1DC385A4D6C7}"/>
+              </a:ext>
+            </a:extLst>
+          </p:cNvPr>
+          <p:cNvSpPr txBox="1"/>
+          <p:nvPr/>
+        </p:nvSpPr>
+        <p:spPr>
+          <a:xfrm>
+            <a:off x="4553168" y="1258363"/>
+            <a:ext cx="380144" cy="369332"/>
+          </a:xfrm>
+          <a:prstGeom prst="rect">
+            <a:avLst/>
+          </a:prstGeom>
+          <a:noFill/>
+        </p:spPr>
+        <p:txBody>
+          <a:bodyPr wrap="square" rtlCol="0">
+            <a:spAutoFit/>
+          </a:bodyPr>
+          <a:lstStyle/>
+          <a:p>
+            <a:r>
+              <a:rPr lang="fr-FR" dirty="0"/>
+              <a:t>F</a:t>
+            </a:r>
+          </a:p>
+        </p:txBody>
+      </p:sp>
+      <p:sp>
+        <p:nvSpPr>
+          <p:cNvPr id="11" name="TextBox 10">
+            <a:extLst>
+              <a:ext uri="{FF2B5EF4-FFF2-40B4-BE49-F238E27FC236}">
+                <a16:creationId xmlns:a16="http://schemas.microsoft.com/office/drawing/2014/main" id="{0788CD54-482B-4C02-9E6A-A74ACF8B87AD}"/>
+              </a:ext>
+            </a:extLst>
+          </p:cNvPr>
+          <p:cNvSpPr txBox="1"/>
+          <p:nvPr/>
+        </p:nvSpPr>
+        <p:spPr>
+          <a:xfrm>
+            <a:off x="7133693" y="961220"/>
+            <a:ext cx="297949" cy="369332"/>
+          </a:xfrm>
+          <a:prstGeom prst="rect">
+            <a:avLst/>
+          </a:prstGeom>
+          <a:noFill/>
+        </p:spPr>
+        <p:txBody>
+          <a:bodyPr wrap="square" rtlCol="0">
+            <a:spAutoFit/>
+          </a:bodyPr>
+          <a:lstStyle/>
+          <a:p>
+            <a:r>
+              <a:rPr lang="fr-FR" dirty="0"/>
+              <a:t>N</a:t>
+            </a:r>
+          </a:p>
+        </p:txBody>
+      </p:sp>
+      <p:sp>
+        <p:nvSpPr>
+          <p:cNvPr id="12" name="TextBox 11">
+            <a:extLst>
+              <a:ext uri="{FF2B5EF4-FFF2-40B4-BE49-F238E27FC236}">
+                <a16:creationId xmlns:a16="http://schemas.microsoft.com/office/drawing/2014/main" id="{F04F162F-B183-4E53-97B7-42ED26264BF0}"/>
+              </a:ext>
+            </a:extLst>
+          </p:cNvPr>
+          <p:cNvSpPr txBox="1"/>
+          <p:nvPr/>
+        </p:nvSpPr>
+        <p:spPr>
+          <a:xfrm>
+            <a:off x="7431642" y="961220"/>
+            <a:ext cx="297949" cy="369332"/>
+          </a:xfrm>
+          <a:prstGeom prst="rect">
+            <a:avLst/>
+          </a:prstGeom>
+          <a:noFill/>
+        </p:spPr>
+        <p:txBody>
+          <a:bodyPr wrap="square" rtlCol="0">
+            <a:spAutoFit/>
+          </a:bodyPr>
+          <a:lstStyle/>
+          <a:p>
+            <a:r>
+              <a:rPr lang="fr-FR" dirty="0"/>
+              <a:t>N</a:t>
+            </a:r>
+          </a:p>
+        </p:txBody>
+      </p:sp>
+      <p:sp>
+        <p:nvSpPr>
+          <p:cNvPr id="13" name="TextBox 12">
+            <a:extLst>
+              <a:ext uri="{FF2B5EF4-FFF2-40B4-BE49-F238E27FC236}">
+                <a16:creationId xmlns:a16="http://schemas.microsoft.com/office/drawing/2014/main" id="{76F501F4-505A-42D9-8CA6-A4FCB859EEC8}"/>
+              </a:ext>
+            </a:extLst>
+          </p:cNvPr>
+          <p:cNvSpPr txBox="1"/>
+          <p:nvPr/>
+        </p:nvSpPr>
+        <p:spPr>
+          <a:xfrm>
+            <a:off x="6350717" y="1562607"/>
+            <a:ext cx="297949" cy="369332"/>
+          </a:xfrm>
+          <a:prstGeom prst="rect">
+            <a:avLst/>
+          </a:prstGeom>
+          <a:noFill/>
+        </p:spPr>
+        <p:txBody>
+          <a:bodyPr wrap="square" rtlCol="0">
+            <a:spAutoFit/>
+          </a:bodyPr>
+          <a:lstStyle/>
+          <a:p>
+            <a:r>
+              <a:rPr lang="fr-FR" dirty="0"/>
+              <a:t>N</a:t>
+            </a:r>
+          </a:p>
+        </p:txBody>
+      </p:sp>
+      <p:sp>
+        <p:nvSpPr>
+          <p:cNvPr id="14" name="TextBox 13">
+            <a:extLst>
+              <a:ext uri="{FF2B5EF4-FFF2-40B4-BE49-F238E27FC236}">
+                <a16:creationId xmlns:a16="http://schemas.microsoft.com/office/drawing/2014/main" id="{B8469C95-AB84-407F-923C-DEBC465BFAE7}"/>
+              </a:ext>
+            </a:extLst>
+          </p:cNvPr>
+          <p:cNvSpPr txBox="1"/>
+          <p:nvPr/>
+        </p:nvSpPr>
+        <p:spPr>
+          <a:xfrm>
+            <a:off x="6721252" y="1562607"/>
+            <a:ext cx="297949" cy="369332"/>
+          </a:xfrm>
+          <a:prstGeom prst="rect">
+            <a:avLst/>
+          </a:prstGeom>
+          <a:noFill/>
+        </p:spPr>
+        <p:txBody>
+          <a:bodyPr wrap="square" rtlCol="0">
+            <a:spAutoFit/>
+          </a:bodyPr>
+          <a:lstStyle/>
+          <a:p>
+            <a:r>
+              <a:rPr lang="fr-FR" dirty="0"/>
+              <a:t>N</a:t>
+            </a:r>
+          </a:p>
+        </p:txBody>
+      </p:sp>
+      <p:cxnSp>
+        <p:nvCxnSpPr>
+          <p:cNvPr id="16" name="Straight Connector 15">
+            <a:extLst>
+              <a:ext uri="{FF2B5EF4-FFF2-40B4-BE49-F238E27FC236}">
+                <a16:creationId xmlns:a16="http://schemas.microsoft.com/office/drawing/2014/main" id="{8E58FF8E-E7DC-4D57-98EF-06C6C4AF97AA}"/>
+              </a:ext>
+            </a:extLst>
+          </p:cNvPr>
+          <p:cNvCxnSpPr>
+            <a:cxnSpLocks/>
+          </p:cNvCxnSpPr>
+          <p:nvPr/>
+        </p:nvCxnSpPr>
+        <p:spPr>
+          <a:xfrm>
+            <a:off x="6605428" y="1693333"/>
+            <a:ext cx="172952" cy="0"/>
+          </a:xfrm>
+          <a:prstGeom prst="line">
+            <a:avLst/>
+          </a:prstGeom>
+          <a:ln w="19050">
+            <a:solidFill>
+              <a:schemeClr val="tx1"/>
+            </a:solidFill>
+          </a:ln>
+        </p:spPr>
+        <p:style>
+          <a:lnRef idx="1">
+            <a:schemeClr val="accent1"/>
+          </a:lnRef>
+          <a:fillRef idx="0">
+            <a:schemeClr val="accent1"/>
+          </a:fillRef>
+          <a:effectRef idx="0">
+            <a:schemeClr val="accent1"/>
+          </a:effectRef>
+          <a:fontRef idx="minor">
+            <a:schemeClr val="tx1"/>
+          </a:fontRef>
+        </p:style>
+      </p:cxnSp>
+      <p:cxnSp>
+        <p:nvCxnSpPr>
+          <p:cNvPr id="18" name="Straight Connector 17">
+            <a:extLst>
+              <a:ext uri="{FF2B5EF4-FFF2-40B4-BE49-F238E27FC236}">
+                <a16:creationId xmlns:a16="http://schemas.microsoft.com/office/drawing/2014/main" id="{783908CE-AEE9-4CD7-BE93-15BA78C248F6}"/>
+              </a:ext>
+            </a:extLst>
+          </p:cNvPr>
+          <p:cNvCxnSpPr>
+            <a:cxnSpLocks/>
+          </p:cNvCxnSpPr>
+          <p:nvPr/>
+        </p:nvCxnSpPr>
+        <p:spPr>
+          <a:xfrm>
+            <a:off x="6605428" y="1756833"/>
+            <a:ext cx="172952" cy="0"/>
+          </a:xfrm>
+          <a:prstGeom prst="line">
+            <a:avLst/>
+          </a:prstGeom>
+          <a:ln w="19050">
+            <a:solidFill>
+              <a:schemeClr val="tx1"/>
+            </a:solidFill>
+          </a:ln>
+        </p:spPr>
+        <p:style>
+          <a:lnRef idx="1">
+            <a:schemeClr val="accent1"/>
+          </a:lnRef>
+          <a:fillRef idx="0">
+            <a:schemeClr val="accent1"/>
+          </a:fillRef>
+          <a:effectRef idx="0">
+            <a:schemeClr val="accent1"/>
+          </a:effectRef>
+          <a:fontRef idx="minor">
+            <a:schemeClr val="tx1"/>
+          </a:fontRef>
+        </p:style>
+      </p:cxnSp>
+      <p:cxnSp>
+        <p:nvCxnSpPr>
+          <p:cNvPr id="19" name="Straight Connector 18">
+            <a:extLst>
+              <a:ext uri="{FF2B5EF4-FFF2-40B4-BE49-F238E27FC236}">
+                <a16:creationId xmlns:a16="http://schemas.microsoft.com/office/drawing/2014/main" id="{0F2EFAC6-CA93-4BE3-A08D-1E0E413CFE91}"/>
+              </a:ext>
+            </a:extLst>
+          </p:cNvPr>
+          <p:cNvCxnSpPr>
+            <a:cxnSpLocks/>
+          </p:cNvCxnSpPr>
+          <p:nvPr/>
+        </p:nvCxnSpPr>
+        <p:spPr>
+          <a:xfrm>
+            <a:off x="6605428" y="1822934"/>
+            <a:ext cx="172952" cy="0"/>
+          </a:xfrm>
+          <a:prstGeom prst="line">
+            <a:avLst/>
+          </a:prstGeom>
+          <a:ln w="19050">
+            <a:solidFill>
+              <a:schemeClr val="tx1"/>
+            </a:solidFill>
+          </a:ln>
+        </p:spPr>
+        <p:style>
+          <a:lnRef idx="1">
+            <a:schemeClr val="accent1"/>
+          </a:lnRef>
+          <a:fillRef idx="0">
+            <a:schemeClr val="accent1"/>
+          </a:fillRef>
+          <a:effectRef idx="0">
+            <a:schemeClr val="accent1"/>
+          </a:effectRef>
+          <a:fontRef idx="minor">
+            <a:schemeClr val="tx1"/>
+          </a:fontRef>
+        </p:style>
+      </p:cxnSp>
+    </p:spTree>
+    <p:extLst>
+      <p:ext uri="{BB962C8B-B14F-4D97-AF65-F5344CB8AC3E}">
+        <p14:creationId xmlns:p14="http://schemas.microsoft.com/office/powerpoint/2010/main" val="389157204"/>
+      </p:ext>
+    </p:extLst>
+  </p:cSld>
+  <p:clrMapOvr>
+    <a:masterClrMapping/>
+  </p:clrMapOvr>
+</p:sld>
+</file>
+
 <file path=ppt/theme/theme1.xml><?xml version="1.0" encoding="utf-8"?>
 <a:theme xmlns:a="http://schemas.openxmlformats.org/drawingml/2006/main" name="Office Theme">
   <a:themeElements>
@@ -5430,4 +12213,299 @@
     </a:ext>
   </a:extLst>
 </a:theme>
+</file>
+
+<file path=ppt/theme/theme2.xml><?xml version="1.0" encoding="utf-8"?>
+<a:theme xmlns:a="http://schemas.openxmlformats.org/drawingml/2006/main" name="Office Theme">
+  <a:themeElements>
+    <a:clrScheme name="Office">
+      <a:dk1>
+        <a:sysClr val="windowText" lastClr="000000"/>
+      </a:dk1>
+      <a:lt1>
+        <a:sysClr val="window" lastClr="FFFFFF"/>
+      </a:lt1>
+      <a:dk2>
+        <a:srgbClr val="44546A"/>
+      </a:dk2>
+      <a:lt2>
+        <a:srgbClr val="E7E6E6"/>
+      </a:lt2>
+      <a:accent1>
+        <a:srgbClr val="4472C4"/>
+      </a:accent1>
+      <a:accent2>
+        <a:srgbClr val="ED7D31"/>
+      </a:accent2>
+      <a:accent3>
+        <a:srgbClr val="A5A5A5"/>
+      </a:accent3>
+      <a:accent4>
+        <a:srgbClr val="FFC000"/>
+      </a:accent4>
+      <a:accent5>
+        <a:srgbClr val="5B9BD5"/>
+      </a:accent5>
+      <a:accent6>
+        <a:srgbClr val="70AD47"/>
+      </a:accent6>
+      <a:hlink>
+        <a:srgbClr val="0563C1"/>
+      </a:hlink>
+      <a:folHlink>
+        <a:srgbClr val="954F72"/>
+      </a:folHlink>
+    </a:clrScheme>
+    <a:fontScheme name="Office">
+      <a:majorFont>
+        <a:latin typeface="Calibri Light" panose="020F0302020204030204"/>
+        <a:ea typeface=""/>
+        <a:cs typeface=""/>
+        <a:font script="Jpan" typeface="游ゴシック Light"/>
+        <a:font script="Hang" typeface="맑은 고딕"/>
+        <a:font script="Hans" typeface="等线 Light"/>
+        <a:font script="Hant" typeface="新細明體"/>
+        <a:font script="Arab" typeface="Times New Roman"/>
+        <a:font script="Hebr" typeface="Times New Roman"/>
+        <a:font script="Thai" typeface="Angsana New"/>
+        <a:font script="Ethi" typeface="Nyala"/>
+        <a:font script="Beng" typeface="Vrinda"/>
+        <a:font script="Gujr" typeface="Shruti"/>
+        <a:font script="Khmr" typeface="MoolBoran"/>
+        <a:font script="Knda" typeface="Tunga"/>
+        <a:font script="Guru" typeface="Raavi"/>
+        <a:font script="Cans" typeface="Euphemia"/>
+        <a:font script="Cher" typeface="Plantagenet Cherokee"/>
+        <a:font script="Yiii" typeface="Microsoft Yi Baiti"/>
+        <a:font script="Tibt" typeface="Microsoft Himalaya"/>
+        <a:font script="Thaa" typeface="MV Boli"/>
+        <a:font script="Deva" typeface="Mangal"/>
+        <a:font script="Telu" typeface="Gautami"/>
+        <a:font script="Taml" typeface="Latha"/>
+        <a:font script="Syrc" typeface="Estrangelo Edessa"/>
+        <a:font script="Orya" typeface="Kalinga"/>
+        <a:font script="Mlym" typeface="Kartika"/>
+        <a:font script="Laoo" typeface="DokChampa"/>
+        <a:font script="Sinh" typeface="Iskoola Pota"/>
+        <a:font script="Mong" typeface="Mongolian Baiti"/>
+        <a:font script="Viet" typeface="Times New Roman"/>
+        <a:font script="Uigh" typeface="Microsoft Uighur"/>
+        <a:font script="Geor" typeface="Sylfaen"/>
+        <a:font script="Armn" typeface="Arial"/>
+        <a:font script="Bugi" typeface="Leelawadee UI"/>
+        <a:font script="Bopo" typeface="Microsoft JhengHei"/>
+        <a:font script="Java" typeface="Javanese Text"/>
+        <a:font script="Lisu" typeface="Segoe UI"/>
+        <a:font script="Mymr" typeface="Myanmar Text"/>
+        <a:font script="Nkoo" typeface="Ebrima"/>
+        <a:font script="Olck" typeface="Nirmala UI"/>
+        <a:font script="Osma" typeface="Ebrima"/>
+        <a:font script="Phag" typeface="Phagspa"/>
+        <a:font script="Syrn" typeface="Estrangelo Edessa"/>
+        <a:font script="Syrj" typeface="Estrangelo Edessa"/>
+        <a:font script="Syre" typeface="Estrangelo Edessa"/>
+        <a:font script="Sora" typeface="Nirmala UI"/>
+        <a:font script="Tale" typeface="Microsoft Tai Le"/>
+        <a:font script="Talu" typeface="Microsoft New Tai Lue"/>
+        <a:font script="Tfng" typeface="Ebrima"/>
+      </a:majorFont>
+      <a:minorFont>
+        <a:latin typeface="Calibri" panose="020F0502020204030204"/>
+        <a:ea typeface=""/>
+        <a:cs typeface=""/>
+        <a:font script="Jpan" typeface="游ゴシック"/>
+        <a:font script="Hang" typeface="맑은 고딕"/>
+        <a:font script="Hans" typeface="等线"/>
+        <a:font script="Hant" typeface="新細明體"/>
+        <a:font script="Arab" typeface="Arial"/>
+        <a:font script="Hebr" typeface="Arial"/>
+        <a:font script="Thai" typeface="Cordia New"/>
+        <a:font script="Ethi" typeface="Nyala"/>
+        <a:font script="Beng" typeface="Vrinda"/>
+        <a:font script="Gujr" typeface="Shruti"/>
+        <a:font script="Khmr" typeface="DaunPenh"/>
+        <a:font script="Knda" typeface="Tunga"/>
+        <a:font script="Guru" typeface="Raavi"/>
+        <a:font script="Cans" typeface="Euphemia"/>
+        <a:font script="Cher" typeface="Plantagenet Cherokee"/>
+        <a:font script="Yiii" typeface="Microsoft Yi Baiti"/>
+        <a:font script="Tibt" typeface="Microsoft Himalaya"/>
+        <a:font script="Thaa" typeface="MV Boli"/>
+        <a:font script="Deva" typeface="Mangal"/>
+        <a:font script="Telu" typeface="Gautami"/>
+        <a:font script="Taml" typeface="Latha"/>
+        <a:font script="Syrc" typeface="Estrangelo Edessa"/>
+        <a:font script="Orya" typeface="Kalinga"/>
+        <a:font script="Mlym" typeface="Kartika"/>
+        <a:font script="Laoo" typeface="DokChampa"/>
+        <a:font script="Sinh" typeface="Iskoola Pota"/>
+        <a:font script="Mong" typeface="Mongolian Baiti"/>
+        <a:font script="Viet" typeface="Arial"/>
+        <a:font script="Uigh" typeface="Microsoft Uighur"/>
+        <a:font script="Geor" typeface="Sylfaen"/>
+        <a:font script="Armn" typeface="Arial"/>
+        <a:font script="Bugi" typeface="Leelawadee UI"/>
+        <a:font script="Bopo" typeface="Microsoft JhengHei"/>
+        <a:font script="Java" typeface="Javanese Text"/>
+        <a:font script="Lisu" typeface="Segoe UI"/>
+        <a:font script="Mymr" typeface="Myanmar Text"/>
+        <a:font script="Nkoo" typeface="Ebrima"/>
+        <a:font script="Olck" typeface="Nirmala UI"/>
+        <a:font script="Osma" typeface="Ebrima"/>
+        <a:font script="Phag" typeface="Phagspa"/>
+        <a:font script="Syrn" typeface="Estrangelo Edessa"/>
+        <a:font script="Syrj" typeface="Estrangelo Edessa"/>
+        <a:font script="Syre" typeface="Estrangelo Edessa"/>
+        <a:font script="Sora" typeface="Nirmala UI"/>
+        <a:font script="Tale" typeface="Microsoft Tai Le"/>
+        <a:font script="Talu" typeface="Microsoft New Tai Lue"/>
+        <a:font script="Tfng" typeface="Ebrima"/>
+      </a:minorFont>
+    </a:fontScheme>
+    <a:fmtScheme name="Office">
+      <a:fillStyleLst>
+        <a:solidFill>
+          <a:schemeClr val="phClr"/>
+        </a:solidFill>
+        <a:gradFill rotWithShape="1">
+          <a:gsLst>
+            <a:gs pos="0">
+              <a:schemeClr val="phClr">
+                <a:lumMod val="110000"/>
+                <a:satMod val="105000"/>
+                <a:tint val="67000"/>
+              </a:schemeClr>
+            </a:gs>
+            <a:gs pos="50000">
+              <a:schemeClr val="phClr">
+                <a:lumMod val="105000"/>
+                <a:satMod val="103000"/>
+                <a:tint val="73000"/>
+              </a:schemeClr>
+            </a:gs>
+            <a:gs pos="100000">
+              <a:schemeClr val="phClr">
+                <a:lumMod val="105000"/>
+                <a:satMod val="109000"/>
+                <a:tint val="81000"/>
+              </a:schemeClr>
+            </a:gs>
+          </a:gsLst>
+          <a:lin ang="5400000" scaled="0"/>
+        </a:gradFill>
+        <a:gradFill rotWithShape="1">
+          <a:gsLst>
+            <a:gs pos="0">
+              <a:schemeClr val="phClr">
+                <a:satMod val="103000"/>
+                <a:lumMod val="102000"/>
+                <a:tint val="94000"/>
+              </a:schemeClr>
+            </a:gs>
+            <a:gs pos="50000">
+              <a:schemeClr val="phClr">
+                <a:satMod val="110000"/>
+                <a:lumMod val="100000"/>
+                <a:shade val="100000"/>
+              </a:schemeClr>
+            </a:gs>
+            <a:gs pos="100000">
+              <a:schemeClr val="phClr">
+                <a:lumMod val="99000"/>
+                <a:satMod val="120000"/>
+                <a:shade val="78000"/>
+              </a:schemeClr>
+            </a:gs>
+          </a:gsLst>
+          <a:lin ang="5400000" scaled="0"/>
+        </a:gradFill>
+      </a:fillStyleLst>
+      <a:lnStyleLst>
+        <a:ln w="6350" cap="flat" cmpd="sng" algn="ctr">
+          <a:solidFill>
+            <a:schemeClr val="phClr"/>
+          </a:solidFill>
+          <a:prstDash val="solid"/>
+          <a:miter lim="800000"/>
+        </a:ln>
+        <a:ln w="12700" cap="flat" cmpd="sng" algn="ctr">
+          <a:solidFill>
+            <a:schemeClr val="phClr"/>
+          </a:solidFill>
+          <a:prstDash val="solid"/>
+          <a:miter lim="800000"/>
+        </a:ln>
+        <a:ln w="19050" cap="flat" cmpd="sng" algn="ctr">
+          <a:solidFill>
+            <a:schemeClr val="phClr"/>
+          </a:solidFill>
+          <a:prstDash val="solid"/>
+          <a:miter lim="800000"/>
+        </a:ln>
+      </a:lnStyleLst>
+      <a:effectStyleLst>
+        <a:effectStyle>
+          <a:effectLst/>
+        </a:effectStyle>
+        <a:effectStyle>
+          <a:effectLst/>
+        </a:effectStyle>
+        <a:effectStyle>
+          <a:effectLst>
+            <a:outerShdw blurRad="57150" dist="19050" dir="5400000" algn="ctr" rotWithShape="0">
+              <a:srgbClr val="000000">
+                <a:alpha val="63000"/>
+              </a:srgbClr>
+            </a:outerShdw>
+          </a:effectLst>
+        </a:effectStyle>
+      </a:effectStyleLst>
+      <a:bgFillStyleLst>
+        <a:solidFill>
+          <a:schemeClr val="phClr"/>
+        </a:solidFill>
+        <a:solidFill>
+          <a:schemeClr val="phClr">
+            <a:tint val="95000"/>
+            <a:satMod val="170000"/>
+          </a:schemeClr>
+        </a:solidFill>
+        <a:gradFill rotWithShape="1">
+          <a:gsLst>
+            <a:gs pos="0">
+              <a:schemeClr val="phClr">
+                <a:tint val="93000"/>
+                <a:satMod val="150000"/>
+                <a:shade val="98000"/>
+                <a:lumMod val="102000"/>
+              </a:schemeClr>
+            </a:gs>
+            <a:gs pos="50000">
+              <a:schemeClr val="phClr">
+                <a:tint val="98000"/>
+                <a:satMod val="130000"/>
+                <a:shade val="90000"/>
+                <a:lumMod val="103000"/>
+              </a:schemeClr>
+            </a:gs>
+            <a:gs pos="100000">
+              <a:schemeClr val="phClr">
+                <a:shade val="63000"/>
+                <a:satMod val="120000"/>
+              </a:schemeClr>
+            </a:gs>
+          </a:gsLst>
+          <a:lin ang="5400000" scaled="0"/>
+        </a:gradFill>
+      </a:bgFillStyleLst>
+    </a:fmtScheme>
+  </a:themeElements>
+  <a:objectDefaults/>
+  <a:extraClrSchemeLst/>
+  <a:extLst>
+    <a:ext uri="{05A4C25C-085E-4340-85A3-A5531E510DB2}">
+      <thm15:themeFamily xmlns:thm15="http://schemas.microsoft.com/office/thememl/2012/main" name="Office Theme" id="{62F939B6-93AF-4DB8-9C6B-D6C7DFDC589F}" vid="{4A3C46E8-61CC-4603-A589-7422A47A8E4A}"/>
+    </a:ext>
+  </a:extLst>
+</a:theme>
 </file>